--- a/Doc/doc_app.pptx
+++ b/Doc/doc_app.pptx
@@ -21,6 +21,10 @@
     <p:sldId id="266" r:id="rId18"/>
     <p:sldId id="267" r:id="rId19"/>
     <p:sldId id="268" r:id="rId20"/>
+    <p:sldId id="269" r:id="rId21"/>
+    <p:sldId id="270" r:id="rId22"/>
+    <p:sldId id="271" r:id="rId23"/>
+    <p:sldId id="272" r:id="rId24"/>
   </p:sldIdLst>
   <p:sldSz cx="13004800" cy="9753600"/>
   <p:notesSz cx="6858000" cy="9144000"/>
@@ -3126,6 +3130,144 @@
           </a:p>
         </p:txBody>
       </p:sp>
+      <p:pic>
+        <p:nvPicPr>
+          <p:cNvPr id="121" name="Image" descr="Image"/>
+          <p:cNvPicPr>
+            <a:picLocks noChangeAspect="1"/>
+          </p:cNvPicPr>
+          <p:nvPr/>
+        </p:nvPicPr>
+        <p:blipFill>
+          <a:blip r:embed="rId2">
+            <a:extLst/>
+          </a:blip>
+          <a:stretch>
+            <a:fillRect/>
+          </a:stretch>
+        </p:blipFill>
+        <p:spPr>
+          <a:xfrm>
+            <a:off x="10397066" y="687259"/>
+            <a:ext cx="1727201" cy="990601"/>
+          </a:xfrm>
+          <a:prstGeom prst="rect">
+            <a:avLst/>
+          </a:prstGeom>
+          <a:ln w="12700">
+            <a:miter lim="400000"/>
+          </a:ln>
+        </p:spPr>
+      </p:pic>
+      <p:pic>
+        <p:nvPicPr>
+          <p:cNvPr id="122" name="Image" descr="Image"/>
+          <p:cNvPicPr>
+            <a:picLocks noChangeAspect="1"/>
+          </p:cNvPicPr>
+          <p:nvPr/>
+        </p:nvPicPr>
+        <p:blipFill>
+          <a:blip r:embed="rId3">
+            <a:extLst/>
+          </a:blip>
+          <a:stretch>
+            <a:fillRect/>
+          </a:stretch>
+        </p:blipFill>
+        <p:spPr>
+          <a:xfrm>
+            <a:off x="769506" y="733597"/>
+            <a:ext cx="2439361" cy="897925"/>
+          </a:xfrm>
+          <a:prstGeom prst="rect">
+            <a:avLst/>
+          </a:prstGeom>
+          <a:ln w="12700">
+            <a:miter lim="400000"/>
+          </a:ln>
+        </p:spPr>
+      </p:pic>
+      <p:sp>
+        <p:nvSpPr>
+          <p:cNvPr id="123" name="Master IT 2ème année"/>
+          <p:cNvSpPr txBox="1"/>
+          <p:nvPr/>
+        </p:nvSpPr>
+        <p:spPr>
+          <a:xfrm>
+            <a:off x="578072" y="8271933"/>
+            <a:ext cx="2822229" cy="457201"/>
+          </a:xfrm>
+          <a:prstGeom prst="rect">
+            <a:avLst/>
+          </a:prstGeom>
+          <a:ln w="12700">
+            <a:miter lim="400000"/>
+          </a:ln>
+          <a:extLst>
+            <a:ext uri="{C572A759-6A51-4108-AA02-DFA0A04FC94B}">
+              <ma14:wrappingTextBoxFlag xmlns:ma14="http://schemas.microsoft.com/office/mac/drawingml/2011/main" val="1"/>
+            </a:ext>
+          </a:extLst>
+        </p:spPr>
+        <p:txBody>
+          <a:bodyPr wrap="none" lIns="50800" tIns="50800" rIns="50800" bIns="50800" anchor="ctr">
+            <a:spAutoFit/>
+          </a:bodyPr>
+          <a:lstStyle>
+            <a:lvl1pPr>
+              <a:defRPr sz="2400"/>
+            </a:lvl1pPr>
+          </a:lstStyle>
+          <a:p>
+            <a:pPr/>
+            <a:r>
+              <a:t>Master IT 2ème année</a:t>
+            </a:r>
+          </a:p>
+        </p:txBody>
+      </p:sp>
+      <p:sp>
+        <p:nvSpPr>
+          <p:cNvPr id="124" name="13/02/2019"/>
+          <p:cNvSpPr txBox="1"/>
+          <p:nvPr/>
+        </p:nvSpPr>
+        <p:spPr>
+          <a:xfrm>
+            <a:off x="10508340" y="8271933"/>
+            <a:ext cx="1504653" cy="457201"/>
+          </a:xfrm>
+          <a:prstGeom prst="rect">
+            <a:avLst/>
+          </a:prstGeom>
+          <a:ln w="12700">
+            <a:miter lim="400000"/>
+          </a:ln>
+          <a:extLst>
+            <a:ext uri="{C572A759-6A51-4108-AA02-DFA0A04FC94B}">
+              <ma14:wrappingTextBoxFlag xmlns:ma14="http://schemas.microsoft.com/office/mac/drawingml/2011/main" val="1"/>
+            </a:ext>
+          </a:extLst>
+        </p:spPr>
+        <p:txBody>
+          <a:bodyPr wrap="none" lIns="50800" tIns="50800" rIns="50800" bIns="50800" anchor="ctr">
+            <a:spAutoFit/>
+          </a:bodyPr>
+          <a:lstStyle>
+            <a:lvl1pPr>
+              <a:defRPr sz="2400"/>
+            </a:lvl1pPr>
+          </a:lstStyle>
+          <a:p>
+            <a:pPr/>
+            <a:r>
+              <a:t>13/02/2019</a:t>
+            </a:r>
+          </a:p>
+        </p:txBody>
+      </p:sp>
     </p:spTree>
   </p:cSld>
   <p:clrMapOvr>
@@ -3154,7 +3296,150 @@
       </p:grpSpPr>
       <p:sp>
         <p:nvSpPr>
-          <p:cNvPr id="180" name="ARCHITECTURE - V2"/>
+          <p:cNvPr id="178" name="Objectifs"/>
+          <p:cNvSpPr txBox="1"/>
+          <p:nvPr>
+            <p:ph type="title"/>
+          </p:nvPr>
+        </p:nvSpPr>
+        <p:spPr>
+          <a:prstGeom prst="rect">
+            <a:avLst/>
+          </a:prstGeom>
+        </p:spPr>
+        <p:txBody>
+          <a:bodyPr/>
+          <a:lstStyle/>
+          <a:p>
+            <a:pPr/>
+            <a:r>
+              <a:t>Objectifs</a:t>
+            </a:r>
+          </a:p>
+        </p:txBody>
+      </p:sp>
+      <p:sp>
+        <p:nvSpPr>
+          <p:cNvPr id="179" name="Représente les objets du domaine, c'est à dire l'ensemble des entités persistantes de l’application"/>
+          <p:cNvSpPr txBox="1"/>
+          <p:nvPr/>
+        </p:nvSpPr>
+        <p:spPr>
+          <a:xfrm>
+            <a:off x="728133" y="4919133"/>
+            <a:ext cx="11548535" cy="939801"/>
+          </a:xfrm>
+          <a:prstGeom prst="rect">
+            <a:avLst/>
+          </a:prstGeom>
+          <a:ln w="12700">
+            <a:miter lim="400000"/>
+          </a:ln>
+          <a:extLst>
+            <a:ext uri="{C572A759-6A51-4108-AA02-DFA0A04FC94B}">
+              <ma14:wrappingTextBoxFlag xmlns:ma14="http://schemas.microsoft.com/office/mac/drawingml/2011/main" val="1"/>
+            </a:ext>
+          </a:extLst>
+        </p:spPr>
+        <p:txBody>
+          <a:bodyPr lIns="50800" tIns="50800" rIns="50800" bIns="50800" anchor="ctr">
+            <a:spAutoFit/>
+          </a:bodyPr>
+          <a:lstStyle>
+            <a:lvl1pPr marL="407504" indent="-407504" algn="l">
+              <a:buClr>
+                <a:srgbClr val="535353"/>
+              </a:buClr>
+              <a:buSzPct val="82000"/>
+              <a:buChar char="•"/>
+              <a:defRPr sz="2900"/>
+            </a:lvl1pPr>
+          </a:lstStyle>
+          <a:p>
+            <a:pPr/>
+            <a:r>
+              <a:t>Représente les objets du domaine, c'est à dire l'ensemble des entités persistantes de l’application</a:t>
+            </a:r>
+          </a:p>
+        </p:txBody>
+      </p:sp>
+      <p:sp>
+        <p:nvSpPr>
+          <p:cNvPr id="180" name="Domaine métier"/>
+          <p:cNvSpPr/>
+          <p:nvPr/>
+        </p:nvSpPr>
+        <p:spPr>
+          <a:xfrm>
+            <a:off x="4093831" y="2650066"/>
+            <a:ext cx="4817138" cy="1270001"/>
+          </a:xfrm>
+          <a:prstGeom prst="rect">
+            <a:avLst/>
+          </a:prstGeom>
+          <a:solidFill>
+            <a:schemeClr val="accent6">
+              <a:satOff val="1848"/>
+              <a:lumOff val="-15262"/>
+            </a:schemeClr>
+          </a:solidFill>
+          <a:ln w="12700">
+            <a:miter lim="400000"/>
+          </a:ln>
+          <a:extLst>
+            <a:ext uri="{C572A759-6A51-4108-AA02-DFA0A04FC94B}">
+              <ma14:wrappingTextBoxFlag xmlns:ma14="http://schemas.microsoft.com/office/mac/drawingml/2011/main" val="1"/>
+            </a:ext>
+          </a:extLst>
+        </p:spPr>
+        <p:txBody>
+          <a:bodyPr lIns="50800" tIns="50800" rIns="50800" bIns="50800" anchor="ctr"/>
+          <a:lstStyle>
+            <a:lvl1pPr>
+              <a:defRPr>
+                <a:solidFill>
+                  <a:srgbClr val="FFFFFF"/>
+                </a:solidFill>
+              </a:defRPr>
+            </a:lvl1pPr>
+          </a:lstStyle>
+          <a:p>
+            <a:pPr/>
+            <a:r>
+              <a:t>Domaine métier</a:t>
+            </a:r>
+          </a:p>
+        </p:txBody>
+      </p:sp>
+    </p:spTree>
+  </p:cSld>
+  <p:clrMapOvr>
+    <a:masterClrMapping/>
+  </p:clrMapOvr>
+  <p:transition xmlns:p14="http://schemas.microsoft.com/office/powerpoint/2010/main" spd="med" advClick="1"/>
+</p:sld>
+</file>
+
+<file path=ppt/slides/slide11.xml><?xml version="1.0" encoding="utf-8"?>
+<p:sld xmlns:a="http://schemas.openxmlformats.org/drawingml/2006/main" xmlns:r="http://schemas.openxmlformats.org/officeDocument/2006/relationships" xmlns:p="http://schemas.openxmlformats.org/presentationml/2006/main" xmlns:m="http://schemas.openxmlformats.org/officeDocument/2006/math" xmlns:a14="http://schemas.microsoft.com/office/drawing/2010/main" showMasterSp="1" showMasterPhAnim="1">
+  <p:cSld>
+    <p:spTree>
+      <p:nvGrpSpPr>
+        <p:cNvPr id="1" name=""/>
+        <p:cNvGrpSpPr/>
+        <p:nvPr/>
+      </p:nvGrpSpPr>
+      <p:grpSpPr>
+        <a:xfrm>
+          <a:off x="0" y="0"/>
+          <a:ext cx="0" cy="0"/>
+          <a:chOff x="0" y="0"/>
+          <a:chExt cx="0" cy="0"/>
+        </a:xfrm>
+      </p:grpSpPr>
+      <p:sp>
+        <p:nvSpPr>
+          <p:cNvPr id="182" name="ARCHITECTURE - V1"/>
           <p:cNvSpPr txBox="1"/>
           <p:nvPr>
             <p:ph type="title"/>
@@ -3180,25 +3465,28 @@
                 <a:cs typeface="Arial"/>
                 <a:sym typeface="Arial"/>
               </a:rPr>
-              <a:t>V2</a:t>
-            </a:r>
-          </a:p>
-        </p:txBody>
-      </p:sp>
-      <p:sp>
-        <p:nvSpPr>
-          <p:cNvPr id="181" name="La couche domaine récupère la classe métier Formation. Les classes obsolètes sont supprimées."/>
-          <p:cNvSpPr txBox="1"/>
+              <a:t>V1</a:t>
+            </a:r>
+          </a:p>
+        </p:txBody>
+      </p:sp>
+      <p:sp>
+        <p:nvSpPr>
+          <p:cNvPr id="183" name="« DAO »"/>
+          <p:cNvSpPr/>
           <p:nvPr/>
         </p:nvSpPr>
         <p:spPr>
           <a:xfrm>
-            <a:off x="738811" y="7926414"/>
-            <a:ext cx="11527177" cy="1320801"/>
-          </a:xfrm>
-          <a:prstGeom prst="rect">
-            <a:avLst/>
-          </a:prstGeom>
+            <a:off x="5734360" y="3107952"/>
+            <a:ext cx="4178202" cy="3537696"/>
+          </a:xfrm>
+          <a:prstGeom prst="rect">
+            <a:avLst/>
+          </a:prstGeom>
+          <a:solidFill>
+            <a:schemeClr val="accent3"/>
+          </a:solidFill>
           <a:ln w="12700">
             <a:miter lim="400000"/>
           </a:ln>
@@ -3209,130 +3497,20 @@
           </a:extLst>
         </p:spPr>
         <p:txBody>
-          <a:bodyPr lIns="50800" tIns="50800" rIns="50800" bIns="50800" anchor="ctr">
-            <a:spAutoFit/>
-          </a:bodyPr>
-          <a:lstStyle/>
-          <a:p>
-            <a:pPr algn="l">
-              <a:defRPr sz="2800"/>
-            </a:pPr>
-            <a:r>
-              <a:t>La couche domaine récupère la classe métier Formation. Les classes obsolètes</a:t>
-            </a:r>
-            <a:br/>
-            <a:r>
-              <a:t>sont supprimées.</a:t>
-            </a:r>
-          </a:p>
-        </p:txBody>
-      </p:sp>
-      <p:sp>
-        <p:nvSpPr>
-          <p:cNvPr id="182" name="Présentation…"/>
-          <p:cNvSpPr/>
-          <p:nvPr/>
-        </p:nvSpPr>
-        <p:spPr>
-          <a:xfrm>
-            <a:off x="1409935" y="3892888"/>
-            <a:ext cx="3886631" cy="3537695"/>
-          </a:xfrm>
-          <a:prstGeom prst="rect">
-            <a:avLst/>
-          </a:prstGeom>
-          <a:solidFill>
-            <a:schemeClr val="accent3"/>
-          </a:solidFill>
-          <a:ln w="12700">
-            <a:miter lim="400000"/>
-          </a:ln>
-          <a:extLst>
-            <a:ext uri="{C572A759-6A51-4108-AA02-DFA0A04FC94B}">
-              <ma14:wrappingTextBoxFlag xmlns:ma14="http://schemas.microsoft.com/office/mac/drawingml/2011/main" val="1"/>
-            </a:ext>
-          </a:extLst>
-        </p:spPr>
-        <p:txBody>
           <a:bodyPr lIns="50800" tIns="50800" rIns="50800" bIns="50800"/>
-          <a:lstStyle/>
-          <a:p>
-            <a:pPr>
+          <a:lstStyle>
+            <a:lvl1pPr>
               <a:defRPr>
                 <a:solidFill>
                   <a:srgbClr val="FFFFFF"/>
                 </a:solidFill>
               </a:defRPr>
-            </a:pPr>
-            <a:r>
-              <a:t>Présentation</a:t>
-            </a:r>
-          </a:p>
-          <a:p>
-            <a:pPr>
-              <a:defRPr sz="2200">
-                <a:solidFill>
-                  <a:srgbClr val="FFFFFF"/>
-                </a:solidFill>
-              </a:defRPr>
-            </a:pPr>
-            <a:r>
-              <a:t>Interface utilisateur</a:t>
-            </a:r>
-          </a:p>
-        </p:txBody>
-      </p:sp>
-      <p:sp>
-        <p:nvSpPr>
-          <p:cNvPr id="183" name="DAO…"/>
-          <p:cNvSpPr/>
-          <p:nvPr/>
-        </p:nvSpPr>
-        <p:spPr>
-          <a:xfrm>
-            <a:off x="5854505" y="3892888"/>
-            <a:ext cx="3886631" cy="3537695"/>
-          </a:xfrm>
-          <a:prstGeom prst="rect">
-            <a:avLst/>
-          </a:prstGeom>
-          <a:solidFill>
-            <a:schemeClr val="accent3"/>
-          </a:solidFill>
-          <a:ln w="12700">
-            <a:miter lim="400000"/>
-          </a:ln>
-          <a:extLst>
-            <a:ext uri="{C572A759-6A51-4108-AA02-DFA0A04FC94B}">
-              <ma14:wrappingTextBoxFlag xmlns:ma14="http://schemas.microsoft.com/office/mac/drawingml/2011/main" val="1"/>
-            </a:ext>
-          </a:extLst>
-        </p:spPr>
-        <p:txBody>
-          <a:bodyPr lIns="50800" tIns="50800" rIns="50800" bIns="50800"/>
-          <a:lstStyle/>
-          <a:p>
-            <a:pPr>
-              <a:defRPr>
-                <a:solidFill>
-                  <a:srgbClr val="FFFFFF"/>
-                </a:solidFill>
-              </a:defRPr>
-            </a:pPr>
-            <a:r>
-              <a:t>DAO</a:t>
-            </a:r>
-          </a:p>
-          <a:p>
-            <a:pPr>
-              <a:defRPr sz="2200">
-                <a:solidFill>
-                  <a:srgbClr val="FFFFFF"/>
-                </a:solidFill>
-              </a:defRPr>
-            </a:pPr>
-            <a:r>
-              <a:t>Accès aux données</a:t>
+            </a:lvl1pPr>
+          </a:lstStyle>
+          <a:p>
+            <a:pPr/>
+            <a:r>
+              <a:t>« DAO »</a:t>
             </a:r>
           </a:p>
         </p:txBody>
@@ -3345,7 +3523,7 @@
         </p:nvSpPr>
         <p:spPr>
           <a:xfrm>
-            <a:off x="10058784" y="4517271"/>
+            <a:off x="10230209" y="3732335"/>
             <a:ext cx="1536081" cy="2027836"/>
           </a:xfrm>
           <a:custGeom>
@@ -3464,23 +3642,80 @@
       </p:sp>
       <p:sp>
         <p:nvSpPr>
-          <p:cNvPr id="185" name="Domaine métier"/>
+          <p:cNvPr id="185" name="Ligne"/>
           <p:cNvSpPr/>
           <p:nvPr/>
         </p:nvSpPr>
         <p:spPr>
           <a:xfrm>
-            <a:off x="1422635" y="2323017"/>
-            <a:ext cx="8305801" cy="1270001"/>
+            <a:off x="9893219" y="4321271"/>
+            <a:ext cx="364813" cy="1"/>
+          </a:xfrm>
+          <a:prstGeom prst="line">
+            <a:avLst/>
+          </a:prstGeom>
+          <a:ln w="25400">
+            <a:solidFill>
+              <a:srgbClr val="5A5F5E"/>
+            </a:solidFill>
+            <a:miter lim="400000"/>
+            <a:tailEnd type="triangle"/>
+          </a:ln>
+        </p:spPr>
+        <p:txBody>
+          <a:bodyPr lIns="50800" tIns="50800" rIns="50800" bIns="50800" anchor="ctr"/>
+          <a:lstStyle/>
+          <a:p>
+            <a:pPr/>
+          </a:p>
+        </p:txBody>
+      </p:sp>
+      <p:sp>
+        <p:nvSpPr>
+          <p:cNvPr id="186" name="Ligne"/>
+          <p:cNvSpPr/>
+          <p:nvPr/>
+        </p:nvSpPr>
+        <p:spPr>
+          <a:xfrm flipH="1">
+            <a:off x="9893219" y="5396982"/>
+            <a:ext cx="364813" cy="1"/>
+          </a:xfrm>
+          <a:prstGeom prst="line">
+            <a:avLst/>
+          </a:prstGeom>
+          <a:ln w="25400">
+            <a:solidFill>
+              <a:srgbClr val="5A5F5E"/>
+            </a:solidFill>
+            <a:miter lim="400000"/>
+            <a:tailEnd type="triangle"/>
+          </a:ln>
+        </p:spPr>
+        <p:txBody>
+          <a:bodyPr lIns="50800" tIns="50800" rIns="50800" bIns="50800" anchor="ctr"/>
+          <a:lstStyle/>
+          <a:p>
+            <a:pPr/>
+          </a:p>
+        </p:txBody>
+      </p:sp>
+      <p:sp>
+        <p:nvSpPr>
+          <p:cNvPr id="187" name="Classes « obsolètes »…"/>
+          <p:cNvSpPr txBox="1"/>
+          <p:nvPr/>
+        </p:nvSpPr>
+        <p:spPr>
+          <a:xfrm>
+            <a:off x="6051525" y="4165599"/>
+            <a:ext cx="3594969" cy="1422401"/>
           </a:xfrm>
           <a:prstGeom prst="rect">
             <a:avLst/>
           </a:prstGeom>
           <a:solidFill>
-            <a:schemeClr val="accent6">
-              <a:satOff val="1848"/>
-              <a:lumOff val="-15262"/>
-            </a:schemeClr>
+            <a:schemeClr val="accent3"/>
           </a:solidFill>
           <a:ln w="12700">
             <a:miter lim="400000"/>
@@ -3492,9 +3727,87 @@
           </a:extLst>
         </p:spPr>
         <p:txBody>
-          <a:bodyPr lIns="50800" tIns="50800" rIns="50800" bIns="50800" anchor="ctr"/>
+          <a:bodyPr wrap="none" lIns="50800" tIns="50800" rIns="50800" bIns="50800" anchor="ctr">
+            <a:spAutoFit/>
+          </a:bodyPr>
+          <a:lstStyle/>
+          <a:p>
+            <a:pPr algn="l">
+              <a:lnSpc>
+                <a:spcPct val="150000"/>
+              </a:lnSpc>
+              <a:defRPr sz="2300">
+                <a:solidFill>
+                  <a:srgbClr val="000000"/>
+                </a:solidFill>
+              </a:defRPr>
+            </a:pPr>
+            <a:r>
+              <a:t>Classes « obsolètes »</a:t>
+            </a:r>
+          </a:p>
+          <a:p>
+            <a:pPr algn="l">
+              <a:lnSpc>
+                <a:spcPct val="150000"/>
+              </a:lnSpc>
+              <a:defRPr sz="2300">
+                <a:solidFill>
+                  <a:srgbClr val="000000"/>
+                </a:solidFill>
+              </a:defRPr>
+            </a:pPr>
+            <a:r>
+              <a:t>Classe métier : Formation.java</a:t>
+            </a:r>
+          </a:p>
+          <a:p>
+            <a:pPr algn="l">
+              <a:lnSpc>
+                <a:spcPct val="150000"/>
+              </a:lnSpc>
+              <a:defRPr sz="2300">
+                <a:solidFill>
+                  <a:srgbClr val="000000"/>
+                </a:solidFill>
+              </a:defRPr>
+            </a:pPr>
+            <a:r>
+              <a:t>Servlet </a:t>
+            </a:r>
+          </a:p>
+        </p:txBody>
+      </p:sp>
+      <p:sp>
+        <p:nvSpPr>
+          <p:cNvPr id="188" name="« PRESENTATION »"/>
+          <p:cNvSpPr/>
+          <p:nvPr/>
+        </p:nvSpPr>
+        <p:spPr>
+          <a:xfrm>
+            <a:off x="1238510" y="3107952"/>
+            <a:ext cx="4178202" cy="3537696"/>
+          </a:xfrm>
+          <a:prstGeom prst="rect">
+            <a:avLst/>
+          </a:prstGeom>
+          <a:solidFill>
+            <a:schemeClr val="accent3"/>
+          </a:solidFill>
+          <a:ln w="12700">
+            <a:miter lim="400000"/>
+          </a:ln>
+          <a:extLst>
+            <a:ext uri="{C572A759-6A51-4108-AA02-DFA0A04FC94B}">
+              <ma14:wrappingTextBoxFlag xmlns:ma14="http://schemas.microsoft.com/office/mac/drawingml/2011/main" val="1"/>
+            </a:ext>
+          </a:extLst>
+        </p:spPr>
+        <p:txBody>
+          <a:bodyPr lIns="50800" tIns="50800" rIns="50800" bIns="50800"/>
           <a:lstStyle>
-            <a:lvl1pPr algn="l">
+            <a:lvl1pPr>
               <a:defRPr>
                 <a:solidFill>
                   <a:srgbClr val="FFFFFF"/>
@@ -3505,21 +3818,21 @@
           <a:p>
             <a:pPr/>
             <a:r>
-              <a:t>   Domaine métier</a:t>
-            </a:r>
-          </a:p>
-        </p:txBody>
-      </p:sp>
-      <p:sp>
-        <p:nvSpPr>
-          <p:cNvPr id="186" name="Ligne"/>
+              <a:t>« PRESENTATION »</a:t>
+            </a:r>
+          </a:p>
+        </p:txBody>
+      </p:sp>
+      <p:sp>
+        <p:nvSpPr>
+          <p:cNvPr id="189" name="Ligne"/>
           <p:cNvSpPr/>
           <p:nvPr/>
         </p:nvSpPr>
         <p:spPr>
           <a:xfrm>
-            <a:off x="5267088" y="5106207"/>
-            <a:ext cx="616895" cy="1"/>
+            <a:off x="5397419" y="4338944"/>
+            <a:ext cx="364813" cy="1"/>
           </a:xfrm>
           <a:prstGeom prst="line">
             <a:avLst/>
@@ -3542,13 +3855,13 @@
       </p:sp>
       <p:sp>
         <p:nvSpPr>
-          <p:cNvPr id="187" name="Ligne"/>
+          <p:cNvPr id="190" name="Ligne"/>
           <p:cNvSpPr/>
           <p:nvPr/>
         </p:nvSpPr>
         <p:spPr>
-          <a:xfrm>
-            <a:off x="9721794" y="5106207"/>
+          <a:xfrm flipH="1">
+            <a:off x="5397419" y="5414655"/>
             <a:ext cx="364813" cy="1"/>
           </a:xfrm>
           <a:prstGeom prst="line">
@@ -3572,158 +3885,22 @@
       </p:sp>
       <p:sp>
         <p:nvSpPr>
-          <p:cNvPr id="188" name="Ligne"/>
-          <p:cNvSpPr/>
-          <p:nvPr/>
-        </p:nvSpPr>
-        <p:spPr>
-          <a:xfrm flipH="1">
-            <a:off x="5272454" y="6343591"/>
-            <a:ext cx="606163" cy="1"/>
-          </a:xfrm>
-          <a:prstGeom prst="line">
-            <a:avLst/>
-          </a:prstGeom>
-          <a:ln w="25400">
-            <a:solidFill>
-              <a:srgbClr val="5A5F5E"/>
-            </a:solidFill>
-            <a:miter lim="400000"/>
-            <a:tailEnd type="triangle"/>
-          </a:ln>
-        </p:spPr>
-        <p:txBody>
-          <a:bodyPr lIns="50800" tIns="50800" rIns="50800" bIns="50800" anchor="ctr"/>
-          <a:lstStyle/>
-          <a:p>
-            <a:pPr/>
-          </a:p>
-        </p:txBody>
-      </p:sp>
-      <p:sp>
-        <p:nvSpPr>
-          <p:cNvPr id="189" name="Ligne"/>
-          <p:cNvSpPr/>
-          <p:nvPr/>
-        </p:nvSpPr>
-        <p:spPr>
-          <a:xfrm flipH="1">
-            <a:off x="9721794" y="6181918"/>
-            <a:ext cx="364813" cy="1"/>
-          </a:xfrm>
-          <a:prstGeom prst="line">
-            <a:avLst/>
-          </a:prstGeom>
-          <a:ln w="25400">
-            <a:solidFill>
-              <a:srgbClr val="5A5F5E"/>
-            </a:solidFill>
-            <a:miter lim="400000"/>
-            <a:tailEnd type="triangle"/>
-          </a:ln>
-        </p:spPr>
-        <p:txBody>
-          <a:bodyPr lIns="50800" tIns="50800" rIns="50800" bIns="50800" anchor="ctr"/>
-          <a:lstStyle/>
-          <a:p>
-            <a:pPr/>
-          </a:p>
-        </p:txBody>
-      </p:sp>
-      <p:sp>
-        <p:nvSpPr>
-          <p:cNvPr id="190" name="Flèche double"/>
-          <p:cNvSpPr/>
-          <p:nvPr/>
-        </p:nvSpPr>
-        <p:spPr>
-          <a:xfrm rot="5400000">
-            <a:off x="8264364" y="3630615"/>
-            <a:ext cx="388243" cy="229084"/>
-          </a:xfrm>
-          <a:prstGeom prst="leftRightArrow">
-            <a:avLst>
-              <a:gd name="adj1" fmla="val 15937"/>
-              <a:gd name="adj2" fmla="val 49133"/>
-            </a:avLst>
+          <p:cNvPr id="191" name="Page d’accueil (index.jsp)"/>
+          <p:cNvSpPr txBox="1"/>
+          <p:nvPr/>
+        </p:nvSpPr>
+        <p:spPr>
+          <a:xfrm>
+            <a:off x="1551446" y="4123044"/>
+            <a:ext cx="2950866" cy="431801"/>
+          </a:xfrm>
+          <a:prstGeom prst="rect">
+            <a:avLst/>
           </a:prstGeom>
           <a:solidFill>
-            <a:srgbClr val="000000"/>
+            <a:schemeClr val="accent3"/>
           </a:solidFill>
           <a:ln w="12700">
-            <a:miter lim="400000"/>
-          </a:ln>
-        </p:spPr>
-        <p:txBody>
-          <a:bodyPr lIns="50800" tIns="50800" rIns="50800" bIns="50800" anchor="ctr"/>
-          <a:lstStyle/>
-          <a:p>
-            <a:pPr>
-              <a:defRPr>
-                <a:solidFill>
-                  <a:srgbClr val="FFFFFF"/>
-                </a:solidFill>
-              </a:defRPr>
-            </a:pPr>
-          </a:p>
-        </p:txBody>
-      </p:sp>
-      <p:sp>
-        <p:nvSpPr>
-          <p:cNvPr id="191" name="Flèche double"/>
-          <p:cNvSpPr/>
-          <p:nvPr/>
-        </p:nvSpPr>
-        <p:spPr>
-          <a:xfrm rot="5400000">
-            <a:off x="2498465" y="3630615"/>
-            <a:ext cx="388242" cy="229084"/>
-          </a:xfrm>
-          <a:prstGeom prst="leftRightArrow">
-            <a:avLst>
-              <a:gd name="adj1" fmla="val 15937"/>
-              <a:gd name="adj2" fmla="val 49133"/>
-            </a:avLst>
-          </a:prstGeom>
-          <a:solidFill>
-            <a:srgbClr val="000000"/>
-          </a:solidFill>
-          <a:ln w="12700">
-            <a:miter lim="400000"/>
-          </a:ln>
-        </p:spPr>
-        <p:txBody>
-          <a:bodyPr lIns="50800" tIns="50800" rIns="50800" bIns="50800" anchor="ctr"/>
-          <a:lstStyle/>
-          <a:p>
-            <a:pPr>
-              <a:defRPr>
-                <a:solidFill>
-                  <a:srgbClr val="FFFFFF"/>
-                </a:solidFill>
-              </a:defRPr>
-            </a:pPr>
-          </a:p>
-        </p:txBody>
-      </p:sp>
-      <p:sp>
-        <p:nvSpPr>
-          <p:cNvPr id="192" name="Formation"/>
-          <p:cNvSpPr txBox="1"/>
-          <p:nvPr/>
-        </p:nvSpPr>
-        <p:spPr>
-          <a:xfrm>
-            <a:off x="6354545" y="2729416"/>
-            <a:ext cx="1324931" cy="457201"/>
-          </a:xfrm>
-          <a:prstGeom prst="rect">
-            <a:avLst/>
-          </a:prstGeom>
-          <a:ln w="25400">
-            <a:solidFill>
-              <a:srgbClr val="808785"/>
-            </a:solidFill>
             <a:miter lim="400000"/>
           </a:ln>
           <a:extLst>
@@ -3740,7 +3917,7 @@
             <a:lvl1pPr>
               <a:defRPr sz="2300">
                 <a:solidFill>
-                  <a:srgbClr val="B4B4B4"/>
+                  <a:srgbClr val="000000"/>
                 </a:solidFill>
               </a:defRPr>
             </a:lvl1pPr>
@@ -3748,29 +3925,26 @@
           <a:p>
             <a:pPr/>
             <a:r>
-              <a:t>Formation</a:t>
-            </a:r>
-          </a:p>
-        </p:txBody>
-      </p:sp>
-      <p:sp>
-        <p:nvSpPr>
-          <p:cNvPr id="193" name="FormationServlet"/>
+              <a:t>Page d’accueil (index.jsp)</a:t>
+            </a:r>
+          </a:p>
+        </p:txBody>
+      </p:sp>
+      <p:sp>
+        <p:nvSpPr>
+          <p:cNvPr id="192" name="Dans un premier temps il va être nécessaire de supprimer les classes…"/>
           <p:cNvSpPr txBox="1"/>
           <p:nvPr/>
         </p:nvSpPr>
         <p:spPr>
           <a:xfrm>
-            <a:off x="6734217" y="5302588"/>
-            <a:ext cx="2127208" cy="457201"/>
-          </a:xfrm>
-          <a:prstGeom prst="rect">
-            <a:avLst/>
-          </a:prstGeom>
-          <a:ln w="25400">
-            <a:solidFill>
-              <a:srgbClr val="808785"/>
-            </a:solidFill>
+            <a:off x="1077478" y="7128933"/>
+            <a:ext cx="10849843" cy="2133601"/>
+          </a:xfrm>
+          <a:prstGeom prst="rect">
+            <a:avLst/>
+          </a:prstGeom>
+          <a:ln w="12700">
             <a:miter lim="400000"/>
           </a:ln>
           <a:extLst>
@@ -3780,61 +3954,29 @@
           </a:extLst>
         </p:spPr>
         <p:txBody>
-          <a:bodyPr wrap="none" lIns="50800" tIns="50800" rIns="50800" bIns="50800" anchor="ctr">
+          <a:bodyPr lIns="50800" tIns="50800" rIns="50800" bIns="50800" anchor="ctr">
             <a:spAutoFit/>
           </a:bodyPr>
-          <a:lstStyle>
-            <a:lvl1pPr>
-              <a:defRPr sz="2300"/>
-            </a:lvl1pPr>
-          </a:lstStyle>
-          <a:p>
-            <a:pPr/>
-            <a:r>
-              <a:t>FormationServlet</a:t>
-            </a:r>
-          </a:p>
-        </p:txBody>
-      </p:sp>
-      <p:sp>
-        <p:nvSpPr>
-          <p:cNvPr id="194" name="Index.jsp"/>
-          <p:cNvSpPr txBox="1"/>
-          <p:nvPr/>
-        </p:nvSpPr>
-        <p:spPr>
-          <a:xfrm>
-            <a:off x="2787629" y="5302588"/>
-            <a:ext cx="1131244" cy="457201"/>
-          </a:xfrm>
-          <a:prstGeom prst="rect">
-            <a:avLst/>
-          </a:prstGeom>
-          <a:ln w="25400">
-            <a:solidFill>
-              <a:srgbClr val="808785"/>
-            </a:solidFill>
-            <a:miter lim="400000"/>
-          </a:ln>
-          <a:extLst>
-            <a:ext uri="{C572A759-6A51-4108-AA02-DFA0A04FC94B}">
-              <ma14:wrappingTextBoxFlag xmlns:ma14="http://schemas.microsoft.com/office/mac/drawingml/2011/main" val="1"/>
-            </a:ext>
-          </a:extLst>
-        </p:spPr>
-        <p:txBody>
-          <a:bodyPr wrap="none" lIns="50800" tIns="50800" rIns="50800" bIns="50800" anchor="ctr">
-            <a:spAutoFit/>
-          </a:bodyPr>
-          <a:lstStyle>
-            <a:lvl1pPr>
-              <a:defRPr sz="2300"/>
-            </a:lvl1pPr>
-          </a:lstStyle>
-          <a:p>
-            <a:pPr/>
-            <a:r>
-              <a:t>Index.jsp</a:t>
+          <a:lstStyle/>
+          <a:p>
+            <a:pPr algn="l">
+              <a:defRPr sz="2800"/>
+            </a:pPr>
+          </a:p>
+          <a:p>
+            <a:pPr algn="l">
+              <a:defRPr sz="2800"/>
+            </a:pPr>
+            <a:r>
+              <a:t>Dans un premier temps il va être nécessaire de supprimer les classes </a:t>
+            </a:r>
+          </a:p>
+          <a:p>
+            <a:pPr algn="l">
+              <a:defRPr sz="2800"/>
+            </a:pPr>
+            <a:r>
+              <a:t>qui ne nous servent plus, puis de commencer à mettre en place une réelle architecture logicielle.</a:t>
             </a:r>
           </a:p>
         </p:txBody>
@@ -3848,7 +3990,7 @@
 </p:sld>
 </file>
 
-<file path=ppt/slides/slide11.xml><?xml version="1.0" encoding="utf-8"?>
+<file path=ppt/slides/slide12.xml><?xml version="1.0" encoding="utf-8"?>
 <p:sld xmlns:a="http://schemas.openxmlformats.org/drawingml/2006/main" xmlns:r="http://schemas.openxmlformats.org/officeDocument/2006/relationships" xmlns:p="http://schemas.openxmlformats.org/presentationml/2006/main" xmlns:m="http://schemas.openxmlformats.org/officeDocument/2006/math" xmlns:a14="http://schemas.microsoft.com/office/drawing/2010/main" showMasterSp="1" showMasterPhAnim="1">
   <p:cSld>
     <p:spTree>
@@ -3867,7 +4009,7 @@
       </p:grpSpPr>
       <p:sp>
         <p:nvSpPr>
-          <p:cNvPr id="196" name="ARCHITECTURE - V3"/>
+          <p:cNvPr id="194" name="ARCHITECTURE - V2"/>
           <p:cNvSpPr txBox="1"/>
           <p:nvPr>
             <p:ph type="title"/>
@@ -3893,21 +4035,21 @@
                 <a:cs typeface="Arial"/>
                 <a:sym typeface="Arial"/>
               </a:rPr>
-              <a:t>V3</a:t>
-            </a:r>
-          </a:p>
-        </p:txBody>
-      </p:sp>
-      <p:sp>
-        <p:nvSpPr>
-          <p:cNvPr id="197" name="La classe FormationServlet est déplacée dans la couche présentation."/>
+              <a:t>V2</a:t>
+            </a:r>
+          </a:p>
+        </p:txBody>
+      </p:sp>
+      <p:sp>
+        <p:nvSpPr>
+          <p:cNvPr id="195" name="La couche domaine récupère la classe métier Formation. Les classes obsolètes sont supprimées."/>
           <p:cNvSpPr txBox="1"/>
           <p:nvPr/>
         </p:nvSpPr>
         <p:spPr>
           <a:xfrm>
-            <a:off x="738811" y="8129614"/>
-            <a:ext cx="11254418" cy="914401"/>
+            <a:off x="738811" y="7926414"/>
+            <a:ext cx="11527177" cy="1320801"/>
           </a:xfrm>
           <a:prstGeom prst="rect">
             <a:avLst/>
@@ -3925,22 +4067,24 @@
           <a:bodyPr lIns="50800" tIns="50800" rIns="50800" bIns="50800" anchor="ctr">
             <a:spAutoFit/>
           </a:bodyPr>
-          <a:lstStyle>
-            <a:lvl1pPr algn="l">
+          <a:lstStyle/>
+          <a:p>
+            <a:pPr algn="l">
               <a:defRPr sz="2800"/>
-            </a:lvl1pPr>
-          </a:lstStyle>
-          <a:p>
-            <a:pPr/>
-            <a:r>
-              <a:t>La classe FormationServlet est déplacée dans la couche présentation.</a:t>
-            </a:r>
-          </a:p>
-        </p:txBody>
-      </p:sp>
-      <p:sp>
-        <p:nvSpPr>
-          <p:cNvPr id="198" name="Présentation…"/>
+            </a:pPr>
+            <a:r>
+              <a:t>La couche domaine récupère la classe métier Formation. Les classes obsolètes</a:t>
+            </a:r>
+            <a:br/>
+            <a:r>
+              <a:t>sont supprimées.</a:t>
+            </a:r>
+          </a:p>
+        </p:txBody>
+      </p:sp>
+      <p:sp>
+        <p:nvSpPr>
+          <p:cNvPr id="196" name="Présentation…"/>
           <p:cNvSpPr/>
           <p:nvPr/>
         </p:nvSpPr>
@@ -3995,7 +4139,7 @@
       </p:sp>
       <p:sp>
         <p:nvSpPr>
-          <p:cNvPr id="199" name="DAO…"/>
+          <p:cNvPr id="197" name="DAO…"/>
           <p:cNvSpPr/>
           <p:nvPr/>
         </p:nvSpPr>
@@ -4050,7 +4194,7 @@
       </p:sp>
       <p:sp>
         <p:nvSpPr>
-          <p:cNvPr id="200" name="BD"/>
+          <p:cNvPr id="198" name="BD"/>
           <p:cNvSpPr/>
           <p:nvPr/>
         </p:nvSpPr>
@@ -4175,7 +4319,7 @@
       </p:sp>
       <p:sp>
         <p:nvSpPr>
-          <p:cNvPr id="201" name="Domaine métier"/>
+          <p:cNvPr id="199" name="Domaine métier"/>
           <p:cNvSpPr/>
           <p:nvPr/>
         </p:nvSpPr>
@@ -4223,7 +4367,7 @@
       </p:sp>
       <p:sp>
         <p:nvSpPr>
-          <p:cNvPr id="202" name="Ligne"/>
+          <p:cNvPr id="200" name="Ligne"/>
           <p:cNvSpPr/>
           <p:nvPr/>
         </p:nvSpPr>
@@ -4253,7 +4397,7 @@
       </p:sp>
       <p:sp>
         <p:nvSpPr>
-          <p:cNvPr id="203" name="Ligne"/>
+          <p:cNvPr id="201" name="Ligne"/>
           <p:cNvSpPr/>
           <p:nvPr/>
         </p:nvSpPr>
@@ -4283,7 +4427,7 @@
       </p:sp>
       <p:sp>
         <p:nvSpPr>
-          <p:cNvPr id="204" name="Ligne"/>
+          <p:cNvPr id="202" name="Ligne"/>
           <p:cNvSpPr/>
           <p:nvPr/>
         </p:nvSpPr>
@@ -4313,7 +4457,7 @@
       </p:sp>
       <p:sp>
         <p:nvSpPr>
-          <p:cNvPr id="205" name="Ligne"/>
+          <p:cNvPr id="203" name="Ligne"/>
           <p:cNvSpPr/>
           <p:nvPr/>
         </p:nvSpPr>
@@ -4343,7 +4487,7 @@
       </p:sp>
       <p:sp>
         <p:nvSpPr>
-          <p:cNvPr id="206" name="Flèche double"/>
+          <p:cNvPr id="204" name="Flèche double"/>
           <p:cNvSpPr/>
           <p:nvPr/>
         </p:nvSpPr>
@@ -4381,7 +4525,7 @@
       </p:sp>
       <p:sp>
         <p:nvSpPr>
-          <p:cNvPr id="207" name="Flèche double"/>
+          <p:cNvPr id="205" name="Flèche double"/>
           <p:cNvSpPr/>
           <p:nvPr/>
         </p:nvSpPr>
@@ -4419,7 +4563,7 @@
       </p:sp>
       <p:sp>
         <p:nvSpPr>
-          <p:cNvPr id="208" name="Formation"/>
+          <p:cNvPr id="206" name="Formation"/>
           <p:cNvSpPr txBox="1"/>
           <p:nvPr/>
         </p:nvSpPr>
@@ -4466,14 +4610,14 @@
       </p:sp>
       <p:sp>
         <p:nvSpPr>
-          <p:cNvPr id="209" name="FormationServlet"/>
+          <p:cNvPr id="207" name="FormationServlet"/>
           <p:cNvSpPr txBox="1"/>
           <p:nvPr/>
         </p:nvSpPr>
         <p:spPr>
           <a:xfrm>
-            <a:off x="2289647" y="6114991"/>
-            <a:ext cx="2127207" cy="457201"/>
+            <a:off x="6734217" y="5302588"/>
+            <a:ext cx="2127208" cy="457201"/>
           </a:xfrm>
           <a:prstGeom prst="rect">
             <a:avLst/>
@@ -4509,14 +4653,14 @@
       </p:sp>
       <p:sp>
         <p:nvSpPr>
-          <p:cNvPr id="210" name="Index.jsp"/>
+          <p:cNvPr id="208" name="Index.jsp"/>
           <p:cNvSpPr txBox="1"/>
           <p:nvPr/>
         </p:nvSpPr>
         <p:spPr>
           <a:xfrm>
             <a:off x="2787629" y="5302588"/>
-            <a:ext cx="1131243" cy="457201"/>
+            <a:ext cx="1131244" cy="457201"/>
           </a:xfrm>
           <a:prstGeom prst="rect">
             <a:avLst/>
@@ -4559,7 +4703,7 @@
 </p:sld>
 </file>
 
-<file path=ppt/slides/slide12.xml><?xml version="1.0" encoding="utf-8"?>
+<file path=ppt/slides/slide13.xml><?xml version="1.0" encoding="utf-8"?>
 <p:sld xmlns:a="http://schemas.openxmlformats.org/drawingml/2006/main" xmlns:r="http://schemas.openxmlformats.org/officeDocument/2006/relationships" xmlns:p="http://schemas.openxmlformats.org/presentationml/2006/main" xmlns:m="http://schemas.openxmlformats.org/officeDocument/2006/math" xmlns:a14="http://schemas.microsoft.com/office/drawing/2010/main" showMasterSp="1" showMasterPhAnim="1">
   <p:cSld>
     <p:spTree>
@@ -4578,7 +4722,7 @@
       </p:grpSpPr>
       <p:sp>
         <p:nvSpPr>
-          <p:cNvPr id="212" name="ARCHITECTURE - V4"/>
+          <p:cNvPr id="210" name="ARCHITECTURE - V3"/>
           <p:cNvSpPr txBox="1"/>
           <p:nvPr>
             <p:ph type="title"/>
@@ -4604,21 +4748,21 @@
                 <a:cs typeface="Arial"/>
                 <a:sym typeface="Arial"/>
               </a:rPr>
-              <a:t>V4</a:t>
-            </a:r>
-          </a:p>
-        </p:txBody>
-      </p:sp>
-      <p:sp>
-        <p:nvSpPr>
-          <p:cNvPr id="213" name="Une partie du code de la classe FormationServlet à été déplacé dans une nouvelle classe FormationDao car elle permettait l’accès aux données de la base."/>
+              <a:t>V3</a:t>
+            </a:r>
+          </a:p>
+        </p:txBody>
+      </p:sp>
+      <p:sp>
+        <p:nvSpPr>
+          <p:cNvPr id="211" name="La classe FormationServlet est déplacée dans la couche présentation."/>
           <p:cNvSpPr txBox="1"/>
           <p:nvPr/>
         </p:nvSpPr>
         <p:spPr>
           <a:xfrm>
-            <a:off x="738811" y="7723214"/>
-            <a:ext cx="11298975" cy="1727201"/>
+            <a:off x="738811" y="8129614"/>
+            <a:ext cx="11254418" cy="914401"/>
           </a:xfrm>
           <a:prstGeom prst="rect">
             <a:avLst/>
@@ -4644,14 +4788,14 @@
           <a:p>
             <a:pPr/>
             <a:r>
-              <a:t>Une partie du code de la classe FormationServlet à été déplacé dans une nouvelle classe FormationDao car elle permettait l’accès aux données de la base. </a:t>
-            </a:r>
-          </a:p>
-        </p:txBody>
-      </p:sp>
-      <p:sp>
-        <p:nvSpPr>
-          <p:cNvPr id="214" name="Présentation…"/>
+              <a:t>La classe FormationServlet est déplacée dans la couche présentation.</a:t>
+            </a:r>
+          </a:p>
+        </p:txBody>
+      </p:sp>
+      <p:sp>
+        <p:nvSpPr>
+          <p:cNvPr id="212" name="Présentation…"/>
           <p:cNvSpPr/>
           <p:nvPr/>
         </p:nvSpPr>
@@ -4706,7 +4850,7 @@
       </p:sp>
       <p:sp>
         <p:nvSpPr>
-          <p:cNvPr id="215" name="DAO…"/>
+          <p:cNvPr id="213" name="DAO…"/>
           <p:cNvSpPr/>
           <p:nvPr/>
         </p:nvSpPr>
@@ -4761,7 +4905,7 @@
       </p:sp>
       <p:sp>
         <p:nvSpPr>
-          <p:cNvPr id="216" name="BD"/>
+          <p:cNvPr id="214" name="BD"/>
           <p:cNvSpPr/>
           <p:nvPr/>
         </p:nvSpPr>
@@ -4886,7 +5030,7 @@
       </p:sp>
       <p:sp>
         <p:nvSpPr>
-          <p:cNvPr id="217" name="Domaine métier"/>
+          <p:cNvPr id="215" name="Domaine métier"/>
           <p:cNvSpPr/>
           <p:nvPr/>
         </p:nvSpPr>
@@ -4934,7 +5078,7 @@
       </p:sp>
       <p:sp>
         <p:nvSpPr>
-          <p:cNvPr id="218" name="Ligne"/>
+          <p:cNvPr id="216" name="Ligne"/>
           <p:cNvSpPr/>
           <p:nvPr/>
         </p:nvSpPr>
@@ -4964,7 +5108,7 @@
       </p:sp>
       <p:sp>
         <p:nvSpPr>
-          <p:cNvPr id="219" name="Ligne"/>
+          <p:cNvPr id="217" name="Ligne"/>
           <p:cNvSpPr/>
           <p:nvPr/>
         </p:nvSpPr>
@@ -4994,7 +5138,7 @@
       </p:sp>
       <p:sp>
         <p:nvSpPr>
-          <p:cNvPr id="220" name="Ligne"/>
+          <p:cNvPr id="218" name="Ligne"/>
           <p:cNvSpPr/>
           <p:nvPr/>
         </p:nvSpPr>
@@ -5024,7 +5168,7 @@
       </p:sp>
       <p:sp>
         <p:nvSpPr>
-          <p:cNvPr id="221" name="Ligne"/>
+          <p:cNvPr id="219" name="Ligne"/>
           <p:cNvSpPr/>
           <p:nvPr/>
         </p:nvSpPr>
@@ -5054,7 +5198,7 @@
       </p:sp>
       <p:sp>
         <p:nvSpPr>
-          <p:cNvPr id="222" name="Flèche double"/>
+          <p:cNvPr id="220" name="Flèche double"/>
           <p:cNvSpPr/>
           <p:nvPr/>
         </p:nvSpPr>
@@ -5092,7 +5236,7 @@
       </p:sp>
       <p:sp>
         <p:nvSpPr>
-          <p:cNvPr id="223" name="Flèche double"/>
+          <p:cNvPr id="221" name="Flèche double"/>
           <p:cNvSpPr/>
           <p:nvPr/>
         </p:nvSpPr>
@@ -5130,7 +5274,7 @@
       </p:sp>
       <p:sp>
         <p:nvSpPr>
-          <p:cNvPr id="224" name="Formation"/>
+          <p:cNvPr id="222" name="Formation"/>
           <p:cNvSpPr txBox="1"/>
           <p:nvPr/>
         </p:nvSpPr>
@@ -5177,7 +5321,7 @@
       </p:sp>
       <p:sp>
         <p:nvSpPr>
-          <p:cNvPr id="225" name="FormationServlet"/>
+          <p:cNvPr id="223" name="FormationServlet"/>
           <p:cNvSpPr txBox="1"/>
           <p:nvPr/>
         </p:nvSpPr>
@@ -5220,7 +5364,7 @@
       </p:sp>
       <p:sp>
         <p:nvSpPr>
-          <p:cNvPr id="226" name="Index.jsp"/>
+          <p:cNvPr id="224" name="Index.jsp"/>
           <p:cNvSpPr txBox="1"/>
           <p:nvPr/>
         </p:nvSpPr>
@@ -5257,49 +5401,6 @@
             <a:pPr/>
             <a:r>
               <a:t>Index.jsp</a:t>
-            </a:r>
-          </a:p>
-        </p:txBody>
-      </p:sp>
-      <p:sp>
-        <p:nvSpPr>
-          <p:cNvPr id="227" name="FormationDao"/>
-          <p:cNvSpPr txBox="1"/>
-          <p:nvPr/>
-        </p:nvSpPr>
-        <p:spPr>
-          <a:xfrm>
-            <a:off x="6885758" y="5302588"/>
-            <a:ext cx="1824125" cy="457201"/>
-          </a:xfrm>
-          <a:prstGeom prst="rect">
-            <a:avLst/>
-          </a:prstGeom>
-          <a:ln w="25400">
-            <a:solidFill>
-              <a:srgbClr val="808785"/>
-            </a:solidFill>
-            <a:miter lim="400000"/>
-          </a:ln>
-          <a:extLst>
-            <a:ext uri="{C572A759-6A51-4108-AA02-DFA0A04FC94B}">
-              <ma14:wrappingTextBoxFlag xmlns:ma14="http://schemas.microsoft.com/office/mac/drawingml/2011/main" val="1"/>
-            </a:ext>
-          </a:extLst>
-        </p:spPr>
-        <p:txBody>
-          <a:bodyPr wrap="none" lIns="50800" tIns="50800" rIns="50800" bIns="50800" anchor="ctr">
-            <a:spAutoFit/>
-          </a:bodyPr>
-          <a:lstStyle>
-            <a:lvl1pPr>
-              <a:defRPr sz="2300"/>
-            </a:lvl1pPr>
-          </a:lstStyle>
-          <a:p>
-            <a:pPr/>
-            <a:r>
-              <a:t>FormationDao</a:t>
             </a:r>
           </a:p>
         </p:txBody>
@@ -5313,7 +5414,7 @@
 </p:sld>
 </file>
 
-<file path=ppt/slides/slide13.xml><?xml version="1.0" encoding="utf-8"?>
+<file path=ppt/slides/slide14.xml><?xml version="1.0" encoding="utf-8"?>
 <p:sld xmlns:a="http://schemas.openxmlformats.org/drawingml/2006/main" xmlns:r="http://schemas.openxmlformats.org/officeDocument/2006/relationships" xmlns:p="http://schemas.openxmlformats.org/presentationml/2006/main" xmlns:m="http://schemas.openxmlformats.org/officeDocument/2006/math" xmlns:a14="http://schemas.microsoft.com/office/drawing/2010/main" showMasterSp="1" showMasterPhAnim="1">
   <p:cSld>
     <p:spTree>
@@ -5332,14 +5433,87 @@
       </p:grpSpPr>
       <p:sp>
         <p:nvSpPr>
-          <p:cNvPr id="229" name="Présentation…"/>
+          <p:cNvPr id="226" name="ARCHITECTURE - V4"/>
+          <p:cNvSpPr txBox="1"/>
+          <p:nvPr>
+            <p:ph type="title"/>
+          </p:nvPr>
+        </p:nvSpPr>
+        <p:spPr>
+          <a:prstGeom prst="rect">
+            <a:avLst/>
+          </a:prstGeom>
+        </p:spPr>
+        <p:txBody>
+          <a:bodyPr/>
+          <a:lstStyle/>
+          <a:p>
+            <a:pPr/>
+            <a:r>
+              <a:t>ARCHITECTURE - </a:t>
+            </a:r>
+            <a:r>
+              <a:rPr>
+                <a:latin typeface="Arial"/>
+                <a:ea typeface="Arial"/>
+                <a:cs typeface="Arial"/>
+                <a:sym typeface="Arial"/>
+              </a:rPr>
+              <a:t>V4</a:t>
+            </a:r>
+          </a:p>
+        </p:txBody>
+      </p:sp>
+      <p:sp>
+        <p:nvSpPr>
+          <p:cNvPr id="227" name="Une partie du code de la classe FormationServlet à été déplacé dans une nouvelle classe FormationDao car elle permettait l’accès aux données de la base."/>
+          <p:cNvSpPr txBox="1"/>
+          <p:nvPr/>
+        </p:nvSpPr>
+        <p:spPr>
+          <a:xfrm>
+            <a:off x="738811" y="7723214"/>
+            <a:ext cx="11298975" cy="1727201"/>
+          </a:xfrm>
+          <a:prstGeom prst="rect">
+            <a:avLst/>
+          </a:prstGeom>
+          <a:ln w="12700">
+            <a:miter lim="400000"/>
+          </a:ln>
+          <a:extLst>
+            <a:ext uri="{C572A759-6A51-4108-AA02-DFA0A04FC94B}">
+              <ma14:wrappingTextBoxFlag xmlns:ma14="http://schemas.microsoft.com/office/mac/drawingml/2011/main" val="1"/>
+            </a:ext>
+          </a:extLst>
+        </p:spPr>
+        <p:txBody>
+          <a:bodyPr lIns="50800" tIns="50800" rIns="50800" bIns="50800" anchor="ctr">
+            <a:spAutoFit/>
+          </a:bodyPr>
+          <a:lstStyle>
+            <a:lvl1pPr algn="l">
+              <a:defRPr sz="2800"/>
+            </a:lvl1pPr>
+          </a:lstStyle>
+          <a:p>
+            <a:pPr/>
+            <a:r>
+              <a:t>Une partie du code de la classe FormationServlet à été déplacé dans une nouvelle classe FormationDao car elle permettait l’accès aux données de la base. </a:t>
+            </a:r>
+          </a:p>
+        </p:txBody>
+      </p:sp>
+      <p:sp>
+        <p:nvSpPr>
+          <p:cNvPr id="228" name="Présentation…"/>
           <p:cNvSpPr/>
           <p:nvPr/>
         </p:nvSpPr>
         <p:spPr>
           <a:xfrm>
             <a:off x="1409935" y="3892888"/>
-            <a:ext cx="2565302" cy="3537695"/>
+            <a:ext cx="3886631" cy="3537695"/>
           </a:xfrm>
           <a:prstGeom prst="rect">
             <a:avLst/>
@@ -5387,14 +5561,14 @@
       </p:sp>
       <p:sp>
         <p:nvSpPr>
-          <p:cNvPr id="230" name="Service…"/>
+          <p:cNvPr id="229" name="DAO…"/>
           <p:cNvSpPr/>
           <p:nvPr/>
         </p:nvSpPr>
         <p:spPr>
           <a:xfrm>
-            <a:off x="4292885" y="3892888"/>
-            <a:ext cx="2565302" cy="3537695"/>
+            <a:off x="5854505" y="3892888"/>
+            <a:ext cx="3886631" cy="3537695"/>
           </a:xfrm>
           <a:prstGeom prst="rect">
             <a:avLst/>
@@ -5423,7 +5597,7 @@
               </a:defRPr>
             </a:pPr>
             <a:r>
-              <a:t>Service</a:t>
+              <a:t>DAO</a:t>
             </a:r>
           </a:p>
           <a:p>
@@ -5435,61 +5609,6 @@
               </a:defRPr>
             </a:pPr>
             <a:r>
-              <a:t>Traitement métier</a:t>
-            </a:r>
-          </a:p>
-        </p:txBody>
-      </p:sp>
-      <p:sp>
-        <p:nvSpPr>
-          <p:cNvPr id="231" name="DAO…"/>
-          <p:cNvSpPr/>
-          <p:nvPr/>
-        </p:nvSpPr>
-        <p:spPr>
-          <a:xfrm>
-            <a:off x="7175834" y="3892888"/>
-            <a:ext cx="2565302" cy="3537695"/>
-          </a:xfrm>
-          <a:prstGeom prst="rect">
-            <a:avLst/>
-          </a:prstGeom>
-          <a:solidFill>
-            <a:schemeClr val="accent3"/>
-          </a:solidFill>
-          <a:ln w="12700">
-            <a:miter lim="400000"/>
-          </a:ln>
-          <a:extLst>
-            <a:ext uri="{C572A759-6A51-4108-AA02-DFA0A04FC94B}">
-              <ma14:wrappingTextBoxFlag xmlns:ma14="http://schemas.microsoft.com/office/mac/drawingml/2011/main" val="1"/>
-            </a:ext>
-          </a:extLst>
-        </p:spPr>
-        <p:txBody>
-          <a:bodyPr lIns="50800" tIns="50800" rIns="50800" bIns="50800"/>
-          <a:lstStyle/>
-          <a:p>
-            <a:pPr>
-              <a:defRPr>
-                <a:solidFill>
-                  <a:srgbClr val="FFFFFF"/>
-                </a:solidFill>
-              </a:defRPr>
-            </a:pPr>
-            <a:r>
-              <a:t>DAO</a:t>
-            </a:r>
-          </a:p>
-          <a:p>
-            <a:pPr>
-              <a:defRPr sz="2200">
-                <a:solidFill>
-                  <a:srgbClr val="FFFFFF"/>
-                </a:solidFill>
-              </a:defRPr>
-            </a:pPr>
-            <a:r>
               <a:t>Accès aux données</a:t>
             </a:r>
           </a:p>
@@ -5497,14 +5616,14 @@
       </p:sp>
       <p:sp>
         <p:nvSpPr>
-          <p:cNvPr id="232" name="BD"/>
+          <p:cNvPr id="230" name="BD"/>
           <p:cNvSpPr/>
           <p:nvPr/>
         </p:nvSpPr>
         <p:spPr>
           <a:xfrm>
             <a:off x="10058784" y="4517271"/>
-            <a:ext cx="1536080" cy="2027836"/>
+            <a:ext cx="1536081" cy="2027836"/>
           </a:xfrm>
           <a:custGeom>
             <a:avLst/>
@@ -5622,7 +5741,7 @@
       </p:sp>
       <p:sp>
         <p:nvSpPr>
-          <p:cNvPr id="233" name="Domaine métier"/>
+          <p:cNvPr id="231" name="Domaine métier"/>
           <p:cNvSpPr/>
           <p:nvPr/>
         </p:nvSpPr>
@@ -5670,14 +5789,14 @@
       </p:sp>
       <p:sp>
         <p:nvSpPr>
-          <p:cNvPr id="234" name="Ligne"/>
+          <p:cNvPr id="232" name="Ligne"/>
           <p:cNvSpPr/>
           <p:nvPr/>
         </p:nvSpPr>
         <p:spPr>
           <a:xfrm>
-            <a:off x="3947414" y="5106207"/>
-            <a:ext cx="364814" cy="1"/>
+            <a:off x="5267088" y="5106207"/>
+            <a:ext cx="616895" cy="1"/>
           </a:xfrm>
           <a:prstGeom prst="line">
             <a:avLst/>
@@ -5700,13 +5819,13 @@
       </p:sp>
       <p:sp>
         <p:nvSpPr>
-          <p:cNvPr id="235" name="Ligne"/>
+          <p:cNvPr id="233" name="Ligne"/>
           <p:cNvSpPr/>
           <p:nvPr/>
         </p:nvSpPr>
         <p:spPr>
           <a:xfrm>
-            <a:off x="6834604" y="5106207"/>
+            <a:off x="9721794" y="5106207"/>
             <a:ext cx="364813" cy="1"/>
           </a:xfrm>
           <a:prstGeom prst="line">
@@ -5730,14 +5849,14 @@
       </p:sp>
       <p:sp>
         <p:nvSpPr>
-          <p:cNvPr id="236" name="Ligne"/>
+          <p:cNvPr id="234" name="Ligne"/>
           <p:cNvSpPr/>
           <p:nvPr/>
         </p:nvSpPr>
         <p:spPr>
-          <a:xfrm>
-            <a:off x="9721794" y="5106207"/>
-            <a:ext cx="364813" cy="1"/>
+          <a:xfrm flipH="1">
+            <a:off x="5272454" y="6343591"/>
+            <a:ext cx="606163" cy="1"/>
           </a:xfrm>
           <a:prstGeom prst="line">
             <a:avLst/>
@@ -5760,14 +5879,14 @@
       </p:sp>
       <p:sp>
         <p:nvSpPr>
-          <p:cNvPr id="237" name="Ligne"/>
+          <p:cNvPr id="235" name="Ligne"/>
           <p:cNvSpPr/>
           <p:nvPr/>
         </p:nvSpPr>
         <p:spPr>
           <a:xfrm flipH="1">
-            <a:off x="3951654" y="6181918"/>
-            <a:ext cx="364814" cy="1"/>
+            <a:off x="9721794" y="6181918"/>
+            <a:ext cx="364813" cy="1"/>
           </a:xfrm>
           <a:prstGeom prst="line">
             <a:avLst/>
@@ -5790,74 +5909,14 @@
       </p:sp>
       <p:sp>
         <p:nvSpPr>
-          <p:cNvPr id="238" name="Ligne"/>
+          <p:cNvPr id="236" name="Flèche double"/>
           <p:cNvSpPr/>
           <p:nvPr/>
         </p:nvSpPr>
         <p:spPr>
-          <a:xfrm flipH="1">
-            <a:off x="6834604" y="6181918"/>
-            <a:ext cx="364813" cy="1"/>
-          </a:xfrm>
-          <a:prstGeom prst="line">
-            <a:avLst/>
-          </a:prstGeom>
-          <a:ln w="25400">
-            <a:solidFill>
-              <a:srgbClr val="5A5F5E"/>
-            </a:solidFill>
-            <a:miter lim="400000"/>
-            <a:tailEnd type="triangle"/>
-          </a:ln>
-        </p:spPr>
-        <p:txBody>
-          <a:bodyPr lIns="50800" tIns="50800" rIns="50800" bIns="50800" anchor="ctr"/>
-          <a:lstStyle/>
-          <a:p>
-            <a:pPr/>
-          </a:p>
-        </p:txBody>
-      </p:sp>
-      <p:sp>
-        <p:nvSpPr>
-          <p:cNvPr id="239" name="Ligne"/>
-          <p:cNvSpPr/>
-          <p:nvPr/>
-        </p:nvSpPr>
-        <p:spPr>
-          <a:xfrm flipH="1">
-            <a:off x="9721794" y="6181918"/>
-            <a:ext cx="364813" cy="1"/>
-          </a:xfrm>
-          <a:prstGeom prst="line">
-            <a:avLst/>
-          </a:prstGeom>
-          <a:ln w="25400">
-            <a:solidFill>
-              <a:srgbClr val="5A5F5E"/>
-            </a:solidFill>
-            <a:miter lim="400000"/>
-            <a:tailEnd type="triangle"/>
-          </a:ln>
-        </p:spPr>
-        <p:txBody>
-          <a:bodyPr lIns="50800" tIns="50800" rIns="50800" bIns="50800" anchor="ctr"/>
-          <a:lstStyle/>
-          <a:p>
-            <a:pPr/>
-          </a:p>
-        </p:txBody>
-      </p:sp>
-      <p:sp>
-        <p:nvSpPr>
-          <p:cNvPr id="240" name="Flèche double"/>
-          <p:cNvSpPr/>
-          <p:nvPr/>
-        </p:nvSpPr>
-        <p:spPr>
           <a:xfrm rot="5400000">
-            <a:off x="5381415" y="3630615"/>
-            <a:ext cx="388242" cy="229084"/>
+            <a:off x="8264364" y="3630615"/>
+            <a:ext cx="388243" cy="229084"/>
           </a:xfrm>
           <a:prstGeom prst="leftRightArrow">
             <a:avLst>
@@ -5888,13 +5947,13 @@
       </p:sp>
       <p:sp>
         <p:nvSpPr>
-          <p:cNvPr id="241" name="Flèche double"/>
+          <p:cNvPr id="237" name="Flèche double"/>
           <p:cNvSpPr/>
           <p:nvPr/>
         </p:nvSpPr>
         <p:spPr>
           <a:xfrm rot="5400000">
-            <a:off x="8264364" y="3630615"/>
+            <a:off x="2498465" y="3630615"/>
             <a:ext cx="388242" cy="229084"/>
           </a:xfrm>
           <a:prstGeom prst="leftRightArrow">
@@ -5926,88 +5985,7 @@
       </p:sp>
       <p:sp>
         <p:nvSpPr>
-          <p:cNvPr id="242" name="Flèche double"/>
-          <p:cNvSpPr/>
-          <p:nvPr/>
-        </p:nvSpPr>
-        <p:spPr>
-          <a:xfrm rot="5400000">
-            <a:off x="2498465" y="3630615"/>
-            <a:ext cx="388242" cy="229084"/>
-          </a:xfrm>
-          <a:prstGeom prst="leftRightArrow">
-            <a:avLst>
-              <a:gd name="adj1" fmla="val 15937"/>
-              <a:gd name="adj2" fmla="val 49133"/>
-            </a:avLst>
-          </a:prstGeom>
-          <a:solidFill>
-            <a:srgbClr val="000000"/>
-          </a:solidFill>
-          <a:ln w="12700">
-            <a:miter lim="400000"/>
-          </a:ln>
-        </p:spPr>
-        <p:txBody>
-          <a:bodyPr lIns="50800" tIns="50800" rIns="50800" bIns="50800" anchor="ctr"/>
-          <a:lstStyle/>
-          <a:p>
-            <a:pPr>
-              <a:defRPr>
-                <a:solidFill>
-                  <a:srgbClr val="FFFFFF"/>
-                </a:solidFill>
-              </a:defRPr>
-            </a:pPr>
-          </a:p>
-        </p:txBody>
-      </p:sp>
-      <p:sp>
-        <p:nvSpPr>
-          <p:cNvPr id="243" name="FormationDAO"/>
-          <p:cNvSpPr txBox="1"/>
-          <p:nvPr/>
-        </p:nvSpPr>
-        <p:spPr>
-          <a:xfrm>
-            <a:off x="7483382" y="5228663"/>
-            <a:ext cx="1950207" cy="457201"/>
-          </a:xfrm>
-          <a:prstGeom prst="rect">
-            <a:avLst/>
-          </a:prstGeom>
-          <a:ln w="25400">
-            <a:solidFill>
-              <a:srgbClr val="808785"/>
-            </a:solidFill>
-            <a:miter lim="400000"/>
-          </a:ln>
-          <a:extLst>
-            <a:ext uri="{C572A759-6A51-4108-AA02-DFA0A04FC94B}">
-              <ma14:wrappingTextBoxFlag xmlns:ma14="http://schemas.microsoft.com/office/mac/drawingml/2011/main" val="1"/>
-            </a:ext>
-          </a:extLst>
-        </p:spPr>
-        <p:txBody>
-          <a:bodyPr wrap="none" lIns="50800" tIns="50800" rIns="50800" bIns="50800" anchor="ctr">
-            <a:spAutoFit/>
-          </a:bodyPr>
-          <a:lstStyle>
-            <a:lvl1pPr>
-              <a:defRPr sz="2300"/>
-            </a:lvl1pPr>
-          </a:lstStyle>
-          <a:p>
-            <a:pPr/>
-            <a:r>
-              <a:t>FormationDAO</a:t>
-            </a:r>
-          </a:p>
-        </p:txBody>
-      </p:sp>
-      <p:sp>
-        <p:nvSpPr>
-          <p:cNvPr id="244" name="Formation"/>
+          <p:cNvPr id="238" name="Formation"/>
           <p:cNvSpPr txBox="1"/>
           <p:nvPr/>
         </p:nvSpPr>
@@ -6054,14 +6032,14 @@
       </p:sp>
       <p:sp>
         <p:nvSpPr>
-          <p:cNvPr id="245" name="FormationService"/>
+          <p:cNvPr id="239" name="FormationServlet"/>
           <p:cNvSpPr txBox="1"/>
           <p:nvPr/>
         </p:nvSpPr>
         <p:spPr>
           <a:xfrm>
-            <a:off x="4495102" y="5208050"/>
-            <a:ext cx="2160867" cy="457201"/>
+            <a:off x="2289647" y="6114991"/>
+            <a:ext cx="2127207" cy="457201"/>
           </a:xfrm>
           <a:prstGeom prst="rect">
             <a:avLst/>
@@ -6090,21 +6068,21 @@
           <a:p>
             <a:pPr/>
             <a:r>
-              <a:t>FormationService</a:t>
-            </a:r>
-          </a:p>
-        </p:txBody>
-      </p:sp>
-      <p:sp>
-        <p:nvSpPr>
-          <p:cNvPr id="246" name="FormationServlet"/>
+              <a:t>FormationServlet</a:t>
+            </a:r>
+          </a:p>
+        </p:txBody>
+      </p:sp>
+      <p:sp>
+        <p:nvSpPr>
+          <p:cNvPr id="240" name="Index.jsp"/>
           <p:cNvSpPr txBox="1"/>
           <p:nvPr/>
         </p:nvSpPr>
         <p:spPr>
           <a:xfrm>
-            <a:off x="1628982" y="5953318"/>
-            <a:ext cx="2127208" cy="457201"/>
+            <a:off x="2787629" y="5302588"/>
+            <a:ext cx="1131243" cy="457201"/>
           </a:xfrm>
           <a:prstGeom prst="rect">
             <a:avLst/>
@@ -6133,21 +6111,21 @@
           <a:p>
             <a:pPr/>
             <a:r>
-              <a:t>FormationServlet</a:t>
-            </a:r>
-          </a:p>
-        </p:txBody>
-      </p:sp>
-      <p:sp>
-        <p:nvSpPr>
-          <p:cNvPr id="247" name="Index.jsp"/>
+              <a:t>Index.jsp</a:t>
+            </a:r>
+          </a:p>
+        </p:txBody>
+      </p:sp>
+      <p:sp>
+        <p:nvSpPr>
+          <p:cNvPr id="241" name="FormationDao"/>
           <p:cNvSpPr txBox="1"/>
           <p:nvPr/>
         </p:nvSpPr>
         <p:spPr>
           <a:xfrm>
-            <a:off x="2126964" y="5302588"/>
-            <a:ext cx="1131244" cy="457201"/>
+            <a:off x="6885758" y="5302588"/>
+            <a:ext cx="1824125" cy="457201"/>
           </a:xfrm>
           <a:prstGeom prst="rect">
             <a:avLst/>
@@ -6176,80 +6154,7 @@
           <a:p>
             <a:pPr/>
             <a:r>
-              <a:t>Index.jsp</a:t>
-            </a:r>
-          </a:p>
-        </p:txBody>
-      </p:sp>
-      <p:sp>
-        <p:nvSpPr>
-          <p:cNvPr id="248" name="ARCHITECTURE - V5"/>
-          <p:cNvSpPr txBox="1"/>
-          <p:nvPr>
-            <p:ph type="title"/>
-          </p:nvPr>
-        </p:nvSpPr>
-        <p:spPr>
-          <a:prstGeom prst="rect">
-            <a:avLst/>
-          </a:prstGeom>
-        </p:spPr>
-        <p:txBody>
-          <a:bodyPr/>
-          <a:lstStyle/>
-          <a:p>
-            <a:pPr/>
-            <a:r>
-              <a:t>ARCHITECTURE - </a:t>
-            </a:r>
-            <a:r>
-              <a:rPr>
-                <a:latin typeface="Arial"/>
-                <a:ea typeface="Arial"/>
-                <a:cs typeface="Arial"/>
-                <a:sym typeface="Arial"/>
-              </a:rPr>
-              <a:t>V5</a:t>
-            </a:r>
-          </a:p>
-        </p:txBody>
-      </p:sp>
-      <p:sp>
-        <p:nvSpPr>
-          <p:cNvPr id="249" name="Une partie du code de la classe FormationServlet à été déplacée dans une nouvelle classe FormationService. Cette classe interprétera les données envoyées par l’utilisateur depuis la couche présentation et validera les données avant d’atteindre la couche DAO."/>
-          <p:cNvSpPr txBox="1"/>
-          <p:nvPr/>
-        </p:nvSpPr>
-        <p:spPr>
-          <a:xfrm>
-            <a:off x="738811" y="7520014"/>
-            <a:ext cx="11298975" cy="2133601"/>
-          </a:xfrm>
-          <a:prstGeom prst="rect">
-            <a:avLst/>
-          </a:prstGeom>
-          <a:ln w="12700">
-            <a:miter lim="400000"/>
-          </a:ln>
-          <a:extLst>
-            <a:ext uri="{C572A759-6A51-4108-AA02-DFA0A04FC94B}">
-              <ma14:wrappingTextBoxFlag xmlns:ma14="http://schemas.microsoft.com/office/mac/drawingml/2011/main" val="1"/>
-            </a:ext>
-          </a:extLst>
-        </p:spPr>
-        <p:txBody>
-          <a:bodyPr lIns="50800" tIns="50800" rIns="50800" bIns="50800" anchor="ctr">
-            <a:spAutoFit/>
-          </a:bodyPr>
-          <a:lstStyle>
-            <a:lvl1pPr algn="l">
-              <a:defRPr sz="2800"/>
-            </a:lvl1pPr>
-          </a:lstStyle>
-          <a:p>
-            <a:pPr/>
-            <a:r>
-              <a:t>Une partie du code de la classe FormationServlet à été déplacée dans une nouvelle classe FormationService. Cette classe interprétera les données envoyées par l’utilisateur depuis la couche présentation et validera les données avant d’atteindre la couche DAO.</a:t>
+              <a:t>FormationDao</a:t>
             </a:r>
           </a:p>
         </p:txBody>
@@ -6263,7 +6168,7 @@
 </p:sld>
 </file>
 
-<file path=ppt/slides/slide2.xml><?xml version="1.0" encoding="utf-8"?>
+<file path=ppt/slides/slide15.xml><?xml version="1.0" encoding="utf-8"?>
 <p:sld xmlns:a="http://schemas.openxmlformats.org/drawingml/2006/main" xmlns:r="http://schemas.openxmlformats.org/officeDocument/2006/relationships" xmlns:p="http://schemas.openxmlformats.org/presentationml/2006/main" xmlns:m="http://schemas.openxmlformats.org/officeDocument/2006/math" xmlns:a14="http://schemas.microsoft.com/office/drawing/2010/main" showMasterSp="1" showMasterPhAnim="1">
   <p:cSld>
     <p:spTree>
@@ -6282,38 +6187,14 @@
       </p:grpSpPr>
       <p:sp>
         <p:nvSpPr>
-          <p:cNvPr id="122" name="ARCHITECTURE ACTUELLE"/>
-          <p:cNvSpPr txBox="1"/>
-          <p:nvPr>
-            <p:ph type="title"/>
-          </p:nvPr>
-        </p:nvSpPr>
-        <p:spPr>
-          <a:prstGeom prst="rect">
-            <a:avLst/>
-          </a:prstGeom>
-        </p:spPr>
-        <p:txBody>
-          <a:bodyPr/>
-          <a:lstStyle/>
-          <a:p>
-            <a:pPr/>
-            <a:r>
-              <a:t>ARCHITECTURE ACTUELLE</a:t>
-            </a:r>
-          </a:p>
-        </p:txBody>
-      </p:sp>
-      <p:sp>
-        <p:nvSpPr>
-          <p:cNvPr id="123" name="« DAO »"/>
+          <p:cNvPr id="243" name="Présentation…"/>
           <p:cNvSpPr/>
           <p:nvPr/>
         </p:nvSpPr>
         <p:spPr>
           <a:xfrm>
-            <a:off x="5734360" y="3107952"/>
-            <a:ext cx="4178202" cy="3537696"/>
+            <a:off x="1409935" y="3892888"/>
+            <a:ext cx="2565302" cy="3537695"/>
           </a:xfrm>
           <a:prstGeom prst="rect">
             <a:avLst/>
@@ -6331,34 +6212,154 @@
           </a:extLst>
         </p:spPr>
         <p:txBody>
-          <a:bodyPr lIns="50800" tIns="50800" rIns="50800" bIns="50800" anchor="ctr"/>
-          <a:lstStyle>
-            <a:lvl1pPr>
+          <a:bodyPr lIns="50800" tIns="50800" rIns="50800" bIns="50800"/>
+          <a:lstStyle/>
+          <a:p>
+            <a:pPr>
               <a:defRPr>
                 <a:solidFill>
                   <a:srgbClr val="FFFFFF"/>
                 </a:solidFill>
               </a:defRPr>
-            </a:lvl1pPr>
-          </a:lstStyle>
-          <a:p>
-            <a:pPr/>
-            <a:r>
-              <a:t>« DAO »</a:t>
-            </a:r>
-          </a:p>
-        </p:txBody>
-      </p:sp>
-      <p:sp>
-        <p:nvSpPr>
-          <p:cNvPr id="124" name="BD"/>
+            </a:pPr>
+            <a:r>
+              <a:t>Présentation</a:t>
+            </a:r>
+          </a:p>
+          <a:p>
+            <a:pPr>
+              <a:defRPr sz="2200">
+                <a:solidFill>
+                  <a:srgbClr val="FFFFFF"/>
+                </a:solidFill>
+              </a:defRPr>
+            </a:pPr>
+            <a:r>
+              <a:t>Interface utilisateur</a:t>
+            </a:r>
+          </a:p>
+        </p:txBody>
+      </p:sp>
+      <p:sp>
+        <p:nvSpPr>
+          <p:cNvPr id="244" name="Service…"/>
           <p:cNvSpPr/>
           <p:nvPr/>
         </p:nvSpPr>
         <p:spPr>
           <a:xfrm>
-            <a:off x="10230209" y="3732335"/>
-            <a:ext cx="1536081" cy="2027836"/>
+            <a:off x="4292885" y="3892888"/>
+            <a:ext cx="2565302" cy="3537695"/>
+          </a:xfrm>
+          <a:prstGeom prst="rect">
+            <a:avLst/>
+          </a:prstGeom>
+          <a:solidFill>
+            <a:schemeClr val="accent3"/>
+          </a:solidFill>
+          <a:ln w="12700">
+            <a:miter lim="400000"/>
+          </a:ln>
+          <a:extLst>
+            <a:ext uri="{C572A759-6A51-4108-AA02-DFA0A04FC94B}">
+              <ma14:wrappingTextBoxFlag xmlns:ma14="http://schemas.microsoft.com/office/mac/drawingml/2011/main" val="1"/>
+            </a:ext>
+          </a:extLst>
+        </p:spPr>
+        <p:txBody>
+          <a:bodyPr lIns="50800" tIns="50800" rIns="50800" bIns="50800"/>
+          <a:lstStyle/>
+          <a:p>
+            <a:pPr>
+              <a:defRPr>
+                <a:solidFill>
+                  <a:srgbClr val="FFFFFF"/>
+                </a:solidFill>
+              </a:defRPr>
+            </a:pPr>
+            <a:r>
+              <a:t>Service</a:t>
+            </a:r>
+          </a:p>
+          <a:p>
+            <a:pPr>
+              <a:defRPr sz="2200">
+                <a:solidFill>
+                  <a:srgbClr val="FFFFFF"/>
+                </a:solidFill>
+              </a:defRPr>
+            </a:pPr>
+            <a:r>
+              <a:t>Traitement métier</a:t>
+            </a:r>
+          </a:p>
+        </p:txBody>
+      </p:sp>
+      <p:sp>
+        <p:nvSpPr>
+          <p:cNvPr id="245" name="DAO…"/>
+          <p:cNvSpPr/>
+          <p:nvPr/>
+        </p:nvSpPr>
+        <p:spPr>
+          <a:xfrm>
+            <a:off x="7175834" y="3892888"/>
+            <a:ext cx="2565302" cy="3537695"/>
+          </a:xfrm>
+          <a:prstGeom prst="rect">
+            <a:avLst/>
+          </a:prstGeom>
+          <a:solidFill>
+            <a:schemeClr val="accent3"/>
+          </a:solidFill>
+          <a:ln w="12700">
+            <a:miter lim="400000"/>
+          </a:ln>
+          <a:extLst>
+            <a:ext uri="{C572A759-6A51-4108-AA02-DFA0A04FC94B}">
+              <ma14:wrappingTextBoxFlag xmlns:ma14="http://schemas.microsoft.com/office/mac/drawingml/2011/main" val="1"/>
+            </a:ext>
+          </a:extLst>
+        </p:spPr>
+        <p:txBody>
+          <a:bodyPr lIns="50800" tIns="50800" rIns="50800" bIns="50800"/>
+          <a:lstStyle/>
+          <a:p>
+            <a:pPr>
+              <a:defRPr>
+                <a:solidFill>
+                  <a:srgbClr val="FFFFFF"/>
+                </a:solidFill>
+              </a:defRPr>
+            </a:pPr>
+            <a:r>
+              <a:t>DAO</a:t>
+            </a:r>
+          </a:p>
+          <a:p>
+            <a:pPr>
+              <a:defRPr sz="2200">
+                <a:solidFill>
+                  <a:srgbClr val="FFFFFF"/>
+                </a:solidFill>
+              </a:defRPr>
+            </a:pPr>
+            <a:r>
+              <a:t>Accès aux données</a:t>
+            </a:r>
+          </a:p>
+        </p:txBody>
+      </p:sp>
+      <p:sp>
+        <p:nvSpPr>
+          <p:cNvPr id="246" name="BD"/>
+          <p:cNvSpPr/>
+          <p:nvPr/>
+        </p:nvSpPr>
+        <p:spPr>
+          <a:xfrm>
+            <a:off x="10058784" y="4517271"/>
+            <a:ext cx="1536080" cy="2027836"/>
           </a:xfrm>
           <a:custGeom>
             <a:avLst/>
@@ -6476,80 +6477,23 @@
       </p:sp>
       <p:sp>
         <p:nvSpPr>
-          <p:cNvPr id="125" name="Ligne"/>
+          <p:cNvPr id="247" name="Domaine métier"/>
           <p:cNvSpPr/>
           <p:nvPr/>
         </p:nvSpPr>
         <p:spPr>
           <a:xfrm>
-            <a:off x="9893219" y="4321271"/>
-            <a:ext cx="364813" cy="1"/>
-          </a:xfrm>
-          <a:prstGeom prst="line">
-            <a:avLst/>
-          </a:prstGeom>
-          <a:ln w="25400">
-            <a:solidFill>
-              <a:srgbClr val="5A5F5E"/>
-            </a:solidFill>
-            <a:miter lim="400000"/>
-            <a:tailEnd type="triangle"/>
-          </a:ln>
-        </p:spPr>
-        <p:txBody>
-          <a:bodyPr lIns="50800" tIns="50800" rIns="50800" bIns="50800" anchor="ctr"/>
-          <a:lstStyle/>
-          <a:p>
-            <a:pPr/>
-          </a:p>
-        </p:txBody>
-      </p:sp>
-      <p:sp>
-        <p:nvSpPr>
-          <p:cNvPr id="126" name="Ligne"/>
-          <p:cNvSpPr/>
-          <p:nvPr/>
-        </p:nvSpPr>
-        <p:spPr>
-          <a:xfrm flipH="1">
-            <a:off x="9893219" y="5396982"/>
-            <a:ext cx="364813" cy="1"/>
-          </a:xfrm>
-          <a:prstGeom prst="line">
-            <a:avLst/>
-          </a:prstGeom>
-          <a:ln w="25400">
-            <a:solidFill>
-              <a:srgbClr val="5A5F5E"/>
-            </a:solidFill>
-            <a:miter lim="400000"/>
-            <a:tailEnd type="triangle"/>
-          </a:ln>
-        </p:spPr>
-        <p:txBody>
-          <a:bodyPr lIns="50800" tIns="50800" rIns="50800" bIns="50800" anchor="ctr"/>
-          <a:lstStyle/>
-          <a:p>
-            <a:pPr/>
-          </a:p>
-        </p:txBody>
-      </p:sp>
-      <p:sp>
-        <p:nvSpPr>
-          <p:cNvPr id="127" name="« PRESENTATION »"/>
-          <p:cNvSpPr/>
-          <p:nvPr/>
-        </p:nvSpPr>
-        <p:spPr>
-          <a:xfrm>
-            <a:off x="1238510" y="3107952"/>
-            <a:ext cx="4178202" cy="3537696"/>
+            <a:off x="1422635" y="2323017"/>
+            <a:ext cx="8305801" cy="1270001"/>
           </a:xfrm>
           <a:prstGeom prst="rect">
             <a:avLst/>
           </a:prstGeom>
           <a:solidFill>
-            <a:schemeClr val="accent3"/>
+            <a:schemeClr val="accent6">
+              <a:satOff val="1848"/>
+              <a:lumOff val="-15262"/>
+            </a:schemeClr>
           </a:solidFill>
           <a:ln w="12700">
             <a:miter lim="400000"/>
@@ -6563,7 +6507,7 @@
         <p:txBody>
           <a:bodyPr lIns="50800" tIns="50800" rIns="50800" bIns="50800" anchor="ctr"/>
           <a:lstStyle>
-            <a:lvl1pPr>
+            <a:lvl1pPr algn="l">
               <a:defRPr>
                 <a:solidFill>
                   <a:srgbClr val="FFFFFF"/>
@@ -6574,20 +6518,20 @@
           <a:p>
             <a:pPr/>
             <a:r>
-              <a:t>« PRESENTATION »</a:t>
-            </a:r>
-          </a:p>
-        </p:txBody>
-      </p:sp>
-      <p:sp>
-        <p:nvSpPr>
-          <p:cNvPr id="128" name="Ligne"/>
+              <a:t>   Domaine métier</a:t>
+            </a:r>
+          </a:p>
+        </p:txBody>
+      </p:sp>
+      <p:sp>
+        <p:nvSpPr>
+          <p:cNvPr id="248" name="Ligne"/>
           <p:cNvSpPr/>
           <p:nvPr/>
         </p:nvSpPr>
         <p:spPr>
           <a:xfrm>
-            <a:off x="5397419" y="4338944"/>
+            <a:off x="3947414" y="5106207"/>
             <a:ext cx="364814" cy="1"/>
           </a:xfrm>
           <a:prstGeom prst="line">
@@ -6611,14 +6555,14 @@
       </p:sp>
       <p:sp>
         <p:nvSpPr>
-          <p:cNvPr id="129" name="Ligne"/>
+          <p:cNvPr id="249" name="Ligne"/>
           <p:cNvSpPr/>
           <p:nvPr/>
         </p:nvSpPr>
         <p:spPr>
-          <a:xfrm flipH="1">
-            <a:off x="5397419" y="5414655"/>
-            <a:ext cx="364814" cy="1"/>
+          <a:xfrm>
+            <a:off x="6834604" y="5106207"/>
+            <a:ext cx="364813" cy="1"/>
           </a:xfrm>
           <a:prstGeom prst="line">
             <a:avLst/>
@@ -6641,19 +6585,256 @@
       </p:sp>
       <p:sp>
         <p:nvSpPr>
-          <p:cNvPr id="130" name="Toutes les classes se situe dans la couche DAO, même des classes de test.…"/>
+          <p:cNvPr id="250" name="Ligne"/>
+          <p:cNvSpPr/>
+          <p:nvPr/>
+        </p:nvSpPr>
+        <p:spPr>
+          <a:xfrm>
+            <a:off x="9721794" y="5106207"/>
+            <a:ext cx="364813" cy="1"/>
+          </a:xfrm>
+          <a:prstGeom prst="line">
+            <a:avLst/>
+          </a:prstGeom>
+          <a:ln w="25400">
+            <a:solidFill>
+              <a:srgbClr val="5A5F5E"/>
+            </a:solidFill>
+            <a:miter lim="400000"/>
+            <a:tailEnd type="triangle"/>
+          </a:ln>
+        </p:spPr>
+        <p:txBody>
+          <a:bodyPr lIns="50800" tIns="50800" rIns="50800" bIns="50800" anchor="ctr"/>
+          <a:lstStyle/>
+          <a:p>
+            <a:pPr/>
+          </a:p>
+        </p:txBody>
+      </p:sp>
+      <p:sp>
+        <p:nvSpPr>
+          <p:cNvPr id="251" name="Ligne"/>
+          <p:cNvSpPr/>
+          <p:nvPr/>
+        </p:nvSpPr>
+        <p:spPr>
+          <a:xfrm flipH="1">
+            <a:off x="3951654" y="6181918"/>
+            <a:ext cx="364814" cy="1"/>
+          </a:xfrm>
+          <a:prstGeom prst="line">
+            <a:avLst/>
+          </a:prstGeom>
+          <a:ln w="25400">
+            <a:solidFill>
+              <a:srgbClr val="5A5F5E"/>
+            </a:solidFill>
+            <a:miter lim="400000"/>
+            <a:tailEnd type="triangle"/>
+          </a:ln>
+        </p:spPr>
+        <p:txBody>
+          <a:bodyPr lIns="50800" tIns="50800" rIns="50800" bIns="50800" anchor="ctr"/>
+          <a:lstStyle/>
+          <a:p>
+            <a:pPr/>
+          </a:p>
+        </p:txBody>
+      </p:sp>
+      <p:sp>
+        <p:nvSpPr>
+          <p:cNvPr id="252" name="Ligne"/>
+          <p:cNvSpPr/>
+          <p:nvPr/>
+        </p:nvSpPr>
+        <p:spPr>
+          <a:xfrm flipH="1">
+            <a:off x="6834604" y="6181918"/>
+            <a:ext cx="364813" cy="1"/>
+          </a:xfrm>
+          <a:prstGeom prst="line">
+            <a:avLst/>
+          </a:prstGeom>
+          <a:ln w="25400">
+            <a:solidFill>
+              <a:srgbClr val="5A5F5E"/>
+            </a:solidFill>
+            <a:miter lim="400000"/>
+            <a:tailEnd type="triangle"/>
+          </a:ln>
+        </p:spPr>
+        <p:txBody>
+          <a:bodyPr lIns="50800" tIns="50800" rIns="50800" bIns="50800" anchor="ctr"/>
+          <a:lstStyle/>
+          <a:p>
+            <a:pPr/>
+          </a:p>
+        </p:txBody>
+      </p:sp>
+      <p:sp>
+        <p:nvSpPr>
+          <p:cNvPr id="253" name="Ligne"/>
+          <p:cNvSpPr/>
+          <p:nvPr/>
+        </p:nvSpPr>
+        <p:spPr>
+          <a:xfrm flipH="1">
+            <a:off x="9721794" y="6181918"/>
+            <a:ext cx="364813" cy="1"/>
+          </a:xfrm>
+          <a:prstGeom prst="line">
+            <a:avLst/>
+          </a:prstGeom>
+          <a:ln w="25400">
+            <a:solidFill>
+              <a:srgbClr val="5A5F5E"/>
+            </a:solidFill>
+            <a:miter lim="400000"/>
+            <a:tailEnd type="triangle"/>
+          </a:ln>
+        </p:spPr>
+        <p:txBody>
+          <a:bodyPr lIns="50800" tIns="50800" rIns="50800" bIns="50800" anchor="ctr"/>
+          <a:lstStyle/>
+          <a:p>
+            <a:pPr/>
+          </a:p>
+        </p:txBody>
+      </p:sp>
+      <p:sp>
+        <p:nvSpPr>
+          <p:cNvPr id="254" name="Flèche double"/>
+          <p:cNvSpPr/>
+          <p:nvPr/>
+        </p:nvSpPr>
+        <p:spPr>
+          <a:xfrm rot="5400000">
+            <a:off x="5381415" y="3630615"/>
+            <a:ext cx="388242" cy="229084"/>
+          </a:xfrm>
+          <a:prstGeom prst="leftRightArrow">
+            <a:avLst>
+              <a:gd name="adj1" fmla="val 15937"/>
+              <a:gd name="adj2" fmla="val 49133"/>
+            </a:avLst>
+          </a:prstGeom>
+          <a:solidFill>
+            <a:srgbClr val="000000"/>
+          </a:solidFill>
+          <a:ln w="12700">
+            <a:miter lim="400000"/>
+          </a:ln>
+        </p:spPr>
+        <p:txBody>
+          <a:bodyPr lIns="50800" tIns="50800" rIns="50800" bIns="50800" anchor="ctr"/>
+          <a:lstStyle/>
+          <a:p>
+            <a:pPr>
+              <a:defRPr>
+                <a:solidFill>
+                  <a:srgbClr val="FFFFFF"/>
+                </a:solidFill>
+              </a:defRPr>
+            </a:pPr>
+          </a:p>
+        </p:txBody>
+      </p:sp>
+      <p:sp>
+        <p:nvSpPr>
+          <p:cNvPr id="255" name="Flèche double"/>
+          <p:cNvSpPr/>
+          <p:nvPr/>
+        </p:nvSpPr>
+        <p:spPr>
+          <a:xfrm rot="5400000">
+            <a:off x="8264364" y="3630615"/>
+            <a:ext cx="388242" cy="229084"/>
+          </a:xfrm>
+          <a:prstGeom prst="leftRightArrow">
+            <a:avLst>
+              <a:gd name="adj1" fmla="val 15937"/>
+              <a:gd name="adj2" fmla="val 49133"/>
+            </a:avLst>
+          </a:prstGeom>
+          <a:solidFill>
+            <a:srgbClr val="000000"/>
+          </a:solidFill>
+          <a:ln w="12700">
+            <a:miter lim="400000"/>
+          </a:ln>
+        </p:spPr>
+        <p:txBody>
+          <a:bodyPr lIns="50800" tIns="50800" rIns="50800" bIns="50800" anchor="ctr"/>
+          <a:lstStyle/>
+          <a:p>
+            <a:pPr>
+              <a:defRPr>
+                <a:solidFill>
+                  <a:srgbClr val="FFFFFF"/>
+                </a:solidFill>
+              </a:defRPr>
+            </a:pPr>
+          </a:p>
+        </p:txBody>
+      </p:sp>
+      <p:sp>
+        <p:nvSpPr>
+          <p:cNvPr id="256" name="Flèche double"/>
+          <p:cNvSpPr/>
+          <p:nvPr/>
+        </p:nvSpPr>
+        <p:spPr>
+          <a:xfrm rot="5400000">
+            <a:off x="2498465" y="3630615"/>
+            <a:ext cx="388242" cy="229084"/>
+          </a:xfrm>
+          <a:prstGeom prst="leftRightArrow">
+            <a:avLst>
+              <a:gd name="adj1" fmla="val 15937"/>
+              <a:gd name="adj2" fmla="val 49133"/>
+            </a:avLst>
+          </a:prstGeom>
+          <a:solidFill>
+            <a:srgbClr val="000000"/>
+          </a:solidFill>
+          <a:ln w="12700">
+            <a:miter lim="400000"/>
+          </a:ln>
+        </p:spPr>
+        <p:txBody>
+          <a:bodyPr lIns="50800" tIns="50800" rIns="50800" bIns="50800" anchor="ctr"/>
+          <a:lstStyle/>
+          <a:p>
+            <a:pPr>
+              <a:defRPr>
+                <a:solidFill>
+                  <a:srgbClr val="FFFFFF"/>
+                </a:solidFill>
+              </a:defRPr>
+            </a:pPr>
+          </a:p>
+        </p:txBody>
+      </p:sp>
+      <p:sp>
+        <p:nvSpPr>
+          <p:cNvPr id="257" name="FormationDAO"/>
           <p:cNvSpPr txBox="1"/>
           <p:nvPr/>
         </p:nvSpPr>
         <p:spPr>
           <a:xfrm>
-            <a:off x="1077478" y="7332133"/>
-            <a:ext cx="10849844" cy="1727201"/>
-          </a:xfrm>
-          <a:prstGeom prst="rect">
-            <a:avLst/>
-          </a:prstGeom>
-          <a:ln w="12700">
+            <a:off x="7483382" y="5228663"/>
+            <a:ext cx="1950207" cy="457201"/>
+          </a:xfrm>
+          <a:prstGeom prst="rect">
+            <a:avLst/>
+          </a:prstGeom>
+          <a:ln w="25400">
+            <a:solidFill>
+              <a:srgbClr val="808785"/>
+            </a:solidFill>
             <a:miter lim="400000"/>
           </a:ln>
           <a:extLst>
@@ -6666,27 +6847,673 @@
           <a:bodyPr wrap="none" lIns="50800" tIns="50800" rIns="50800" bIns="50800" anchor="ctr">
             <a:spAutoFit/>
           </a:bodyPr>
+          <a:lstStyle>
+            <a:lvl1pPr>
+              <a:defRPr sz="2300"/>
+            </a:lvl1pPr>
+          </a:lstStyle>
+          <a:p>
+            <a:pPr/>
+            <a:r>
+              <a:t>FormationDAO</a:t>
+            </a:r>
+          </a:p>
+        </p:txBody>
+      </p:sp>
+      <p:sp>
+        <p:nvSpPr>
+          <p:cNvPr id="258" name="Formation"/>
+          <p:cNvSpPr txBox="1"/>
+          <p:nvPr/>
+        </p:nvSpPr>
+        <p:spPr>
+          <a:xfrm>
+            <a:off x="6354545" y="2729416"/>
+            <a:ext cx="1324931" cy="457201"/>
+          </a:xfrm>
+          <a:prstGeom prst="rect">
+            <a:avLst/>
+          </a:prstGeom>
+          <a:ln w="25400">
+            <a:solidFill>
+              <a:srgbClr val="808785"/>
+            </a:solidFill>
+            <a:miter lim="400000"/>
+          </a:ln>
+          <a:extLst>
+            <a:ext uri="{C572A759-6A51-4108-AA02-DFA0A04FC94B}">
+              <ma14:wrappingTextBoxFlag xmlns:ma14="http://schemas.microsoft.com/office/mac/drawingml/2011/main" val="1"/>
+            </a:ext>
+          </a:extLst>
+        </p:spPr>
+        <p:txBody>
+          <a:bodyPr wrap="none" lIns="50800" tIns="50800" rIns="50800" bIns="50800" anchor="ctr">
+            <a:spAutoFit/>
+          </a:bodyPr>
+          <a:lstStyle>
+            <a:lvl1pPr>
+              <a:defRPr sz="2300">
+                <a:solidFill>
+                  <a:srgbClr val="B4B4B4"/>
+                </a:solidFill>
+              </a:defRPr>
+            </a:lvl1pPr>
+          </a:lstStyle>
+          <a:p>
+            <a:pPr/>
+            <a:r>
+              <a:t>Formation</a:t>
+            </a:r>
+          </a:p>
+        </p:txBody>
+      </p:sp>
+      <p:sp>
+        <p:nvSpPr>
+          <p:cNvPr id="259" name="FormationService"/>
+          <p:cNvSpPr txBox="1"/>
+          <p:nvPr/>
+        </p:nvSpPr>
+        <p:spPr>
+          <a:xfrm>
+            <a:off x="4495102" y="5208050"/>
+            <a:ext cx="2160867" cy="457201"/>
+          </a:xfrm>
+          <a:prstGeom prst="rect">
+            <a:avLst/>
+          </a:prstGeom>
+          <a:ln w="25400">
+            <a:solidFill>
+              <a:srgbClr val="808785"/>
+            </a:solidFill>
+            <a:miter lim="400000"/>
+          </a:ln>
+          <a:extLst>
+            <a:ext uri="{C572A759-6A51-4108-AA02-DFA0A04FC94B}">
+              <ma14:wrappingTextBoxFlag xmlns:ma14="http://schemas.microsoft.com/office/mac/drawingml/2011/main" val="1"/>
+            </a:ext>
+          </a:extLst>
+        </p:spPr>
+        <p:txBody>
+          <a:bodyPr wrap="none" lIns="50800" tIns="50800" rIns="50800" bIns="50800" anchor="ctr">
+            <a:spAutoFit/>
+          </a:bodyPr>
+          <a:lstStyle>
+            <a:lvl1pPr>
+              <a:defRPr sz="2300"/>
+            </a:lvl1pPr>
+          </a:lstStyle>
+          <a:p>
+            <a:pPr/>
+            <a:r>
+              <a:t>FormationService</a:t>
+            </a:r>
+          </a:p>
+        </p:txBody>
+      </p:sp>
+      <p:sp>
+        <p:nvSpPr>
+          <p:cNvPr id="260" name="FormationServlet"/>
+          <p:cNvSpPr txBox="1"/>
+          <p:nvPr/>
+        </p:nvSpPr>
+        <p:spPr>
+          <a:xfrm>
+            <a:off x="1628982" y="5953318"/>
+            <a:ext cx="2127208" cy="457201"/>
+          </a:xfrm>
+          <a:prstGeom prst="rect">
+            <a:avLst/>
+          </a:prstGeom>
+          <a:ln w="25400">
+            <a:solidFill>
+              <a:srgbClr val="808785"/>
+            </a:solidFill>
+            <a:miter lim="400000"/>
+          </a:ln>
+          <a:extLst>
+            <a:ext uri="{C572A759-6A51-4108-AA02-DFA0A04FC94B}">
+              <ma14:wrappingTextBoxFlag xmlns:ma14="http://schemas.microsoft.com/office/mac/drawingml/2011/main" val="1"/>
+            </a:ext>
+          </a:extLst>
+        </p:spPr>
+        <p:txBody>
+          <a:bodyPr wrap="none" lIns="50800" tIns="50800" rIns="50800" bIns="50800" anchor="ctr">
+            <a:spAutoFit/>
+          </a:bodyPr>
+          <a:lstStyle>
+            <a:lvl1pPr>
+              <a:defRPr sz="2300"/>
+            </a:lvl1pPr>
+          </a:lstStyle>
+          <a:p>
+            <a:pPr/>
+            <a:r>
+              <a:t>FormationServlet</a:t>
+            </a:r>
+          </a:p>
+        </p:txBody>
+      </p:sp>
+      <p:sp>
+        <p:nvSpPr>
+          <p:cNvPr id="261" name="Index.jsp"/>
+          <p:cNvSpPr txBox="1"/>
+          <p:nvPr/>
+        </p:nvSpPr>
+        <p:spPr>
+          <a:xfrm>
+            <a:off x="2126964" y="5302588"/>
+            <a:ext cx="1131244" cy="457201"/>
+          </a:xfrm>
+          <a:prstGeom prst="rect">
+            <a:avLst/>
+          </a:prstGeom>
+          <a:ln w="25400">
+            <a:solidFill>
+              <a:srgbClr val="808785"/>
+            </a:solidFill>
+            <a:miter lim="400000"/>
+          </a:ln>
+          <a:extLst>
+            <a:ext uri="{C572A759-6A51-4108-AA02-DFA0A04FC94B}">
+              <ma14:wrappingTextBoxFlag xmlns:ma14="http://schemas.microsoft.com/office/mac/drawingml/2011/main" val="1"/>
+            </a:ext>
+          </a:extLst>
+        </p:spPr>
+        <p:txBody>
+          <a:bodyPr wrap="none" lIns="50800" tIns="50800" rIns="50800" bIns="50800" anchor="ctr">
+            <a:spAutoFit/>
+          </a:bodyPr>
+          <a:lstStyle>
+            <a:lvl1pPr>
+              <a:defRPr sz="2300"/>
+            </a:lvl1pPr>
+          </a:lstStyle>
+          <a:p>
+            <a:pPr/>
+            <a:r>
+              <a:t>Index.jsp</a:t>
+            </a:r>
+          </a:p>
+        </p:txBody>
+      </p:sp>
+      <p:sp>
+        <p:nvSpPr>
+          <p:cNvPr id="262" name="ARCHITECTURE - V5"/>
+          <p:cNvSpPr txBox="1"/>
+          <p:nvPr>
+            <p:ph type="title"/>
+          </p:nvPr>
+        </p:nvSpPr>
+        <p:spPr>
+          <a:prstGeom prst="rect">
+            <a:avLst/>
+          </a:prstGeom>
+        </p:spPr>
+        <p:txBody>
+          <a:bodyPr/>
+          <a:lstStyle/>
+          <a:p>
+            <a:pPr/>
+            <a:r>
+              <a:t>ARCHITECTURE - </a:t>
+            </a:r>
+            <a:r>
+              <a:rPr>
+                <a:latin typeface="Arial"/>
+                <a:ea typeface="Arial"/>
+                <a:cs typeface="Arial"/>
+                <a:sym typeface="Arial"/>
+              </a:rPr>
+              <a:t>V5</a:t>
+            </a:r>
+          </a:p>
+        </p:txBody>
+      </p:sp>
+      <p:sp>
+        <p:nvSpPr>
+          <p:cNvPr id="263" name="Une partie du code de la classe FormationServlet à été déplacée dans une nouvelle classe FormationService. Cette classe interprétera les données envoyées par l’utilisateur depuis la couche présentation et validera les données avant d’atteindre la couche DAO."/>
+          <p:cNvSpPr txBox="1"/>
+          <p:nvPr/>
+        </p:nvSpPr>
+        <p:spPr>
+          <a:xfrm>
+            <a:off x="738811" y="7520014"/>
+            <a:ext cx="11298975" cy="2133601"/>
+          </a:xfrm>
+          <a:prstGeom prst="rect">
+            <a:avLst/>
+          </a:prstGeom>
+          <a:ln w="12700">
+            <a:miter lim="400000"/>
+          </a:ln>
+          <a:extLst>
+            <a:ext uri="{C572A759-6A51-4108-AA02-DFA0A04FC94B}">
+              <ma14:wrappingTextBoxFlag xmlns:ma14="http://schemas.microsoft.com/office/mac/drawingml/2011/main" val="1"/>
+            </a:ext>
+          </a:extLst>
+        </p:spPr>
+        <p:txBody>
+          <a:bodyPr lIns="50800" tIns="50800" rIns="50800" bIns="50800" anchor="ctr">
+            <a:spAutoFit/>
+          </a:bodyPr>
+          <a:lstStyle>
+            <a:lvl1pPr algn="l">
+              <a:defRPr sz="2800"/>
+            </a:lvl1pPr>
+          </a:lstStyle>
+          <a:p>
+            <a:pPr/>
+            <a:r>
+              <a:t>Une partie du code de la classe FormationServlet à été déplacée dans une nouvelle classe FormationService. Cette classe interprétera les données envoyées par l’utilisateur depuis la couche présentation et validera les données avant d’atteindre la couche DAO.</a:t>
+            </a:r>
+          </a:p>
+        </p:txBody>
+      </p:sp>
+    </p:spTree>
+  </p:cSld>
+  <p:clrMapOvr>
+    <a:masterClrMapping/>
+  </p:clrMapOvr>
+  <p:transition xmlns:p14="http://schemas.microsoft.com/office/powerpoint/2010/main" spd="med" advClick="1"/>
+</p:sld>
+</file>
+
+<file path=ppt/slides/slide16.xml><?xml version="1.0" encoding="utf-8"?>
+<p:sld xmlns:a="http://schemas.openxmlformats.org/drawingml/2006/main" xmlns:r="http://schemas.openxmlformats.org/officeDocument/2006/relationships" xmlns:p="http://schemas.openxmlformats.org/presentationml/2006/main" xmlns:m="http://schemas.openxmlformats.org/officeDocument/2006/math" xmlns:a14="http://schemas.microsoft.com/office/drawing/2010/main" showMasterSp="1" showMasterPhAnim="1">
+  <p:cSld>
+    <p:spTree>
+      <p:nvGrpSpPr>
+        <p:cNvPr id="1" name=""/>
+        <p:cNvGrpSpPr/>
+        <p:nvPr/>
+      </p:nvGrpSpPr>
+      <p:grpSpPr>
+        <a:xfrm>
+          <a:off x="0" y="0"/>
+          <a:ext cx="0" cy="0"/>
+          <a:chOff x="0" y="0"/>
+          <a:chExt cx="0" cy="0"/>
+        </a:xfrm>
+      </p:grpSpPr>
+      <p:sp>
+        <p:nvSpPr>
+          <p:cNvPr id="265" name="Exceptions - V6"/>
+          <p:cNvSpPr txBox="1"/>
+          <p:nvPr>
+            <p:ph type="title"/>
+          </p:nvPr>
+        </p:nvSpPr>
+        <p:spPr>
+          <a:prstGeom prst="rect">
+            <a:avLst/>
+          </a:prstGeom>
+        </p:spPr>
+        <p:txBody>
+          <a:bodyPr/>
+          <a:lstStyle/>
+          <a:p>
+            <a:pPr/>
+            <a:r>
+              <a:t>Exceptions - </a:t>
+            </a:r>
+            <a:r>
+              <a:rPr>
+                <a:latin typeface="Arial"/>
+                <a:ea typeface="Arial"/>
+                <a:cs typeface="Arial"/>
+                <a:sym typeface="Arial"/>
+              </a:rPr>
+              <a:t>V6</a:t>
+            </a:r>
+          </a:p>
+        </p:txBody>
+      </p:sp>
+      <p:sp>
+        <p:nvSpPr>
+          <p:cNvPr id="266" name="Le fichier web.xml permet de configurer notre application web.…"/>
+          <p:cNvSpPr txBox="1"/>
+          <p:nvPr/>
+        </p:nvSpPr>
+        <p:spPr>
+          <a:xfrm>
+            <a:off x="1073046" y="2677081"/>
+            <a:ext cx="3657874" cy="3759201"/>
+          </a:xfrm>
+          <a:prstGeom prst="rect">
+            <a:avLst/>
+          </a:prstGeom>
+          <a:ln w="12700">
+            <a:miter lim="400000"/>
+          </a:ln>
+          <a:extLst>
+            <a:ext uri="{C572A759-6A51-4108-AA02-DFA0A04FC94B}">
+              <ma14:wrappingTextBoxFlag xmlns:ma14="http://schemas.microsoft.com/office/mac/drawingml/2011/main" val="1"/>
+            </a:ext>
+          </a:extLst>
+        </p:spPr>
+        <p:txBody>
+          <a:bodyPr lIns="50800" tIns="50800" rIns="50800" bIns="50800" anchor="ctr">
+            <a:spAutoFit/>
+          </a:bodyPr>
           <a:lstStyle/>
           <a:p>
             <a:pPr algn="l">
               <a:defRPr sz="2800"/>
             </a:pPr>
             <a:r>
-              <a:t>Toutes les classes se situe dans la couche DAO, même des classes de test. </a:t>
+              <a:t>Le fichier web.xml permet de configurer notre application web. </a:t>
             </a:r>
           </a:p>
           <a:p>
             <a:pPr algn="l">
               <a:defRPr sz="2800"/>
             </a:pPr>
-            <a:r>
-              <a:t>Seule la page d’accueil de l’application (index.jsp) se situe dans Présentation. </a:t>
-            </a:r>
           </a:p>
           <a:p>
             <a:pPr algn="l">
               <a:defRPr sz="2800"/>
             </a:pPr>
+            <a:r>
+              <a:t>Cela donne la possibilité de rediriger l’utilisateur vers des pages d’erreur personnalisées.</a:t>
+            </a:r>
+          </a:p>
+        </p:txBody>
+      </p:sp>
+      <p:pic>
+        <p:nvPicPr>
+          <p:cNvPr id="267" name="Image" descr="Image"/>
+          <p:cNvPicPr>
+            <a:picLocks noChangeAspect="1"/>
+          </p:cNvPicPr>
+          <p:nvPr/>
+        </p:nvPicPr>
+        <p:blipFill>
+          <a:blip r:embed="rId2">
+            <a:extLst/>
+          </a:blip>
+          <a:stretch>
+            <a:fillRect/>
+          </a:stretch>
+        </p:blipFill>
+        <p:spPr>
+          <a:xfrm>
+            <a:off x="5327650" y="2671233"/>
+            <a:ext cx="7023100" cy="5156201"/>
+          </a:xfrm>
+          <a:prstGeom prst="rect">
+            <a:avLst/>
+          </a:prstGeom>
+          <a:ln w="12700">
+            <a:miter lim="400000"/>
+          </a:ln>
+        </p:spPr>
+      </p:pic>
+    </p:spTree>
+  </p:cSld>
+  <p:clrMapOvr>
+    <a:masterClrMapping/>
+  </p:clrMapOvr>
+  <p:transition xmlns:p14="http://schemas.microsoft.com/office/powerpoint/2010/main" spd="med" advClick="1"/>
+</p:sld>
+</file>
+
+<file path=ppt/slides/slide17.xml><?xml version="1.0" encoding="utf-8"?>
+<p:sld xmlns:a="http://schemas.openxmlformats.org/drawingml/2006/main" xmlns:r="http://schemas.openxmlformats.org/officeDocument/2006/relationships" xmlns:p="http://schemas.openxmlformats.org/presentationml/2006/main" xmlns:m="http://schemas.openxmlformats.org/officeDocument/2006/math" xmlns:a14="http://schemas.microsoft.com/office/drawing/2010/main" showMasterSp="1" showMasterPhAnim="1">
+  <p:cSld>
+    <p:spTree>
+      <p:nvGrpSpPr>
+        <p:cNvPr id="1" name=""/>
+        <p:cNvGrpSpPr/>
+        <p:nvPr/>
+      </p:nvGrpSpPr>
+      <p:grpSpPr>
+        <a:xfrm>
+          <a:off x="0" y="0"/>
+          <a:ext cx="0" cy="0"/>
+          <a:chOff x="0" y="0"/>
+          <a:chExt cx="0" cy="0"/>
+        </a:xfrm>
+      </p:grpSpPr>
+      <p:sp>
+        <p:nvSpPr>
+          <p:cNvPr id="269" name="Exceptions - V6"/>
+          <p:cNvSpPr txBox="1"/>
+          <p:nvPr>
+            <p:ph type="title"/>
+          </p:nvPr>
+        </p:nvSpPr>
+        <p:spPr>
+          <a:prstGeom prst="rect">
+            <a:avLst/>
+          </a:prstGeom>
+        </p:spPr>
+        <p:txBody>
+          <a:bodyPr/>
+          <a:lstStyle/>
+          <a:p>
+            <a:pPr/>
+            <a:r>
+              <a:t>Exceptions - </a:t>
+            </a:r>
+            <a:r>
+              <a:rPr>
+                <a:latin typeface="Arial"/>
+                <a:ea typeface="Arial"/>
+                <a:cs typeface="Arial"/>
+                <a:sym typeface="Arial"/>
+              </a:rPr>
+              <a:t>V6</a:t>
+            </a:r>
+          </a:p>
+        </p:txBody>
+      </p:sp>
+      <p:sp>
+        <p:nvSpPr>
+          <p:cNvPr id="270" name="Dans notre application nous avons créé un package exception dans chaque « couche ».…"/>
+          <p:cNvSpPr txBox="1"/>
+          <p:nvPr/>
+        </p:nvSpPr>
+        <p:spPr>
+          <a:xfrm>
+            <a:off x="1191579" y="2812547"/>
+            <a:ext cx="4774217" cy="4978401"/>
+          </a:xfrm>
+          <a:prstGeom prst="rect">
+            <a:avLst/>
+          </a:prstGeom>
+          <a:ln w="12700">
+            <a:miter lim="400000"/>
+          </a:ln>
+          <a:extLst>
+            <a:ext uri="{C572A759-6A51-4108-AA02-DFA0A04FC94B}">
+              <ma14:wrappingTextBoxFlag xmlns:ma14="http://schemas.microsoft.com/office/mac/drawingml/2011/main" val="1"/>
+            </a:ext>
+          </a:extLst>
+        </p:spPr>
+        <p:txBody>
+          <a:bodyPr lIns="50800" tIns="50800" rIns="50800" bIns="50800" anchor="ctr">
+            <a:spAutoFit/>
+          </a:bodyPr>
+          <a:lstStyle/>
+          <a:p>
+            <a:pPr algn="l">
+              <a:defRPr sz="2800"/>
+            </a:pPr>
+            <a:r>
+              <a:t>Dans notre application nous avons créé un package exception dans chaque « couche ». </a:t>
+            </a:r>
+          </a:p>
+          <a:p>
+            <a:pPr algn="l">
+              <a:defRPr sz="2800"/>
+            </a:pPr>
+          </a:p>
+          <a:p>
+            <a:pPr algn="l">
+              <a:defRPr sz="2800"/>
+            </a:pPr>
+            <a:r>
+              <a:t>Ils contiennent une ou plusieurs classes java représentant chacune une exception.</a:t>
+            </a:r>
+          </a:p>
+          <a:p>
+            <a:pPr algn="l">
+              <a:defRPr sz="2800"/>
+            </a:pPr>
+          </a:p>
+          <a:p>
+            <a:pPr algn="l">
+              <a:defRPr sz="2800"/>
+            </a:pPr>
+            <a:r>
+              <a:t>Cela permet d’avoir un message d’erreur personnalisé en fonction de la couche dans laquelle l’erreur se produit.</a:t>
+            </a:r>
+          </a:p>
+        </p:txBody>
+      </p:sp>
+      <p:pic>
+        <p:nvPicPr>
+          <p:cNvPr id="271" name="Image" descr="Image"/>
+          <p:cNvPicPr>
+            <a:picLocks noChangeAspect="1"/>
+          </p:cNvPicPr>
+          <p:nvPr/>
+        </p:nvPicPr>
+        <p:blipFill>
+          <a:blip r:embed="rId2">
+            <a:extLst/>
+          </a:blip>
+          <a:stretch>
+            <a:fillRect/>
+          </a:stretch>
+        </p:blipFill>
+        <p:spPr>
+          <a:xfrm>
+            <a:off x="6223000" y="2829983"/>
+            <a:ext cx="5592886" cy="2776750"/>
+          </a:xfrm>
+          <a:prstGeom prst="rect">
+            <a:avLst/>
+          </a:prstGeom>
+          <a:ln w="12700">
+            <a:miter lim="400000"/>
+          </a:ln>
+        </p:spPr>
+      </p:pic>
+    </p:spTree>
+  </p:cSld>
+  <p:clrMapOvr>
+    <a:masterClrMapping/>
+  </p:clrMapOvr>
+  <p:transition xmlns:p14="http://schemas.microsoft.com/office/powerpoint/2010/main" spd="med" advClick="1"/>
+</p:sld>
+</file>
+
+<file path=ppt/slides/slide2.xml><?xml version="1.0" encoding="utf-8"?>
+<p:sld xmlns:a="http://schemas.openxmlformats.org/drawingml/2006/main" xmlns:r="http://schemas.openxmlformats.org/officeDocument/2006/relationships" xmlns:p="http://schemas.openxmlformats.org/presentationml/2006/main" xmlns:m="http://schemas.openxmlformats.org/officeDocument/2006/math" xmlns:a14="http://schemas.microsoft.com/office/drawing/2010/main" showMasterSp="1" showMasterPhAnim="1">
+  <p:cSld>
+    <p:spTree>
+      <p:nvGrpSpPr>
+        <p:cNvPr id="1" name=""/>
+        <p:cNvGrpSpPr/>
+        <p:nvPr/>
+      </p:nvGrpSpPr>
+      <p:grpSpPr>
+        <a:xfrm>
+          <a:off x="0" y="0"/>
+          <a:ext cx="0" cy="0"/>
+          <a:chOff x="0" y="0"/>
+          <a:chExt cx="0" cy="0"/>
+        </a:xfrm>
+      </p:grpSpPr>
+      <p:sp>
+        <p:nvSpPr>
+          <p:cNvPr id="126" name="PRÉSENTATION"/>
+          <p:cNvSpPr txBox="1"/>
+          <p:nvPr>
+            <p:ph type="title"/>
+          </p:nvPr>
+        </p:nvSpPr>
+        <p:spPr>
+          <a:prstGeom prst="rect">
+            <a:avLst/>
+          </a:prstGeom>
+        </p:spPr>
+        <p:txBody>
+          <a:bodyPr/>
+          <a:lstStyle/>
+          <a:p>
+            <a:pPr/>
+            <a:r>
+              <a:t>PRÉSENTATION</a:t>
+            </a:r>
+          </a:p>
+        </p:txBody>
+      </p:sp>
+      <p:pic>
+        <p:nvPicPr>
+          <p:cNvPr id="127" name="Image" descr="Image"/>
+          <p:cNvPicPr>
+            <a:picLocks noChangeAspect="1"/>
+          </p:cNvPicPr>
+          <p:nvPr/>
+        </p:nvPicPr>
+        <p:blipFill>
+          <a:blip r:embed="rId2">
+            <a:extLst/>
+          </a:blip>
+          <a:stretch>
+            <a:fillRect/>
+          </a:stretch>
+        </p:blipFill>
+        <p:spPr>
+          <a:xfrm>
+            <a:off x="6597650" y="3117850"/>
+            <a:ext cx="5829301" cy="3517901"/>
+          </a:xfrm>
+          <a:prstGeom prst="rect">
+            <a:avLst/>
+          </a:prstGeom>
+          <a:ln w="12700">
+            <a:miter lim="400000"/>
+          </a:ln>
+        </p:spPr>
+      </p:pic>
+      <p:sp>
+        <p:nvSpPr>
+          <p:cNvPr id="128" name="Cette application simple permet la saisie de nouvelles formations par l’utilisateur. Les données sont injectées dans en base et apparaissent dans la partie inférieure de la fenêtre."/>
+          <p:cNvSpPr txBox="1"/>
+          <p:nvPr/>
+        </p:nvSpPr>
+        <p:spPr>
+          <a:xfrm>
+            <a:off x="846666" y="3003549"/>
+            <a:ext cx="5580990" cy="3746501"/>
+          </a:xfrm>
+          <a:prstGeom prst="rect">
+            <a:avLst/>
+          </a:prstGeom>
+          <a:ln w="12700">
+            <a:miter lim="400000"/>
+          </a:ln>
+          <a:extLst>
+            <a:ext uri="{C572A759-6A51-4108-AA02-DFA0A04FC94B}">
+              <ma14:wrappingTextBoxFlag xmlns:ma14="http://schemas.microsoft.com/office/mac/drawingml/2011/main" val="1"/>
+            </a:ext>
+          </a:extLst>
+        </p:spPr>
+        <p:txBody>
+          <a:bodyPr lIns="50800" tIns="50800" rIns="50800" bIns="50800" anchor="ctr">
+            <a:spAutoFit/>
+          </a:bodyPr>
+          <a:lstStyle>
+            <a:lvl1pPr algn="l"/>
+          </a:lstStyle>
+          <a:p>
+            <a:pPr/>
+            <a:r>
+              <a:t>Cette application simple permet la saisie de nouvelles formations par l’utilisateur. Les données sont injectées dans en base et apparaissent dans la partie inférieure de la fenêtre.</a:t>
+            </a:r>
           </a:p>
         </p:txBody>
       </p:sp>
@@ -6718,7 +7545,7 @@
       </p:grpSpPr>
       <p:sp>
         <p:nvSpPr>
-          <p:cNvPr id="132" name="Architecture actuelle"/>
+          <p:cNvPr id="130" name="ARCHITECTURE ACTUELLE"/>
           <p:cNvSpPr txBox="1"/>
           <p:nvPr>
             <p:ph type="title"/>
@@ -6735,129 +7562,21 @@
           <a:p>
             <a:pPr/>
             <a:r>
-              <a:t>Architecture actuelle</a:t>
-            </a:r>
-          </a:p>
-        </p:txBody>
-      </p:sp>
-      <p:pic>
-        <p:nvPicPr>
-          <p:cNvPr id="133" name="Capture d’écran 2019-02-13 à 10.10.08.png" descr="Capture d’écran 2019-02-13 à 10.10.08.png"/>
-          <p:cNvPicPr>
-            <a:picLocks noChangeAspect="1"/>
-          </p:cNvPicPr>
-          <p:nvPr/>
-        </p:nvPicPr>
-        <p:blipFill>
-          <a:blip r:embed="rId2">
-            <a:extLst/>
-          </a:blip>
-          <a:stretch>
-            <a:fillRect/>
-          </a:stretch>
-        </p:blipFill>
+              <a:t>ARCHITECTURE ACTUELLE</a:t>
+            </a:r>
+          </a:p>
+        </p:txBody>
+      </p:sp>
+      <p:sp>
+        <p:nvSpPr>
+          <p:cNvPr id="131" name="« DAO »"/>
+          <p:cNvSpPr/>
+          <p:nvPr/>
+        </p:nvSpPr>
         <p:spPr>
           <a:xfrm>
-            <a:off x="1117599" y="2743200"/>
-            <a:ext cx="4368801" cy="6273801"/>
-          </a:xfrm>
-          <a:prstGeom prst="rect">
-            <a:avLst/>
-          </a:prstGeom>
-          <a:ln w="12700">
-            <a:miter lim="400000"/>
-          </a:ln>
-        </p:spPr>
-      </p:pic>
-      <p:pic>
-        <p:nvPicPr>
-          <p:cNvPr id="134" name="Capture d’écran 2019-02-13 à 10.10.36.png" descr="Capture d’écran 2019-02-13 à 10.10.36.png"/>
-          <p:cNvPicPr>
-            <a:picLocks noChangeAspect="1"/>
-          </p:cNvPicPr>
-          <p:nvPr/>
-        </p:nvPicPr>
-        <p:blipFill>
-          <a:blip r:embed="rId3">
-            <a:extLst/>
-          </a:blip>
-          <a:stretch>
-            <a:fillRect/>
-          </a:stretch>
-        </p:blipFill>
-        <p:spPr>
-          <a:xfrm>
-            <a:off x="7327899" y="3282950"/>
-            <a:ext cx="4368801" cy="5194301"/>
-          </a:xfrm>
-          <a:prstGeom prst="rect">
-            <a:avLst/>
-          </a:prstGeom>
-          <a:ln w="12700">
-            <a:miter lim="400000"/>
-          </a:ln>
-        </p:spPr>
-      </p:pic>
-    </p:spTree>
-  </p:cSld>
-  <p:clrMapOvr>
-    <a:masterClrMapping/>
-  </p:clrMapOvr>
-  <p:transition xmlns:p14="http://schemas.microsoft.com/office/powerpoint/2010/main" spd="med" advClick="1"/>
-</p:sld>
-</file>
-
-<file path=ppt/slides/slide4.xml><?xml version="1.0" encoding="utf-8"?>
-<p:sld xmlns:a="http://schemas.openxmlformats.org/drawingml/2006/main" xmlns:r="http://schemas.openxmlformats.org/officeDocument/2006/relationships" xmlns:p="http://schemas.openxmlformats.org/presentationml/2006/main" xmlns:m="http://schemas.openxmlformats.org/officeDocument/2006/math" xmlns:a14="http://schemas.microsoft.com/office/drawing/2010/main" showMasterSp="1" showMasterPhAnim="1">
-  <p:cSld>
-    <p:spTree>
-      <p:nvGrpSpPr>
-        <p:cNvPr id="1" name=""/>
-        <p:cNvGrpSpPr/>
-        <p:nvPr/>
-      </p:nvGrpSpPr>
-      <p:grpSpPr>
-        <a:xfrm>
-          <a:off x="0" y="0"/>
-          <a:ext cx="0" cy="0"/>
-          <a:chOff x="0" y="0"/>
-          <a:chExt cx="0" cy="0"/>
-        </a:xfrm>
-      </p:grpSpPr>
-      <p:sp>
-        <p:nvSpPr>
-          <p:cNvPr id="136" name="Architecture cible"/>
-          <p:cNvSpPr txBox="1"/>
-          <p:nvPr>
-            <p:ph type="title"/>
-          </p:nvPr>
-        </p:nvSpPr>
-        <p:spPr>
-          <a:prstGeom prst="rect">
-            <a:avLst/>
-          </a:prstGeom>
-        </p:spPr>
-        <p:txBody>
-          <a:bodyPr/>
-          <a:lstStyle/>
-          <a:p>
-            <a:pPr/>
-            <a:r>
-              <a:t>Architecture cible</a:t>
-            </a:r>
-          </a:p>
-        </p:txBody>
-      </p:sp>
-      <p:sp>
-        <p:nvSpPr>
-          <p:cNvPr id="137" name="Présentation…"/>
-          <p:cNvSpPr/>
-          <p:nvPr/>
-        </p:nvSpPr>
-        <p:spPr>
-          <a:xfrm>
-            <a:off x="1409935" y="4315725"/>
-            <a:ext cx="2565302" cy="3537695"/>
+            <a:off x="5734360" y="3107952"/>
+            <a:ext cx="4178202" cy="3537696"/>
           </a:xfrm>
           <a:prstGeom prst="rect">
             <a:avLst/>
@@ -6876,153 +7595,33 @@
         </p:spPr>
         <p:txBody>
           <a:bodyPr lIns="50800" tIns="50800" rIns="50800" bIns="50800" anchor="ctr"/>
-          <a:lstStyle/>
-          <a:p>
-            <a:pPr>
+          <a:lstStyle>
+            <a:lvl1pPr>
               <a:defRPr>
                 <a:solidFill>
                   <a:srgbClr val="FFFFFF"/>
                 </a:solidFill>
               </a:defRPr>
-            </a:pPr>
-            <a:r>
-              <a:t>Présentation</a:t>
-            </a:r>
-          </a:p>
-          <a:p>
-            <a:pPr>
-              <a:defRPr sz="2200">
-                <a:solidFill>
-                  <a:srgbClr val="FFFFFF"/>
-                </a:solidFill>
-              </a:defRPr>
-            </a:pPr>
-            <a:r>
-              <a:t>Interface utilisateur</a:t>
-            </a:r>
-          </a:p>
-        </p:txBody>
-      </p:sp>
-      <p:sp>
-        <p:nvSpPr>
-          <p:cNvPr id="138" name="Service…"/>
+            </a:lvl1pPr>
+          </a:lstStyle>
+          <a:p>
+            <a:pPr/>
+            <a:r>
+              <a:t>« DAO »</a:t>
+            </a:r>
+          </a:p>
+        </p:txBody>
+      </p:sp>
+      <p:sp>
+        <p:nvSpPr>
+          <p:cNvPr id="132" name="BD"/>
           <p:cNvSpPr/>
           <p:nvPr/>
         </p:nvSpPr>
         <p:spPr>
           <a:xfrm>
-            <a:off x="4292885" y="4315725"/>
-            <a:ext cx="2565302" cy="3537695"/>
-          </a:xfrm>
-          <a:prstGeom prst="rect">
-            <a:avLst/>
-          </a:prstGeom>
-          <a:solidFill>
-            <a:schemeClr val="accent3"/>
-          </a:solidFill>
-          <a:ln w="12700">
-            <a:miter lim="400000"/>
-          </a:ln>
-          <a:extLst>
-            <a:ext uri="{C572A759-6A51-4108-AA02-DFA0A04FC94B}">
-              <ma14:wrappingTextBoxFlag xmlns:ma14="http://schemas.microsoft.com/office/mac/drawingml/2011/main" val="1"/>
-            </a:ext>
-          </a:extLst>
-        </p:spPr>
-        <p:txBody>
-          <a:bodyPr lIns="50800" tIns="50800" rIns="50800" bIns="50800" anchor="ctr"/>
-          <a:lstStyle/>
-          <a:p>
-            <a:pPr>
-              <a:defRPr>
-                <a:solidFill>
-                  <a:srgbClr val="FFFFFF"/>
-                </a:solidFill>
-              </a:defRPr>
-            </a:pPr>
-            <a:r>
-              <a:t>Service</a:t>
-            </a:r>
-          </a:p>
-          <a:p>
-            <a:pPr>
-              <a:defRPr sz="2200">
-                <a:solidFill>
-                  <a:srgbClr val="FFFFFF"/>
-                </a:solidFill>
-              </a:defRPr>
-            </a:pPr>
-            <a:r>
-              <a:t>Traitement métier</a:t>
-            </a:r>
-          </a:p>
-        </p:txBody>
-      </p:sp>
-      <p:sp>
-        <p:nvSpPr>
-          <p:cNvPr id="139" name="DAO…"/>
-          <p:cNvSpPr/>
-          <p:nvPr/>
-        </p:nvSpPr>
-        <p:spPr>
-          <a:xfrm>
-            <a:off x="7175835" y="4315725"/>
-            <a:ext cx="2565301" cy="3537695"/>
-          </a:xfrm>
-          <a:prstGeom prst="rect">
-            <a:avLst/>
-          </a:prstGeom>
-          <a:solidFill>
-            <a:schemeClr val="accent3"/>
-          </a:solidFill>
-          <a:ln w="12700">
-            <a:miter lim="400000"/>
-          </a:ln>
-          <a:extLst>
-            <a:ext uri="{C572A759-6A51-4108-AA02-DFA0A04FC94B}">
-              <ma14:wrappingTextBoxFlag xmlns:ma14="http://schemas.microsoft.com/office/mac/drawingml/2011/main" val="1"/>
-            </a:ext>
-          </a:extLst>
-        </p:spPr>
-        <p:txBody>
-          <a:bodyPr lIns="50800" tIns="50800" rIns="50800" bIns="50800" anchor="ctr"/>
-          <a:lstStyle/>
-          <a:p>
-            <a:pPr>
-              <a:defRPr>
-                <a:solidFill>
-                  <a:srgbClr val="FFFFFF"/>
-                </a:solidFill>
-              </a:defRPr>
-            </a:pPr>
-            <a:r>
-              <a:t>DAO</a:t>
-            </a:r>
-          </a:p>
-          <a:p>
-            <a:pPr>
-              <a:defRPr sz="2200">
-                <a:solidFill>
-                  <a:srgbClr val="FFFFFF"/>
-                </a:solidFill>
-              </a:defRPr>
-            </a:pPr>
-            <a:r>
-              <a:t>Accès aux données</a:t>
-            </a:r>
-          </a:p>
-        </p:txBody>
-      </p:sp>
-      <p:sp>
-        <p:nvSpPr>
-          <p:cNvPr id="140" name="BD"/>
-          <p:cNvSpPr/>
-          <p:nvPr/>
-        </p:nvSpPr>
-        <p:spPr>
-          <a:xfrm>
-            <a:off x="10058784" y="4940107"/>
-            <a:ext cx="1536081" cy="2027837"/>
+            <a:off x="10230209" y="3732335"/>
+            <a:ext cx="1536081" cy="2027836"/>
           </a:xfrm>
           <a:custGeom>
             <a:avLst/>
@@ -7140,23 +7739,80 @@
       </p:sp>
       <p:sp>
         <p:nvSpPr>
-          <p:cNvPr id="141" name="Domaine métier"/>
+          <p:cNvPr id="133" name="Ligne"/>
           <p:cNvSpPr/>
           <p:nvPr/>
         </p:nvSpPr>
         <p:spPr>
           <a:xfrm>
-            <a:off x="1422635" y="2745853"/>
-            <a:ext cx="8305801" cy="1270001"/>
+            <a:off x="9893219" y="4321271"/>
+            <a:ext cx="364813" cy="1"/>
+          </a:xfrm>
+          <a:prstGeom prst="line">
+            <a:avLst/>
+          </a:prstGeom>
+          <a:ln w="25400">
+            <a:solidFill>
+              <a:srgbClr val="5A5F5E"/>
+            </a:solidFill>
+            <a:miter lim="400000"/>
+            <a:tailEnd type="triangle"/>
+          </a:ln>
+        </p:spPr>
+        <p:txBody>
+          <a:bodyPr lIns="50800" tIns="50800" rIns="50800" bIns="50800" anchor="ctr"/>
+          <a:lstStyle/>
+          <a:p>
+            <a:pPr/>
+          </a:p>
+        </p:txBody>
+      </p:sp>
+      <p:sp>
+        <p:nvSpPr>
+          <p:cNvPr id="134" name="Ligne"/>
+          <p:cNvSpPr/>
+          <p:nvPr/>
+        </p:nvSpPr>
+        <p:spPr>
+          <a:xfrm flipH="1">
+            <a:off x="9893219" y="5396982"/>
+            <a:ext cx="364813" cy="1"/>
+          </a:xfrm>
+          <a:prstGeom prst="line">
+            <a:avLst/>
+          </a:prstGeom>
+          <a:ln w="25400">
+            <a:solidFill>
+              <a:srgbClr val="5A5F5E"/>
+            </a:solidFill>
+            <a:miter lim="400000"/>
+            <a:tailEnd type="triangle"/>
+          </a:ln>
+        </p:spPr>
+        <p:txBody>
+          <a:bodyPr lIns="50800" tIns="50800" rIns="50800" bIns="50800" anchor="ctr"/>
+          <a:lstStyle/>
+          <a:p>
+            <a:pPr/>
+          </a:p>
+        </p:txBody>
+      </p:sp>
+      <p:sp>
+        <p:nvSpPr>
+          <p:cNvPr id="135" name="« PRESENTATION »"/>
+          <p:cNvSpPr/>
+          <p:nvPr/>
+        </p:nvSpPr>
+        <p:spPr>
+          <a:xfrm>
+            <a:off x="1238510" y="3107952"/>
+            <a:ext cx="4178202" cy="3537696"/>
           </a:xfrm>
           <a:prstGeom prst="rect">
             <a:avLst/>
           </a:prstGeom>
           <a:solidFill>
-            <a:schemeClr val="accent6">
-              <a:satOff val="1848"/>
-              <a:lumOff val="-15262"/>
-            </a:schemeClr>
+            <a:schemeClr val="accent3"/>
           </a:solidFill>
           <a:ln w="12700">
             <a:miter lim="400000"/>
@@ -7181,20 +7837,20 @@
           <a:p>
             <a:pPr/>
             <a:r>
-              <a:t>Domaine métier</a:t>
-            </a:r>
-          </a:p>
-        </p:txBody>
-      </p:sp>
-      <p:sp>
-        <p:nvSpPr>
-          <p:cNvPr id="142" name="Ligne"/>
+              <a:t>« PRESENTATION »</a:t>
+            </a:r>
+          </a:p>
+        </p:txBody>
+      </p:sp>
+      <p:sp>
+        <p:nvSpPr>
+          <p:cNvPr id="136" name="Ligne"/>
           <p:cNvSpPr/>
           <p:nvPr/>
         </p:nvSpPr>
         <p:spPr>
           <a:xfrm>
-            <a:off x="3947414" y="5529043"/>
+            <a:off x="5397419" y="4338944"/>
             <a:ext cx="364814" cy="1"/>
           </a:xfrm>
           <a:prstGeom prst="line">
@@ -7218,14 +7874,14 @@
       </p:sp>
       <p:sp>
         <p:nvSpPr>
-          <p:cNvPr id="143" name="Ligne"/>
+          <p:cNvPr id="137" name="Ligne"/>
           <p:cNvSpPr/>
           <p:nvPr/>
         </p:nvSpPr>
         <p:spPr>
-          <a:xfrm>
-            <a:off x="6834604" y="5529043"/>
-            <a:ext cx="364813" cy="1"/>
+          <a:xfrm flipH="1">
+            <a:off x="5397419" y="5414655"/>
+            <a:ext cx="364814" cy="1"/>
           </a:xfrm>
           <a:prstGeom prst="line">
             <a:avLst/>
@@ -7248,238 +7904,163 @@
       </p:sp>
       <p:sp>
         <p:nvSpPr>
-          <p:cNvPr id="144" name="Ligne"/>
-          <p:cNvSpPr/>
+          <p:cNvPr id="138" name="Toutes les classes se situent dans la couche DAO, même des classes de test.…"/>
+          <p:cNvSpPr txBox="1"/>
           <p:nvPr/>
         </p:nvSpPr>
         <p:spPr>
           <a:xfrm>
-            <a:off x="9721794" y="5529043"/>
-            <a:ext cx="364813" cy="1"/>
-          </a:xfrm>
-          <a:prstGeom prst="line">
-            <a:avLst/>
-          </a:prstGeom>
-          <a:ln w="25400">
-            <a:solidFill>
-              <a:srgbClr val="5A5F5E"/>
-            </a:solidFill>
-            <a:miter lim="400000"/>
-            <a:tailEnd type="triangle"/>
-          </a:ln>
-        </p:spPr>
-        <p:txBody>
-          <a:bodyPr lIns="50800" tIns="50800" rIns="50800" bIns="50800" anchor="ctr"/>
-          <a:lstStyle/>
-          <a:p>
-            <a:pPr/>
-          </a:p>
-        </p:txBody>
-      </p:sp>
-      <p:sp>
-        <p:nvSpPr>
-          <p:cNvPr id="145" name="Ligne"/>
-          <p:cNvSpPr/>
-          <p:nvPr/>
-        </p:nvSpPr>
-        <p:spPr>
-          <a:xfrm flipH="1">
-            <a:off x="3951654" y="6604754"/>
-            <a:ext cx="364814" cy="1"/>
-          </a:xfrm>
-          <a:prstGeom prst="line">
-            <a:avLst/>
-          </a:prstGeom>
-          <a:ln w="25400">
-            <a:solidFill>
-              <a:srgbClr val="5A5F5E"/>
-            </a:solidFill>
-            <a:miter lim="400000"/>
-            <a:tailEnd type="triangle"/>
-          </a:ln>
-        </p:spPr>
-        <p:txBody>
-          <a:bodyPr lIns="50800" tIns="50800" rIns="50800" bIns="50800" anchor="ctr"/>
-          <a:lstStyle/>
-          <a:p>
-            <a:pPr/>
-          </a:p>
-        </p:txBody>
-      </p:sp>
-      <p:sp>
-        <p:nvSpPr>
-          <p:cNvPr id="146" name="Ligne"/>
-          <p:cNvSpPr/>
-          <p:nvPr/>
-        </p:nvSpPr>
-        <p:spPr>
-          <a:xfrm flipH="1">
-            <a:off x="6834604" y="6604754"/>
-            <a:ext cx="364813" cy="1"/>
-          </a:xfrm>
-          <a:prstGeom prst="line">
-            <a:avLst/>
-          </a:prstGeom>
-          <a:ln w="25400">
-            <a:solidFill>
-              <a:srgbClr val="5A5F5E"/>
-            </a:solidFill>
-            <a:miter lim="400000"/>
-            <a:tailEnd type="triangle"/>
-          </a:ln>
-        </p:spPr>
-        <p:txBody>
-          <a:bodyPr lIns="50800" tIns="50800" rIns="50800" bIns="50800" anchor="ctr"/>
-          <a:lstStyle/>
-          <a:p>
-            <a:pPr/>
-          </a:p>
-        </p:txBody>
-      </p:sp>
-      <p:sp>
-        <p:nvSpPr>
-          <p:cNvPr id="147" name="Ligne"/>
-          <p:cNvSpPr/>
-          <p:nvPr/>
-        </p:nvSpPr>
-        <p:spPr>
-          <a:xfrm flipH="1">
-            <a:off x="9721794" y="6604754"/>
-            <a:ext cx="364813" cy="1"/>
-          </a:xfrm>
-          <a:prstGeom prst="line">
-            <a:avLst/>
-          </a:prstGeom>
-          <a:ln w="25400">
-            <a:solidFill>
-              <a:srgbClr val="5A5F5E"/>
-            </a:solidFill>
-            <a:miter lim="400000"/>
-            <a:tailEnd type="triangle"/>
-          </a:ln>
-        </p:spPr>
-        <p:txBody>
-          <a:bodyPr lIns="50800" tIns="50800" rIns="50800" bIns="50800" anchor="ctr"/>
-          <a:lstStyle/>
-          <a:p>
-            <a:pPr/>
-          </a:p>
-        </p:txBody>
-      </p:sp>
-      <p:sp>
-        <p:nvSpPr>
-          <p:cNvPr id="148" name="Flèche double"/>
-          <p:cNvSpPr/>
-          <p:nvPr/>
-        </p:nvSpPr>
-        <p:spPr>
-          <a:xfrm rot="5400000">
-            <a:off x="5381415" y="4053451"/>
-            <a:ext cx="388242" cy="229084"/>
-          </a:xfrm>
-          <a:prstGeom prst="leftRightArrow">
-            <a:avLst>
-              <a:gd name="adj1" fmla="val 15937"/>
-              <a:gd name="adj2" fmla="val 49133"/>
-            </a:avLst>
-          </a:prstGeom>
-          <a:solidFill>
-            <a:srgbClr val="000000"/>
-          </a:solidFill>
+            <a:off x="1077478" y="7332133"/>
+            <a:ext cx="10849844" cy="1727201"/>
+          </a:xfrm>
+          <a:prstGeom prst="rect">
+            <a:avLst/>
+          </a:prstGeom>
           <a:ln w="12700">
             <a:miter lim="400000"/>
           </a:ln>
-        </p:spPr>
-        <p:txBody>
-          <a:bodyPr lIns="50800" tIns="50800" rIns="50800" bIns="50800" anchor="ctr"/>
-          <a:lstStyle/>
-          <a:p>
-            <a:pPr>
-              <a:defRPr>
-                <a:solidFill>
-                  <a:srgbClr val="FFFFFF"/>
-                </a:solidFill>
-              </a:defRPr>
+          <a:extLst>
+            <a:ext uri="{C572A759-6A51-4108-AA02-DFA0A04FC94B}">
+              <ma14:wrappingTextBoxFlag xmlns:ma14="http://schemas.microsoft.com/office/mac/drawingml/2011/main" val="1"/>
+            </a:ext>
+          </a:extLst>
+        </p:spPr>
+        <p:txBody>
+          <a:bodyPr wrap="none" lIns="50800" tIns="50800" rIns="50800" bIns="50800" anchor="ctr">
+            <a:spAutoFit/>
+          </a:bodyPr>
+          <a:lstStyle/>
+          <a:p>
+            <a:pPr algn="l">
+              <a:defRPr sz="2800"/>
             </a:pPr>
-          </a:p>
-        </p:txBody>
-      </p:sp>
-      <p:sp>
-        <p:nvSpPr>
-          <p:cNvPr id="149" name="Flèche double"/>
-          <p:cNvSpPr/>
-          <p:nvPr/>
-        </p:nvSpPr>
-        <p:spPr>
-          <a:xfrm rot="5400000">
-            <a:off x="8264364" y="4053451"/>
-            <a:ext cx="388243" cy="229084"/>
-          </a:xfrm>
-          <a:prstGeom prst="leftRightArrow">
-            <a:avLst>
-              <a:gd name="adj1" fmla="val 15937"/>
-              <a:gd name="adj2" fmla="val 49133"/>
-            </a:avLst>
-          </a:prstGeom>
-          <a:solidFill>
-            <a:srgbClr val="000000"/>
-          </a:solidFill>
+            <a:r>
+              <a:t>Toutes les classes se situent dans la couche DAO, même des classes de test. </a:t>
+            </a:r>
+          </a:p>
+          <a:p>
+            <a:pPr algn="l">
+              <a:defRPr sz="2800"/>
+            </a:pPr>
+            <a:r>
+              <a:t>Seule la page d’accueil de l’application (index.jsp) se situe dans Présentation. </a:t>
+            </a:r>
+          </a:p>
+          <a:p>
+            <a:pPr algn="l">
+              <a:defRPr sz="2800"/>
+            </a:pPr>
+          </a:p>
+        </p:txBody>
+      </p:sp>
+    </p:spTree>
+  </p:cSld>
+  <p:clrMapOvr>
+    <a:masterClrMapping/>
+  </p:clrMapOvr>
+  <p:transition xmlns:p14="http://schemas.microsoft.com/office/powerpoint/2010/main" spd="med" advClick="1"/>
+</p:sld>
+</file>
+
+<file path=ppt/slides/slide4.xml><?xml version="1.0" encoding="utf-8"?>
+<p:sld xmlns:a="http://schemas.openxmlformats.org/drawingml/2006/main" xmlns:r="http://schemas.openxmlformats.org/officeDocument/2006/relationships" xmlns:p="http://schemas.openxmlformats.org/presentationml/2006/main" xmlns:m="http://schemas.openxmlformats.org/officeDocument/2006/math" xmlns:a14="http://schemas.microsoft.com/office/drawing/2010/main" showMasterSp="1" showMasterPhAnim="1">
+  <p:cSld>
+    <p:spTree>
+      <p:nvGrpSpPr>
+        <p:cNvPr id="1" name=""/>
+        <p:cNvGrpSpPr/>
+        <p:nvPr/>
+      </p:nvGrpSpPr>
+      <p:grpSpPr>
+        <a:xfrm>
+          <a:off x="0" y="0"/>
+          <a:ext cx="0" cy="0"/>
+          <a:chOff x="0" y="0"/>
+          <a:chExt cx="0" cy="0"/>
+        </a:xfrm>
+      </p:grpSpPr>
+      <p:sp>
+        <p:nvSpPr>
+          <p:cNvPr id="140" name="Architecture actuelle"/>
+          <p:cNvSpPr txBox="1"/>
+          <p:nvPr>
+            <p:ph type="title"/>
+          </p:nvPr>
+        </p:nvSpPr>
+        <p:spPr>
+          <a:prstGeom prst="rect">
+            <a:avLst/>
+          </a:prstGeom>
+        </p:spPr>
+        <p:txBody>
+          <a:bodyPr/>
+          <a:lstStyle/>
+          <a:p>
+            <a:pPr/>
+            <a:r>
+              <a:t>Architecture actuelle</a:t>
+            </a:r>
+          </a:p>
+        </p:txBody>
+      </p:sp>
+      <p:pic>
+        <p:nvPicPr>
+          <p:cNvPr id="141" name="Capture d’écran 2019-02-13 à 10.10.08.png" descr="Capture d’écran 2019-02-13 à 10.10.08.png"/>
+          <p:cNvPicPr>
+            <a:picLocks noChangeAspect="1"/>
+          </p:cNvPicPr>
+          <p:nvPr/>
+        </p:nvPicPr>
+        <p:blipFill>
+          <a:blip r:embed="rId2">
+            <a:extLst/>
+          </a:blip>
+          <a:stretch>
+            <a:fillRect/>
+          </a:stretch>
+        </p:blipFill>
+        <p:spPr>
+          <a:xfrm>
+            <a:off x="1117599" y="2743200"/>
+            <a:ext cx="4368801" cy="6273801"/>
+          </a:xfrm>
+          <a:prstGeom prst="rect">
+            <a:avLst/>
+          </a:prstGeom>
           <a:ln w="12700">
             <a:miter lim="400000"/>
           </a:ln>
         </p:spPr>
-        <p:txBody>
-          <a:bodyPr lIns="50800" tIns="50800" rIns="50800" bIns="50800" anchor="ctr"/>
-          <a:lstStyle/>
-          <a:p>
-            <a:pPr>
-              <a:defRPr>
-                <a:solidFill>
-                  <a:srgbClr val="FFFFFF"/>
-                </a:solidFill>
-              </a:defRPr>
-            </a:pPr>
-          </a:p>
-        </p:txBody>
-      </p:sp>
-      <p:sp>
-        <p:nvSpPr>
-          <p:cNvPr id="150" name="Flèche double"/>
-          <p:cNvSpPr/>
-          <p:nvPr/>
-        </p:nvSpPr>
-        <p:spPr>
-          <a:xfrm rot="5400000">
-            <a:off x="2498465" y="4053451"/>
-            <a:ext cx="388242" cy="229084"/>
-          </a:xfrm>
-          <a:prstGeom prst="leftRightArrow">
-            <a:avLst>
-              <a:gd name="adj1" fmla="val 15937"/>
-              <a:gd name="adj2" fmla="val 49133"/>
-            </a:avLst>
-          </a:prstGeom>
-          <a:solidFill>
-            <a:srgbClr val="000000"/>
-          </a:solidFill>
+      </p:pic>
+      <p:pic>
+        <p:nvPicPr>
+          <p:cNvPr id="142" name="Capture d’écran 2019-02-13 à 10.10.36.png" descr="Capture d’écran 2019-02-13 à 10.10.36.png"/>
+          <p:cNvPicPr>
+            <a:picLocks noChangeAspect="1"/>
+          </p:cNvPicPr>
+          <p:nvPr/>
+        </p:nvPicPr>
+        <p:blipFill>
+          <a:blip r:embed="rId3">
+            <a:extLst/>
+          </a:blip>
+          <a:stretch>
+            <a:fillRect/>
+          </a:stretch>
+        </p:blipFill>
+        <p:spPr>
+          <a:xfrm>
+            <a:off x="7327899" y="3282950"/>
+            <a:ext cx="4368801" cy="5194301"/>
+          </a:xfrm>
+          <a:prstGeom prst="rect">
+            <a:avLst/>
+          </a:prstGeom>
           <a:ln w="12700">
             <a:miter lim="400000"/>
           </a:ln>
         </p:spPr>
-        <p:txBody>
-          <a:bodyPr lIns="50800" tIns="50800" rIns="50800" bIns="50800" anchor="ctr"/>
-          <a:lstStyle/>
-          <a:p>
-            <a:pPr>
-              <a:defRPr>
-                <a:solidFill>
-                  <a:srgbClr val="FFFFFF"/>
-                </a:solidFill>
-              </a:defRPr>
-            </a:pPr>
-          </a:p>
-        </p:txBody>
-      </p:sp>
+      </p:pic>
     </p:spTree>
   </p:cSld>
   <p:clrMapOvr>
@@ -7508,7 +8089,7 @@
       </p:grpSpPr>
       <p:sp>
         <p:nvSpPr>
-          <p:cNvPr id="152" name="Objectifs"/>
+          <p:cNvPr id="144" name="ARCHITECTURE ACTUELLE"/>
           <p:cNvSpPr txBox="1"/>
           <p:nvPr>
             <p:ph type="title"/>
@@ -7525,28 +8106,71 @@
           <a:p>
             <a:pPr/>
             <a:r>
-              <a:t>Objectifs</a:t>
-            </a:r>
-          </a:p>
-        </p:txBody>
-      </p:sp>
-      <p:sp>
-        <p:nvSpPr>
-          <p:cNvPr id="153" name="Présentation…"/>
-          <p:cNvSpPr/>
-          <p:nvPr/>
+              <a:t>ARCHITECTURE ACTUELLE</a:t>
+            </a:r>
+          </a:p>
+        </p:txBody>
+      </p:sp>
+      <p:sp>
+        <p:nvSpPr>
+          <p:cNvPr id="145" name="Avantage…"/>
+          <p:cNvSpPr txBox="1"/>
+          <p:nvPr>
+            <p:ph type="body" sz="half" idx="1"/>
+          </p:nvPr>
         </p:nvSpPr>
         <p:spPr>
           <a:xfrm>
-            <a:off x="5022767" y="2265684"/>
-            <a:ext cx="2959266" cy="2038765"/>
-          </a:xfrm>
-          <a:prstGeom prst="rect">
-            <a:avLst/>
-          </a:prstGeom>
-          <a:solidFill>
-            <a:schemeClr val="accent3"/>
-          </a:solidFill>
+            <a:off x="1906785" y="2730500"/>
+            <a:ext cx="4341615" cy="6299200"/>
+          </a:xfrm>
+          <a:prstGeom prst="rect">
+            <a:avLst/>
+          </a:prstGeom>
+        </p:spPr>
+        <p:txBody>
+          <a:bodyPr anchor="t"/>
+          <a:lstStyle/>
+          <a:p>
+            <a:pPr marL="0" indent="0" algn="ctr">
+              <a:buSzTx/>
+              <a:buNone/>
+            </a:pPr>
+            <a:r>
+              <a:t>Avantage </a:t>
+            </a:r>
+          </a:p>
+          <a:p>
+            <a:pPr marL="0" indent="0" algn="ctr">
+              <a:buSzTx/>
+              <a:buNone/>
+              <a:defRPr i="1">
+                <a:latin typeface="Gill Sans"/>
+                <a:ea typeface="Gill Sans"/>
+                <a:cs typeface="Gill Sans"/>
+                <a:sym typeface="Gill Sans"/>
+              </a:defRPr>
+            </a:pPr>
+            <a:r>
+              <a:t>Fonctionnel</a:t>
+            </a:r>
+          </a:p>
+        </p:txBody>
+      </p:sp>
+      <p:sp>
+        <p:nvSpPr>
+          <p:cNvPr id="146" name="Inconvéniants…"/>
+          <p:cNvSpPr txBox="1"/>
+          <p:nvPr/>
+        </p:nvSpPr>
+        <p:spPr>
+          <a:xfrm>
+            <a:off x="6565900" y="2730499"/>
+            <a:ext cx="4341615" cy="6299201"/>
+          </a:xfrm>
+          <a:prstGeom prst="rect">
+            <a:avLst/>
+          </a:prstGeom>
           <a:ln w="12700">
             <a:miter lim="400000"/>
           </a:ln>
@@ -7557,108 +8181,126 @@
           </a:extLst>
         </p:spPr>
         <p:txBody>
-          <a:bodyPr lIns="50800" tIns="50800" rIns="50800" bIns="50800" anchor="ctr"/>
+          <a:bodyPr lIns="50800" tIns="50800" rIns="50800" bIns="50800">
+            <a:normAutofit fontScale="100000" lnSpcReduction="0"/>
+          </a:bodyPr>
           <a:lstStyle/>
           <a:p>
             <a:pPr>
-              <a:defRPr>
-                <a:solidFill>
-                  <a:srgbClr val="FFFFFF"/>
-                </a:solidFill>
+              <a:spcBef>
+                <a:spcPts val="3800"/>
+              </a:spcBef>
+              <a:defRPr sz="3800"/>
+            </a:pPr>
+            <a:r>
+              <a:t>Inconvéniants </a:t>
+            </a:r>
+          </a:p>
+          <a:p>
+            <a:pPr>
+              <a:spcBef>
+                <a:spcPts val="3800"/>
+              </a:spcBef>
+              <a:defRPr i="1" sz="3800">
+                <a:latin typeface="Gill Sans"/>
+                <a:ea typeface="Gill Sans"/>
+                <a:cs typeface="Gill Sans"/>
+                <a:sym typeface="Gill Sans"/>
               </a:defRPr>
             </a:pPr>
             <a:r>
-              <a:t>Présentation</a:t>
+              <a:t>Évolutivité</a:t>
             </a:r>
           </a:p>
           <a:p>
             <a:pPr>
-              <a:defRPr sz="2200">
-                <a:solidFill>
-                  <a:srgbClr val="FFFFFF"/>
-                </a:solidFill>
+              <a:spcBef>
+                <a:spcPts val="3800"/>
+              </a:spcBef>
+              <a:defRPr i="1" sz="3800">
+                <a:latin typeface="Gill Sans"/>
+                <a:ea typeface="Gill Sans"/>
+                <a:cs typeface="Gill Sans"/>
+                <a:sym typeface="Gill Sans"/>
               </a:defRPr>
             </a:pPr>
             <a:r>
-              <a:t>Interface utilisateur</a:t>
-            </a:r>
-          </a:p>
-        </p:txBody>
-      </p:sp>
-      <p:sp>
-        <p:nvSpPr>
-          <p:cNvPr id="154" name="Décoder les paramètres envoyés par le client…"/>
-          <p:cNvSpPr txBox="1"/>
+              <a:t>Maintenance</a:t>
+            </a:r>
+          </a:p>
+          <a:p>
+            <a:pPr>
+              <a:spcBef>
+                <a:spcPts val="3800"/>
+              </a:spcBef>
+              <a:defRPr i="1" sz="3800">
+                <a:latin typeface="Gill Sans"/>
+                <a:ea typeface="Gill Sans"/>
+                <a:cs typeface="Gill Sans"/>
+                <a:sym typeface="Gill Sans"/>
+              </a:defRPr>
+            </a:pPr>
+            <a:r>
+              <a:t>Sécurité</a:t>
+            </a:r>
+          </a:p>
+        </p:txBody>
+      </p:sp>
+      <p:sp>
+        <p:nvSpPr>
+          <p:cNvPr id="147" name="Ligne"/>
+          <p:cNvSpPr/>
+          <p:nvPr/>
+        </p:nvSpPr>
+        <p:spPr>
+          <a:xfrm flipV="1">
+            <a:off x="6498828" y="2843815"/>
+            <a:ext cx="1" cy="5811963"/>
+          </a:xfrm>
+          <a:prstGeom prst="line">
+            <a:avLst/>
+          </a:prstGeom>
+          <a:ln w="25400">
+            <a:solidFill>
+              <a:srgbClr val="5A5F5E"/>
+            </a:solidFill>
+            <a:miter lim="400000"/>
+          </a:ln>
+        </p:spPr>
+        <p:txBody>
+          <a:bodyPr lIns="50800" tIns="50800" rIns="50800" bIns="50800" anchor="ctr"/>
+          <a:lstStyle/>
+          <a:p>
+            <a:pPr/>
+          </a:p>
+        </p:txBody>
+      </p:sp>
+      <p:sp>
+        <p:nvSpPr>
+          <p:cNvPr id="148" name="Ligne"/>
+          <p:cNvSpPr/>
           <p:nvPr/>
         </p:nvSpPr>
         <p:spPr>
           <a:xfrm>
-            <a:off x="626533" y="4991100"/>
-            <a:ext cx="10118106" cy="1778001"/>
-          </a:xfrm>
-          <a:prstGeom prst="rect">
-            <a:avLst/>
-          </a:prstGeom>
-          <a:ln w="12700">
-            <a:miter lim="400000"/>
-          </a:ln>
-          <a:extLst>
-            <a:ext uri="{C572A759-6A51-4108-AA02-DFA0A04FC94B}">
-              <ma14:wrappingTextBoxFlag xmlns:ma14="http://schemas.microsoft.com/office/mac/drawingml/2011/main" val="1"/>
-            </a:ext>
-          </a:extLst>
-        </p:spPr>
-        <p:txBody>
-          <a:bodyPr wrap="none" lIns="50800" tIns="50800" rIns="50800" bIns="50800" anchor="ctr">
-            <a:spAutoFit/>
-          </a:bodyPr>
-          <a:lstStyle/>
-          <a:p>
-            <a:pPr marL="407504" indent="-407504" algn="l">
-              <a:buClr>
-                <a:srgbClr val="535353"/>
-              </a:buClr>
-              <a:buSzPct val="82000"/>
-              <a:buChar char="•"/>
-              <a:defRPr sz="2900"/>
-            </a:pPr>
-            <a:r>
-              <a:t>Décoder les paramètres envoyés par le client</a:t>
-            </a:r>
-          </a:p>
-          <a:p>
-            <a:pPr marL="407504" indent="-407504" algn="l">
-              <a:buClr>
-                <a:srgbClr val="535353"/>
-              </a:buClr>
-              <a:buSzPct val="82000"/>
-              <a:buChar char="•"/>
-              <a:defRPr sz="2900"/>
-            </a:pPr>
-            <a:r>
-              <a:t>Envoyer les réponses aux services pour travailler les informations</a:t>
-            </a:r>
-          </a:p>
-          <a:p>
-            <a:pPr marL="407504" indent="-407504" algn="l">
-              <a:buClr>
-                <a:srgbClr val="535353"/>
-              </a:buClr>
-              <a:buSzPct val="82000"/>
-              <a:buChar char="•"/>
-              <a:defRPr sz="2900"/>
-            </a:pPr>
-            <a:r>
-              <a:t>Encoder les réponses des services pour qu’elles puissent être lues</a:t>
-            </a:r>
-          </a:p>
-          <a:p>
-            <a:pPr algn="l">
-              <a:defRPr sz="2900"/>
-            </a:pPr>
-            <a:r>
-              <a:t>    ou affichées par le client.</a:t>
-            </a:r>
+            <a:off x="1190319" y="3592710"/>
+            <a:ext cx="10624162" cy="1"/>
+          </a:xfrm>
+          <a:prstGeom prst="line">
+            <a:avLst/>
+          </a:prstGeom>
+          <a:ln w="25400">
+            <a:solidFill>
+              <a:srgbClr val="5A5F5E"/>
+            </a:solidFill>
+            <a:miter lim="400000"/>
+          </a:ln>
+        </p:spPr>
+        <p:txBody>
+          <a:bodyPr lIns="50800" tIns="50800" rIns="50800" bIns="50800" anchor="ctr"/>
+          <a:lstStyle/>
+          <a:p>
+            <a:pPr/>
           </a:p>
         </p:txBody>
       </p:sp>
@@ -7690,7 +8332,7 @@
       </p:grpSpPr>
       <p:sp>
         <p:nvSpPr>
-          <p:cNvPr id="156" name="Objectifs"/>
+          <p:cNvPr id="150" name="Architecture cible"/>
           <p:cNvSpPr txBox="1"/>
           <p:nvPr>
             <p:ph type="title"/>
@@ -7707,21 +8349,21 @@
           <a:p>
             <a:pPr/>
             <a:r>
-              <a:t>Objectifs</a:t>
-            </a:r>
-          </a:p>
-        </p:txBody>
-      </p:sp>
-      <p:sp>
-        <p:nvSpPr>
-          <p:cNvPr id="157" name="Service…"/>
+              <a:t>Architecture cible</a:t>
+            </a:r>
+          </a:p>
+        </p:txBody>
+      </p:sp>
+      <p:sp>
+        <p:nvSpPr>
+          <p:cNvPr id="151" name="Présentation…"/>
           <p:cNvSpPr/>
           <p:nvPr/>
         </p:nvSpPr>
         <p:spPr>
           <a:xfrm>
-            <a:off x="5022767" y="2265684"/>
-            <a:ext cx="2959266" cy="2038765"/>
+            <a:off x="1409935" y="4315725"/>
+            <a:ext cx="2565302" cy="3537695"/>
           </a:xfrm>
           <a:prstGeom prst="rect">
             <a:avLst/>
@@ -7750,7 +8392,7 @@
               </a:defRPr>
             </a:pPr>
             <a:r>
-              <a:t>Service</a:t>
+              <a:t>Présentation</a:t>
             </a:r>
           </a:p>
           <a:p>
@@ -7762,150 +8404,21 @@
               </a:defRPr>
             </a:pPr>
             <a:r>
-              <a:t>Traitement métier</a:t>
-            </a:r>
-          </a:p>
-        </p:txBody>
-      </p:sp>
-      <p:sp>
-        <p:nvSpPr>
-          <p:cNvPr id="158" name="Correspond à la partie fonctionnelle de l'application, celle qui implémente la logique métier, et qui décrit les opérations que l'application opère sur les données en fonction des requêtes des utilisateurs, effectuées au travers de la couche de présentation.…"/>
-          <p:cNvSpPr txBox="1"/>
+              <a:t>Interface utilisateur</a:t>
+            </a:r>
+          </a:p>
+        </p:txBody>
+      </p:sp>
+      <p:sp>
+        <p:nvSpPr>
+          <p:cNvPr id="152" name="Service…"/>
+          <p:cNvSpPr/>
           <p:nvPr/>
         </p:nvSpPr>
         <p:spPr>
           <a:xfrm>
-            <a:off x="706297" y="4781549"/>
-            <a:ext cx="11592206" cy="2197101"/>
-          </a:xfrm>
-          <a:prstGeom prst="rect">
-            <a:avLst/>
-          </a:prstGeom>
-          <a:ln w="12700">
-            <a:miter lim="400000"/>
-          </a:ln>
-          <a:extLst>
-            <a:ext uri="{C572A759-6A51-4108-AA02-DFA0A04FC94B}">
-              <ma14:wrappingTextBoxFlag xmlns:ma14="http://schemas.microsoft.com/office/mac/drawingml/2011/main" val="1"/>
-            </a:ext>
-          </a:extLst>
-        </p:spPr>
-        <p:txBody>
-          <a:bodyPr wrap="none" lIns="50800" tIns="50800" rIns="50800" bIns="50800" anchor="ctr">
-            <a:spAutoFit/>
-          </a:bodyPr>
-          <a:lstStyle/>
-          <a:p>
-            <a:pPr marL="407504" indent="-407504" algn="l">
-              <a:buClr>
-                <a:srgbClr val="535353"/>
-              </a:buClr>
-              <a:buSzPct val="82000"/>
-              <a:buChar char="•"/>
-              <a:defRPr sz="2900"/>
-            </a:pPr>
-            <a:r>
-              <a:t>Correspond à la partie fonctionnelle de </a:t>
-            </a:r>
-            <a:r>
-              <a:rPr>
-                <a:solidFill>
-                  <a:srgbClr val="5A5F5E"/>
-                </a:solidFill>
-              </a:rPr>
-              <a:t>l'application</a:t>
-            </a:r>
-            <a:r>
-              <a:t>, celle qui implémente</a:t>
-            </a:r>
-            <a:br/>
-            <a:r>
-              <a:t>la logique métier, et qui décrit les opérations que l'application opère sur les</a:t>
-            </a:r>
-            <a:br/>
-            <a:r>
-              <a:t>données en fonction des requêtes des utilisateurs, effectuées au travers de la</a:t>
-            </a:r>
-            <a:br/>
-            <a:r>
-              <a:t>couche de présentation.</a:t>
-            </a:r>
-          </a:p>
-          <a:p>
-            <a:pPr marL="407504" indent="-407504" algn="l">
-              <a:buClr>
-                <a:srgbClr val="535353"/>
-              </a:buClr>
-              <a:buSzPct val="82000"/>
-              <a:buChar char="•"/>
-              <a:defRPr sz="2900"/>
-            </a:pPr>
-            <a:r>
-              <a:t>Valide les paramètres qui sont transmis à la couche d’accès aux données</a:t>
-            </a:r>
-          </a:p>
-        </p:txBody>
-      </p:sp>
-    </p:spTree>
-  </p:cSld>
-  <p:clrMapOvr>
-    <a:masterClrMapping/>
-  </p:clrMapOvr>
-  <p:transition xmlns:p14="http://schemas.microsoft.com/office/powerpoint/2010/main" spd="med" advClick="1"/>
-</p:sld>
-</file>
-
-<file path=ppt/slides/slide7.xml><?xml version="1.0" encoding="utf-8"?>
-<p:sld xmlns:a="http://schemas.openxmlformats.org/drawingml/2006/main" xmlns:r="http://schemas.openxmlformats.org/officeDocument/2006/relationships" xmlns:p="http://schemas.openxmlformats.org/presentationml/2006/main" xmlns:m="http://schemas.openxmlformats.org/officeDocument/2006/math" xmlns:a14="http://schemas.microsoft.com/office/drawing/2010/main" showMasterSp="1" showMasterPhAnim="1">
-  <p:cSld>
-    <p:spTree>
-      <p:nvGrpSpPr>
-        <p:cNvPr id="1" name=""/>
-        <p:cNvGrpSpPr/>
-        <p:nvPr/>
-      </p:nvGrpSpPr>
-      <p:grpSpPr>
-        <a:xfrm>
-          <a:off x="0" y="0"/>
-          <a:ext cx="0" cy="0"/>
-          <a:chOff x="0" y="0"/>
-          <a:chExt cx="0" cy="0"/>
-        </a:xfrm>
-      </p:grpSpPr>
-      <p:sp>
-        <p:nvSpPr>
-          <p:cNvPr id="160" name="Objectifs"/>
-          <p:cNvSpPr txBox="1"/>
-          <p:nvPr>
-            <p:ph type="title"/>
-          </p:nvPr>
-        </p:nvSpPr>
-        <p:spPr>
-          <a:prstGeom prst="rect">
-            <a:avLst/>
-          </a:prstGeom>
-        </p:spPr>
-        <p:txBody>
-          <a:bodyPr/>
-          <a:lstStyle/>
-          <a:p>
-            <a:pPr/>
-            <a:r>
-              <a:t>Objectifs</a:t>
-            </a:r>
-          </a:p>
-        </p:txBody>
-      </p:sp>
-      <p:sp>
-        <p:nvSpPr>
-          <p:cNvPr id="161" name="DAO…"/>
-          <p:cNvSpPr/>
-          <p:nvPr/>
-        </p:nvSpPr>
-        <p:spPr>
-          <a:xfrm>
-            <a:off x="5022767" y="2265684"/>
-            <a:ext cx="2959266" cy="2038765"/>
+            <a:off x="4292885" y="4315725"/>
+            <a:ext cx="2565302" cy="3537695"/>
           </a:xfrm>
           <a:prstGeom prst="rect">
             <a:avLst/>
@@ -7934,7 +8447,7 @@
               </a:defRPr>
             </a:pPr>
             <a:r>
-              <a:t>DAO</a:t>
+              <a:t>Service</a:t>
             </a:r>
           </a:p>
           <a:p>
@@ -7946,25 +8459,28 @@
               </a:defRPr>
             </a:pPr>
             <a:r>
-              <a:t>Accès aux données</a:t>
-            </a:r>
-          </a:p>
-        </p:txBody>
-      </p:sp>
-      <p:sp>
-        <p:nvSpPr>
-          <p:cNvPr id="162" name="Correspond à la partie gérant l'accès aux données de l'application. Ces  données peuvent être propres à l'application, ou gérées par une autre  application.…"/>
-          <p:cNvSpPr txBox="1"/>
+              <a:t>Traitement métier</a:t>
+            </a:r>
+          </a:p>
+        </p:txBody>
+      </p:sp>
+      <p:sp>
+        <p:nvSpPr>
+          <p:cNvPr id="153" name="DAO…"/>
+          <p:cNvSpPr/>
           <p:nvPr/>
         </p:nvSpPr>
         <p:spPr>
           <a:xfrm>
-            <a:off x="728133" y="4572000"/>
-            <a:ext cx="11020154" cy="2616201"/>
-          </a:xfrm>
-          <a:prstGeom prst="rect">
-            <a:avLst/>
-          </a:prstGeom>
+            <a:off x="7175835" y="4315725"/>
+            <a:ext cx="2565301" cy="3537695"/>
+          </a:xfrm>
+          <a:prstGeom prst="rect">
+            <a:avLst/>
+          </a:prstGeom>
+          <a:solidFill>
+            <a:schemeClr val="accent3"/>
+          </a:solidFill>
           <a:ln w="12700">
             <a:miter lim="400000"/>
           </a:ln>
@@ -7975,311 +8491,44 @@
           </a:extLst>
         </p:spPr>
         <p:txBody>
-          <a:bodyPr wrap="none" lIns="50800" tIns="50800" rIns="50800" bIns="50800" anchor="ctr">
-            <a:spAutoFit/>
-          </a:bodyPr>
-          <a:lstStyle/>
-          <a:p>
-            <a:pPr marL="407504" indent="-407504" algn="l">
-              <a:buClr>
-                <a:srgbClr val="535353"/>
-              </a:buClr>
-              <a:buSzPct val="82000"/>
-              <a:buChar char="•"/>
-              <a:defRPr sz="2900"/>
-            </a:pPr>
-            <a:r>
-              <a:t>Correspond à la partie gérant l'accès aux données de l'application. Ces </a:t>
-            </a:r>
-            <a:br/>
-            <a:r>
-              <a:t>données peuvent être propres à l'application, ou gérées par une autre </a:t>
-            </a:r>
-            <a:br/>
-            <a:r>
-              <a:t>application.  </a:t>
-            </a:r>
-          </a:p>
-          <a:p>
-            <a:pPr marL="407504" indent="-407504" algn="l">
-              <a:buClr>
-                <a:srgbClr val="535353"/>
-              </a:buClr>
-              <a:buSzPct val="82000"/>
-              <a:buChar char="•"/>
-              <a:defRPr sz="2900"/>
-            </a:pPr>
-            <a:r>
-              <a:t>La couche Service n'a pas à s'adapter à ces deux cas, ils sont </a:t>
-            </a:r>
-            <a:br/>
-            <a:r>
-              <a:t>transparents pour elle, et elle accède aux données de manière uniforme </a:t>
-            </a:r>
-            <a:br/>
-            <a:r>
-              <a:t>(couplage faible).</a:t>
-            </a:r>
-          </a:p>
-        </p:txBody>
-      </p:sp>
-    </p:spTree>
-  </p:cSld>
-  <p:clrMapOvr>
-    <a:masterClrMapping/>
-  </p:clrMapOvr>
-  <p:transition xmlns:p14="http://schemas.microsoft.com/office/powerpoint/2010/main" spd="med" advClick="1"/>
-</p:sld>
-</file>
-
-<file path=ppt/slides/slide8.xml><?xml version="1.0" encoding="utf-8"?>
-<p:sld xmlns:a="http://schemas.openxmlformats.org/drawingml/2006/main" xmlns:r="http://schemas.openxmlformats.org/officeDocument/2006/relationships" xmlns:p="http://schemas.openxmlformats.org/presentationml/2006/main" xmlns:m="http://schemas.openxmlformats.org/officeDocument/2006/math" xmlns:a14="http://schemas.microsoft.com/office/drawing/2010/main" showMasterSp="1" showMasterPhAnim="1">
-  <p:cSld>
-    <p:spTree>
-      <p:nvGrpSpPr>
-        <p:cNvPr id="1" name=""/>
-        <p:cNvGrpSpPr/>
-        <p:nvPr/>
-      </p:nvGrpSpPr>
-      <p:grpSpPr>
-        <a:xfrm>
-          <a:off x="0" y="0"/>
-          <a:ext cx="0" cy="0"/>
-          <a:chOff x="0" y="0"/>
-          <a:chExt cx="0" cy="0"/>
-        </a:xfrm>
-      </p:grpSpPr>
-      <p:sp>
-        <p:nvSpPr>
-          <p:cNvPr id="164" name="Objectifs"/>
-          <p:cNvSpPr txBox="1"/>
-          <p:nvPr>
-            <p:ph type="title"/>
-          </p:nvPr>
-        </p:nvSpPr>
-        <p:spPr>
-          <a:prstGeom prst="rect">
-            <a:avLst/>
-          </a:prstGeom>
-        </p:spPr>
-        <p:txBody>
-          <a:bodyPr/>
-          <a:lstStyle/>
-          <a:p>
-            <a:pPr/>
-            <a:r>
-              <a:t>Objectifs</a:t>
-            </a:r>
-          </a:p>
-        </p:txBody>
-      </p:sp>
-      <p:sp>
-        <p:nvSpPr>
-          <p:cNvPr id="165" name="Représente les objets du domaine, c'est à dire l'ensemble des entités persistantes de l'application"/>
-          <p:cNvSpPr txBox="1"/>
-          <p:nvPr/>
-        </p:nvSpPr>
-        <p:spPr>
-          <a:xfrm>
-            <a:off x="728133" y="4919133"/>
-            <a:ext cx="11548535" cy="939801"/>
-          </a:xfrm>
-          <a:prstGeom prst="rect">
-            <a:avLst/>
-          </a:prstGeom>
-          <a:ln w="12700">
-            <a:miter lim="400000"/>
-          </a:ln>
-          <a:extLst>
-            <a:ext uri="{C572A759-6A51-4108-AA02-DFA0A04FC94B}">
-              <ma14:wrappingTextBoxFlag xmlns:ma14="http://schemas.microsoft.com/office/mac/drawingml/2011/main" val="1"/>
-            </a:ext>
-          </a:extLst>
-        </p:spPr>
-        <p:txBody>
-          <a:bodyPr lIns="50800" tIns="50800" rIns="50800" bIns="50800" anchor="ctr">
-            <a:spAutoFit/>
-          </a:bodyPr>
-          <a:lstStyle>
-            <a:lvl1pPr marL="407504" indent="-407504" algn="l">
-              <a:buClr>
-                <a:srgbClr val="535353"/>
-              </a:buClr>
-              <a:buSzPct val="82000"/>
-              <a:buChar char="•"/>
-              <a:defRPr sz="2900"/>
-            </a:lvl1pPr>
-          </a:lstStyle>
-          <a:p>
-            <a:pPr/>
-            <a:r>
-              <a:t>Représente les objets du domaine, c'est à dire l'ensemble des entités persistantes de l'application</a:t>
-            </a:r>
-          </a:p>
-        </p:txBody>
-      </p:sp>
-      <p:sp>
-        <p:nvSpPr>
-          <p:cNvPr id="166" name="Domaine métier"/>
-          <p:cNvSpPr/>
-          <p:nvPr/>
-        </p:nvSpPr>
-        <p:spPr>
-          <a:xfrm>
-            <a:off x="4093831" y="2650066"/>
-            <a:ext cx="4817138" cy="1270001"/>
-          </a:xfrm>
-          <a:prstGeom prst="rect">
-            <a:avLst/>
-          </a:prstGeom>
-          <a:solidFill>
-            <a:schemeClr val="accent6">
-              <a:satOff val="1848"/>
-              <a:lumOff val="-15262"/>
-            </a:schemeClr>
-          </a:solidFill>
-          <a:ln w="12700">
-            <a:miter lim="400000"/>
-          </a:ln>
-          <a:extLst>
-            <a:ext uri="{C572A759-6A51-4108-AA02-DFA0A04FC94B}">
-              <ma14:wrappingTextBoxFlag xmlns:ma14="http://schemas.microsoft.com/office/mac/drawingml/2011/main" val="1"/>
-            </a:ext>
-          </a:extLst>
-        </p:spPr>
-        <p:txBody>
           <a:bodyPr lIns="50800" tIns="50800" rIns="50800" bIns="50800" anchor="ctr"/>
-          <a:lstStyle>
-            <a:lvl1pPr>
+          <a:lstStyle/>
+          <a:p>
+            <a:pPr>
               <a:defRPr>
                 <a:solidFill>
                   <a:srgbClr val="FFFFFF"/>
                 </a:solidFill>
               </a:defRPr>
-            </a:lvl1pPr>
-          </a:lstStyle>
-          <a:p>
-            <a:pPr/>
-            <a:r>
-              <a:t>Domaine métier</a:t>
-            </a:r>
-          </a:p>
-        </p:txBody>
-      </p:sp>
-    </p:spTree>
-  </p:cSld>
-  <p:clrMapOvr>
-    <a:masterClrMapping/>
-  </p:clrMapOvr>
-  <p:transition xmlns:p14="http://schemas.microsoft.com/office/powerpoint/2010/main" spd="med" advClick="1"/>
-</p:sld>
-</file>
-
-<file path=ppt/slides/slide9.xml><?xml version="1.0" encoding="utf-8"?>
-<p:sld xmlns:a="http://schemas.openxmlformats.org/drawingml/2006/main" xmlns:r="http://schemas.openxmlformats.org/officeDocument/2006/relationships" xmlns:p="http://schemas.openxmlformats.org/presentationml/2006/main" xmlns:m="http://schemas.openxmlformats.org/officeDocument/2006/math" xmlns:a14="http://schemas.microsoft.com/office/drawing/2010/main" showMasterSp="1" showMasterPhAnim="1">
-  <p:cSld>
-    <p:spTree>
-      <p:nvGrpSpPr>
-        <p:cNvPr id="1" name=""/>
-        <p:cNvGrpSpPr/>
-        <p:nvPr/>
-      </p:nvGrpSpPr>
-      <p:grpSpPr>
-        <a:xfrm>
-          <a:off x="0" y="0"/>
-          <a:ext cx="0" cy="0"/>
-          <a:chOff x="0" y="0"/>
-          <a:chExt cx="0" cy="0"/>
-        </a:xfrm>
-      </p:grpSpPr>
-      <p:sp>
-        <p:nvSpPr>
-          <p:cNvPr id="168" name="ARCHITECTURE - V1"/>
-          <p:cNvSpPr txBox="1"/>
-          <p:nvPr>
-            <p:ph type="title"/>
-          </p:nvPr>
-        </p:nvSpPr>
-        <p:spPr>
-          <a:prstGeom prst="rect">
-            <a:avLst/>
-          </a:prstGeom>
-        </p:spPr>
-        <p:txBody>
-          <a:bodyPr/>
-          <a:lstStyle/>
-          <a:p>
-            <a:pPr/>
-            <a:r>
-              <a:t>ARCHITECTURE - </a:t>
-            </a:r>
-            <a:r>
-              <a:rPr>
-                <a:latin typeface="Arial"/>
-                <a:ea typeface="Arial"/>
-                <a:cs typeface="Arial"/>
-                <a:sym typeface="Arial"/>
-              </a:rPr>
-              <a:t>V1</a:t>
-            </a:r>
-          </a:p>
-        </p:txBody>
-      </p:sp>
-      <p:sp>
-        <p:nvSpPr>
-          <p:cNvPr id="169" name="« DAO »"/>
-          <p:cNvSpPr/>
-          <p:nvPr/>
-        </p:nvSpPr>
-        <p:spPr>
-          <a:xfrm>
-            <a:off x="5734360" y="3107952"/>
-            <a:ext cx="4178202" cy="3537696"/>
-          </a:xfrm>
-          <a:prstGeom prst="rect">
-            <a:avLst/>
-          </a:prstGeom>
-          <a:solidFill>
-            <a:schemeClr val="accent3"/>
-          </a:solidFill>
-          <a:ln w="12700">
-            <a:miter lim="400000"/>
-          </a:ln>
-          <a:extLst>
-            <a:ext uri="{C572A759-6A51-4108-AA02-DFA0A04FC94B}">
-              <ma14:wrappingTextBoxFlag xmlns:ma14="http://schemas.microsoft.com/office/mac/drawingml/2011/main" val="1"/>
-            </a:ext>
-          </a:extLst>
-        </p:spPr>
-        <p:txBody>
-          <a:bodyPr lIns="50800" tIns="50800" rIns="50800" bIns="50800"/>
-          <a:lstStyle>
-            <a:lvl1pPr>
-              <a:defRPr>
+            </a:pPr>
+            <a:r>
+              <a:t>DAO</a:t>
+            </a:r>
+          </a:p>
+          <a:p>
+            <a:pPr>
+              <a:defRPr sz="2200">
                 <a:solidFill>
                   <a:srgbClr val="FFFFFF"/>
                 </a:solidFill>
               </a:defRPr>
-            </a:lvl1pPr>
-          </a:lstStyle>
-          <a:p>
-            <a:pPr/>
-            <a:r>
-              <a:t>« DAO »</a:t>
-            </a:r>
-          </a:p>
-        </p:txBody>
-      </p:sp>
-      <p:sp>
-        <p:nvSpPr>
-          <p:cNvPr id="170" name="BD"/>
+            </a:pPr>
+            <a:r>
+              <a:t>Accès aux données</a:t>
+            </a:r>
+          </a:p>
+        </p:txBody>
+      </p:sp>
+      <p:sp>
+        <p:nvSpPr>
+          <p:cNvPr id="154" name="BD"/>
           <p:cNvSpPr/>
           <p:nvPr/>
         </p:nvSpPr>
         <p:spPr>
           <a:xfrm>
-            <a:off x="10230209" y="3732335"/>
-            <a:ext cx="1536081" cy="2027836"/>
+            <a:off x="10058784" y="4940107"/>
+            <a:ext cx="1536081" cy="2027837"/>
           </a:xfrm>
           <a:custGeom>
             <a:avLst/>
@@ -8397,80 +8646,23 @@
       </p:sp>
       <p:sp>
         <p:nvSpPr>
-          <p:cNvPr id="171" name="Ligne"/>
+          <p:cNvPr id="155" name="Domaine métier"/>
           <p:cNvSpPr/>
           <p:nvPr/>
         </p:nvSpPr>
         <p:spPr>
           <a:xfrm>
-            <a:off x="9893219" y="4321271"/>
-            <a:ext cx="364813" cy="1"/>
-          </a:xfrm>
-          <a:prstGeom prst="line">
-            <a:avLst/>
-          </a:prstGeom>
-          <a:ln w="25400">
-            <a:solidFill>
-              <a:srgbClr val="5A5F5E"/>
-            </a:solidFill>
-            <a:miter lim="400000"/>
-            <a:tailEnd type="triangle"/>
-          </a:ln>
-        </p:spPr>
-        <p:txBody>
-          <a:bodyPr lIns="50800" tIns="50800" rIns="50800" bIns="50800" anchor="ctr"/>
-          <a:lstStyle/>
-          <a:p>
-            <a:pPr/>
-          </a:p>
-        </p:txBody>
-      </p:sp>
-      <p:sp>
-        <p:nvSpPr>
-          <p:cNvPr id="172" name="Ligne"/>
-          <p:cNvSpPr/>
-          <p:nvPr/>
-        </p:nvSpPr>
-        <p:spPr>
-          <a:xfrm flipH="1">
-            <a:off x="9893219" y="5396982"/>
-            <a:ext cx="364813" cy="1"/>
-          </a:xfrm>
-          <a:prstGeom prst="line">
-            <a:avLst/>
-          </a:prstGeom>
-          <a:ln w="25400">
-            <a:solidFill>
-              <a:srgbClr val="5A5F5E"/>
-            </a:solidFill>
-            <a:miter lim="400000"/>
-            <a:tailEnd type="triangle"/>
-          </a:ln>
-        </p:spPr>
-        <p:txBody>
-          <a:bodyPr lIns="50800" tIns="50800" rIns="50800" bIns="50800" anchor="ctr"/>
-          <a:lstStyle/>
-          <a:p>
-            <a:pPr/>
-          </a:p>
-        </p:txBody>
-      </p:sp>
-      <p:sp>
-        <p:nvSpPr>
-          <p:cNvPr id="173" name="Classes « obsolètes »…"/>
-          <p:cNvSpPr txBox="1"/>
-          <p:nvPr/>
-        </p:nvSpPr>
-        <p:spPr>
-          <a:xfrm>
-            <a:off x="6051525" y="4165599"/>
-            <a:ext cx="3594969" cy="1422401"/>
+            <a:off x="1422635" y="2745853"/>
+            <a:ext cx="8305801" cy="1270001"/>
           </a:xfrm>
           <a:prstGeom prst="rect">
             <a:avLst/>
           </a:prstGeom>
           <a:solidFill>
-            <a:schemeClr val="accent3"/>
+            <a:schemeClr val="accent6">
+              <a:satOff val="1848"/>
+              <a:lumOff val="-15262"/>
+            </a:schemeClr>
           </a:solidFill>
           <a:ln w="12700">
             <a:miter lim="400000"/>
@@ -8482,85 +8674,7 @@
           </a:extLst>
         </p:spPr>
         <p:txBody>
-          <a:bodyPr wrap="none" lIns="50800" tIns="50800" rIns="50800" bIns="50800" anchor="ctr">
-            <a:spAutoFit/>
-          </a:bodyPr>
-          <a:lstStyle/>
-          <a:p>
-            <a:pPr algn="l">
-              <a:lnSpc>
-                <a:spcPct val="150000"/>
-              </a:lnSpc>
-              <a:defRPr sz="2300">
-                <a:solidFill>
-                  <a:srgbClr val="000000"/>
-                </a:solidFill>
-              </a:defRPr>
-            </a:pPr>
-            <a:r>
-              <a:t>Classes « obsolètes »</a:t>
-            </a:r>
-          </a:p>
-          <a:p>
-            <a:pPr algn="l">
-              <a:lnSpc>
-                <a:spcPct val="150000"/>
-              </a:lnSpc>
-              <a:defRPr sz="2300">
-                <a:solidFill>
-                  <a:srgbClr val="000000"/>
-                </a:solidFill>
-              </a:defRPr>
-            </a:pPr>
-            <a:r>
-              <a:t>Classe métier : Formation.java</a:t>
-            </a:r>
-          </a:p>
-          <a:p>
-            <a:pPr algn="l">
-              <a:lnSpc>
-                <a:spcPct val="150000"/>
-              </a:lnSpc>
-              <a:defRPr sz="2300">
-                <a:solidFill>
-                  <a:srgbClr val="000000"/>
-                </a:solidFill>
-              </a:defRPr>
-            </a:pPr>
-            <a:r>
-              <a:t>Servlet </a:t>
-            </a:r>
-          </a:p>
-        </p:txBody>
-      </p:sp>
-      <p:sp>
-        <p:nvSpPr>
-          <p:cNvPr id="174" name="« PRESENTATION »"/>
-          <p:cNvSpPr/>
-          <p:nvPr/>
-        </p:nvSpPr>
-        <p:spPr>
-          <a:xfrm>
-            <a:off x="1238510" y="3107952"/>
-            <a:ext cx="4178202" cy="3537696"/>
-          </a:xfrm>
-          <a:prstGeom prst="rect">
-            <a:avLst/>
-          </a:prstGeom>
-          <a:solidFill>
-            <a:schemeClr val="accent3"/>
-          </a:solidFill>
-          <a:ln w="12700">
-            <a:miter lim="400000"/>
-          </a:ln>
-          <a:extLst>
-            <a:ext uri="{C572A759-6A51-4108-AA02-DFA0A04FC94B}">
-              <ma14:wrappingTextBoxFlag xmlns:ma14="http://schemas.microsoft.com/office/mac/drawingml/2011/main" val="1"/>
-            </a:ext>
-          </a:extLst>
-        </p:spPr>
-        <p:txBody>
-          <a:bodyPr lIns="50800" tIns="50800" rIns="50800" bIns="50800"/>
+          <a:bodyPr lIns="50800" tIns="50800" rIns="50800" bIns="50800" anchor="ctr"/>
           <a:lstStyle>
             <a:lvl1pPr>
               <a:defRPr>
@@ -8573,21 +8687,21 @@
           <a:p>
             <a:pPr/>
             <a:r>
-              <a:t>« PRESENTATION »</a:t>
-            </a:r>
-          </a:p>
-        </p:txBody>
-      </p:sp>
-      <p:sp>
-        <p:nvSpPr>
-          <p:cNvPr id="175" name="Ligne"/>
+              <a:t>Domaine métier</a:t>
+            </a:r>
+          </a:p>
+        </p:txBody>
+      </p:sp>
+      <p:sp>
+        <p:nvSpPr>
+          <p:cNvPr id="156" name="Ligne"/>
           <p:cNvSpPr/>
           <p:nvPr/>
         </p:nvSpPr>
         <p:spPr>
           <a:xfrm>
-            <a:off x="5397419" y="4338944"/>
-            <a:ext cx="364813" cy="1"/>
+            <a:off x="3947414" y="5529043"/>
+            <a:ext cx="364814" cy="1"/>
           </a:xfrm>
           <a:prstGeom prst="line">
             <a:avLst/>
@@ -8610,13 +8724,13 @@
       </p:sp>
       <p:sp>
         <p:nvSpPr>
-          <p:cNvPr id="176" name="Ligne"/>
+          <p:cNvPr id="157" name="Ligne"/>
           <p:cNvSpPr/>
           <p:nvPr/>
         </p:nvSpPr>
         <p:spPr>
-          <a:xfrm flipH="1">
-            <a:off x="5397419" y="5414655"/>
+          <a:xfrm>
+            <a:off x="6834604" y="5529043"/>
             <a:ext cx="364813" cy="1"/>
           </a:xfrm>
           <a:prstGeom prst="line">
@@ -8640,14 +8754,298 @@
       </p:sp>
       <p:sp>
         <p:nvSpPr>
-          <p:cNvPr id="177" name="Page d’accueil (index.jsp)"/>
+          <p:cNvPr id="158" name="Ligne"/>
+          <p:cNvSpPr/>
+          <p:nvPr/>
+        </p:nvSpPr>
+        <p:spPr>
+          <a:xfrm>
+            <a:off x="9721794" y="5529043"/>
+            <a:ext cx="364813" cy="1"/>
+          </a:xfrm>
+          <a:prstGeom prst="line">
+            <a:avLst/>
+          </a:prstGeom>
+          <a:ln w="25400">
+            <a:solidFill>
+              <a:srgbClr val="5A5F5E"/>
+            </a:solidFill>
+            <a:miter lim="400000"/>
+            <a:tailEnd type="triangle"/>
+          </a:ln>
+        </p:spPr>
+        <p:txBody>
+          <a:bodyPr lIns="50800" tIns="50800" rIns="50800" bIns="50800" anchor="ctr"/>
+          <a:lstStyle/>
+          <a:p>
+            <a:pPr/>
+          </a:p>
+        </p:txBody>
+      </p:sp>
+      <p:sp>
+        <p:nvSpPr>
+          <p:cNvPr id="159" name="Ligne"/>
+          <p:cNvSpPr/>
+          <p:nvPr/>
+        </p:nvSpPr>
+        <p:spPr>
+          <a:xfrm flipH="1">
+            <a:off x="3951654" y="6604754"/>
+            <a:ext cx="364814" cy="1"/>
+          </a:xfrm>
+          <a:prstGeom prst="line">
+            <a:avLst/>
+          </a:prstGeom>
+          <a:ln w="25400">
+            <a:solidFill>
+              <a:srgbClr val="5A5F5E"/>
+            </a:solidFill>
+            <a:miter lim="400000"/>
+            <a:tailEnd type="triangle"/>
+          </a:ln>
+        </p:spPr>
+        <p:txBody>
+          <a:bodyPr lIns="50800" tIns="50800" rIns="50800" bIns="50800" anchor="ctr"/>
+          <a:lstStyle/>
+          <a:p>
+            <a:pPr/>
+          </a:p>
+        </p:txBody>
+      </p:sp>
+      <p:sp>
+        <p:nvSpPr>
+          <p:cNvPr id="160" name="Ligne"/>
+          <p:cNvSpPr/>
+          <p:nvPr/>
+        </p:nvSpPr>
+        <p:spPr>
+          <a:xfrm flipH="1">
+            <a:off x="6834604" y="6604754"/>
+            <a:ext cx="364813" cy="1"/>
+          </a:xfrm>
+          <a:prstGeom prst="line">
+            <a:avLst/>
+          </a:prstGeom>
+          <a:ln w="25400">
+            <a:solidFill>
+              <a:srgbClr val="5A5F5E"/>
+            </a:solidFill>
+            <a:miter lim="400000"/>
+            <a:tailEnd type="triangle"/>
+          </a:ln>
+        </p:spPr>
+        <p:txBody>
+          <a:bodyPr lIns="50800" tIns="50800" rIns="50800" bIns="50800" anchor="ctr"/>
+          <a:lstStyle/>
+          <a:p>
+            <a:pPr/>
+          </a:p>
+        </p:txBody>
+      </p:sp>
+      <p:sp>
+        <p:nvSpPr>
+          <p:cNvPr id="161" name="Ligne"/>
+          <p:cNvSpPr/>
+          <p:nvPr/>
+        </p:nvSpPr>
+        <p:spPr>
+          <a:xfrm flipH="1">
+            <a:off x="9721794" y="6604754"/>
+            <a:ext cx="364813" cy="1"/>
+          </a:xfrm>
+          <a:prstGeom prst="line">
+            <a:avLst/>
+          </a:prstGeom>
+          <a:ln w="25400">
+            <a:solidFill>
+              <a:srgbClr val="5A5F5E"/>
+            </a:solidFill>
+            <a:miter lim="400000"/>
+            <a:tailEnd type="triangle"/>
+          </a:ln>
+        </p:spPr>
+        <p:txBody>
+          <a:bodyPr lIns="50800" tIns="50800" rIns="50800" bIns="50800" anchor="ctr"/>
+          <a:lstStyle/>
+          <a:p>
+            <a:pPr/>
+          </a:p>
+        </p:txBody>
+      </p:sp>
+      <p:sp>
+        <p:nvSpPr>
+          <p:cNvPr id="162" name="Flèche double"/>
+          <p:cNvSpPr/>
+          <p:nvPr/>
+        </p:nvSpPr>
+        <p:spPr>
+          <a:xfrm rot="5400000">
+            <a:off x="5381415" y="4053451"/>
+            <a:ext cx="388242" cy="229084"/>
+          </a:xfrm>
+          <a:prstGeom prst="leftRightArrow">
+            <a:avLst>
+              <a:gd name="adj1" fmla="val 15937"/>
+              <a:gd name="adj2" fmla="val 49133"/>
+            </a:avLst>
+          </a:prstGeom>
+          <a:solidFill>
+            <a:srgbClr val="000000"/>
+          </a:solidFill>
+          <a:ln w="12700">
+            <a:miter lim="400000"/>
+          </a:ln>
+        </p:spPr>
+        <p:txBody>
+          <a:bodyPr lIns="50800" tIns="50800" rIns="50800" bIns="50800" anchor="ctr"/>
+          <a:lstStyle/>
+          <a:p>
+            <a:pPr>
+              <a:defRPr>
+                <a:solidFill>
+                  <a:srgbClr val="FFFFFF"/>
+                </a:solidFill>
+              </a:defRPr>
+            </a:pPr>
+          </a:p>
+        </p:txBody>
+      </p:sp>
+      <p:sp>
+        <p:nvSpPr>
+          <p:cNvPr id="163" name="Flèche double"/>
+          <p:cNvSpPr/>
+          <p:nvPr/>
+        </p:nvSpPr>
+        <p:spPr>
+          <a:xfrm rot="5400000">
+            <a:off x="8264364" y="4053451"/>
+            <a:ext cx="388243" cy="229084"/>
+          </a:xfrm>
+          <a:prstGeom prst="leftRightArrow">
+            <a:avLst>
+              <a:gd name="adj1" fmla="val 15937"/>
+              <a:gd name="adj2" fmla="val 49133"/>
+            </a:avLst>
+          </a:prstGeom>
+          <a:solidFill>
+            <a:srgbClr val="000000"/>
+          </a:solidFill>
+          <a:ln w="12700">
+            <a:miter lim="400000"/>
+          </a:ln>
+        </p:spPr>
+        <p:txBody>
+          <a:bodyPr lIns="50800" tIns="50800" rIns="50800" bIns="50800" anchor="ctr"/>
+          <a:lstStyle/>
+          <a:p>
+            <a:pPr>
+              <a:defRPr>
+                <a:solidFill>
+                  <a:srgbClr val="FFFFFF"/>
+                </a:solidFill>
+              </a:defRPr>
+            </a:pPr>
+          </a:p>
+        </p:txBody>
+      </p:sp>
+      <p:sp>
+        <p:nvSpPr>
+          <p:cNvPr id="164" name="Flèche double"/>
+          <p:cNvSpPr/>
+          <p:nvPr/>
+        </p:nvSpPr>
+        <p:spPr>
+          <a:xfrm rot="5400000">
+            <a:off x="2498465" y="4053451"/>
+            <a:ext cx="388242" cy="229084"/>
+          </a:xfrm>
+          <a:prstGeom prst="leftRightArrow">
+            <a:avLst>
+              <a:gd name="adj1" fmla="val 15937"/>
+              <a:gd name="adj2" fmla="val 49133"/>
+            </a:avLst>
+          </a:prstGeom>
+          <a:solidFill>
+            <a:srgbClr val="000000"/>
+          </a:solidFill>
+          <a:ln w="12700">
+            <a:miter lim="400000"/>
+          </a:ln>
+        </p:spPr>
+        <p:txBody>
+          <a:bodyPr lIns="50800" tIns="50800" rIns="50800" bIns="50800" anchor="ctr"/>
+          <a:lstStyle/>
+          <a:p>
+            <a:pPr>
+              <a:defRPr>
+                <a:solidFill>
+                  <a:srgbClr val="FFFFFF"/>
+                </a:solidFill>
+              </a:defRPr>
+            </a:pPr>
+          </a:p>
+        </p:txBody>
+      </p:sp>
+    </p:spTree>
+  </p:cSld>
+  <p:clrMapOvr>
+    <a:masterClrMapping/>
+  </p:clrMapOvr>
+  <p:transition xmlns:p14="http://schemas.microsoft.com/office/powerpoint/2010/main" spd="med" advClick="1"/>
+</p:sld>
+</file>
+
+<file path=ppt/slides/slide7.xml><?xml version="1.0" encoding="utf-8"?>
+<p:sld xmlns:a="http://schemas.openxmlformats.org/drawingml/2006/main" xmlns:r="http://schemas.openxmlformats.org/officeDocument/2006/relationships" xmlns:p="http://schemas.openxmlformats.org/presentationml/2006/main" xmlns:m="http://schemas.openxmlformats.org/officeDocument/2006/math" xmlns:a14="http://schemas.microsoft.com/office/drawing/2010/main" showMasterSp="1" showMasterPhAnim="1">
+  <p:cSld>
+    <p:spTree>
+      <p:nvGrpSpPr>
+        <p:cNvPr id="1" name=""/>
+        <p:cNvGrpSpPr/>
+        <p:nvPr/>
+      </p:nvGrpSpPr>
+      <p:grpSpPr>
+        <a:xfrm>
+          <a:off x="0" y="0"/>
+          <a:ext cx="0" cy="0"/>
+          <a:chOff x="0" y="0"/>
+          <a:chExt cx="0" cy="0"/>
+        </a:xfrm>
+      </p:grpSpPr>
+      <p:sp>
+        <p:nvSpPr>
+          <p:cNvPr id="166" name="Objectifs"/>
           <p:cNvSpPr txBox="1"/>
+          <p:nvPr>
+            <p:ph type="title"/>
+          </p:nvPr>
+        </p:nvSpPr>
+        <p:spPr>
+          <a:prstGeom prst="rect">
+            <a:avLst/>
+          </a:prstGeom>
+        </p:spPr>
+        <p:txBody>
+          <a:bodyPr/>
+          <a:lstStyle/>
+          <a:p>
+            <a:pPr/>
+            <a:r>
+              <a:t>Objectifs</a:t>
+            </a:r>
+          </a:p>
+        </p:txBody>
+      </p:sp>
+      <p:sp>
+        <p:nvSpPr>
+          <p:cNvPr id="167" name="Présentation…"/>
+          <p:cNvSpPr/>
           <p:nvPr/>
         </p:nvSpPr>
         <p:spPr>
           <a:xfrm>
-            <a:off x="1551446" y="4123044"/>
-            <a:ext cx="2950866" cy="431801"/>
+            <a:off x="5022767" y="2265684"/>
+            <a:ext cx="2959266" cy="2038765"/>
           </a:xfrm>
           <a:prstGeom prst="rect">
             <a:avLst/>
@@ -8665,36 +9063,44 @@
           </a:extLst>
         </p:spPr>
         <p:txBody>
-          <a:bodyPr wrap="none" lIns="50800" tIns="50800" rIns="50800" bIns="50800" anchor="ctr">
-            <a:spAutoFit/>
-          </a:bodyPr>
-          <a:lstStyle>
-            <a:lvl1pPr>
-              <a:defRPr sz="2300">
+          <a:bodyPr lIns="50800" tIns="50800" rIns="50800" bIns="50800" anchor="ctr"/>
+          <a:lstStyle/>
+          <a:p>
+            <a:pPr>
+              <a:defRPr>
                 <a:solidFill>
-                  <a:srgbClr val="000000"/>
+                  <a:srgbClr val="FFFFFF"/>
                 </a:solidFill>
               </a:defRPr>
-            </a:lvl1pPr>
-          </a:lstStyle>
-          <a:p>
-            <a:pPr/>
-            <a:r>
-              <a:t>Page d’accueil (index.jsp)</a:t>
-            </a:r>
-          </a:p>
-        </p:txBody>
-      </p:sp>
-      <p:sp>
-        <p:nvSpPr>
-          <p:cNvPr id="178" name="Dans un premier temps il va être nécessaire de supprimer les classes…"/>
+            </a:pPr>
+            <a:r>
+              <a:t>Présentation</a:t>
+            </a:r>
+          </a:p>
+          <a:p>
+            <a:pPr>
+              <a:defRPr sz="2200">
+                <a:solidFill>
+                  <a:srgbClr val="FFFFFF"/>
+                </a:solidFill>
+              </a:defRPr>
+            </a:pPr>
+            <a:r>
+              <a:t>Interface utilisateur</a:t>
+            </a:r>
+          </a:p>
+        </p:txBody>
+      </p:sp>
+      <p:sp>
+        <p:nvSpPr>
+          <p:cNvPr id="168" name="Décoder les paramètres envoyés par le client…"/>
           <p:cNvSpPr txBox="1"/>
           <p:nvPr/>
         </p:nvSpPr>
         <p:spPr>
           <a:xfrm>
-            <a:off x="1077478" y="7128933"/>
-            <a:ext cx="10849843" cy="2133601"/>
+            <a:off x="626533" y="4991100"/>
+            <a:ext cx="10118106" cy="1778001"/>
           </a:xfrm>
           <a:prstGeom prst="rect">
             <a:avLst/>
@@ -8709,29 +9115,416 @@
           </a:extLst>
         </p:spPr>
         <p:txBody>
-          <a:bodyPr lIns="50800" tIns="50800" rIns="50800" bIns="50800" anchor="ctr">
+          <a:bodyPr wrap="none" lIns="50800" tIns="50800" rIns="50800" bIns="50800" anchor="ctr">
             <a:spAutoFit/>
           </a:bodyPr>
           <a:lstStyle/>
           <a:p>
+            <a:pPr marL="407504" indent="-407504" algn="l">
+              <a:buClr>
+                <a:srgbClr val="535353"/>
+              </a:buClr>
+              <a:buSzPct val="82000"/>
+              <a:buChar char="•"/>
+              <a:defRPr sz="2900"/>
+            </a:pPr>
+            <a:r>
+              <a:t>Décoder les paramètres envoyés par le client</a:t>
+            </a:r>
+          </a:p>
+          <a:p>
+            <a:pPr marL="407504" indent="-407504" algn="l">
+              <a:buClr>
+                <a:srgbClr val="535353"/>
+              </a:buClr>
+              <a:buSzPct val="82000"/>
+              <a:buChar char="•"/>
+              <a:defRPr sz="2900"/>
+            </a:pPr>
+            <a:r>
+              <a:t>Envoyer les réponses aux services pour travailler les informations</a:t>
+            </a:r>
+          </a:p>
+          <a:p>
+            <a:pPr marL="407504" indent="-407504" algn="l">
+              <a:buClr>
+                <a:srgbClr val="535353"/>
+              </a:buClr>
+              <a:buSzPct val="82000"/>
+              <a:buChar char="•"/>
+              <a:defRPr sz="2900"/>
+            </a:pPr>
+            <a:r>
+              <a:t>Encoder les réponses des services pour qu’elles puissent être lues</a:t>
+            </a:r>
+          </a:p>
+          <a:p>
             <a:pPr algn="l">
-              <a:defRPr sz="2800"/>
+              <a:defRPr sz="2900"/>
             </a:pPr>
-          </a:p>
-          <a:p>
-            <a:pPr algn="l">
-              <a:defRPr sz="2800"/>
+            <a:r>
+              <a:t>    ou affichées par le client.</a:t>
+            </a:r>
+          </a:p>
+        </p:txBody>
+      </p:sp>
+    </p:spTree>
+  </p:cSld>
+  <p:clrMapOvr>
+    <a:masterClrMapping/>
+  </p:clrMapOvr>
+  <p:transition xmlns:p14="http://schemas.microsoft.com/office/powerpoint/2010/main" spd="med" advClick="1"/>
+</p:sld>
+</file>
+
+<file path=ppt/slides/slide8.xml><?xml version="1.0" encoding="utf-8"?>
+<p:sld xmlns:a="http://schemas.openxmlformats.org/drawingml/2006/main" xmlns:r="http://schemas.openxmlformats.org/officeDocument/2006/relationships" xmlns:p="http://schemas.openxmlformats.org/presentationml/2006/main" xmlns:m="http://schemas.openxmlformats.org/officeDocument/2006/math" xmlns:a14="http://schemas.microsoft.com/office/drawing/2010/main" showMasterSp="1" showMasterPhAnim="1">
+  <p:cSld>
+    <p:spTree>
+      <p:nvGrpSpPr>
+        <p:cNvPr id="1" name=""/>
+        <p:cNvGrpSpPr/>
+        <p:nvPr/>
+      </p:nvGrpSpPr>
+      <p:grpSpPr>
+        <a:xfrm>
+          <a:off x="0" y="0"/>
+          <a:ext cx="0" cy="0"/>
+          <a:chOff x="0" y="0"/>
+          <a:chExt cx="0" cy="0"/>
+        </a:xfrm>
+      </p:grpSpPr>
+      <p:sp>
+        <p:nvSpPr>
+          <p:cNvPr id="170" name="Objectifs"/>
+          <p:cNvSpPr txBox="1"/>
+          <p:nvPr>
+            <p:ph type="title"/>
+          </p:nvPr>
+        </p:nvSpPr>
+        <p:spPr>
+          <a:prstGeom prst="rect">
+            <a:avLst/>
+          </a:prstGeom>
+        </p:spPr>
+        <p:txBody>
+          <a:bodyPr/>
+          <a:lstStyle/>
+          <a:p>
+            <a:pPr/>
+            <a:r>
+              <a:t>Objectifs</a:t>
+            </a:r>
+          </a:p>
+        </p:txBody>
+      </p:sp>
+      <p:sp>
+        <p:nvSpPr>
+          <p:cNvPr id="171" name="Service…"/>
+          <p:cNvSpPr/>
+          <p:nvPr/>
+        </p:nvSpPr>
+        <p:spPr>
+          <a:xfrm>
+            <a:off x="5022767" y="2265684"/>
+            <a:ext cx="2959266" cy="2038765"/>
+          </a:xfrm>
+          <a:prstGeom prst="rect">
+            <a:avLst/>
+          </a:prstGeom>
+          <a:solidFill>
+            <a:schemeClr val="accent3"/>
+          </a:solidFill>
+          <a:ln w="12700">
+            <a:miter lim="400000"/>
+          </a:ln>
+          <a:extLst>
+            <a:ext uri="{C572A759-6A51-4108-AA02-DFA0A04FC94B}">
+              <ma14:wrappingTextBoxFlag xmlns:ma14="http://schemas.microsoft.com/office/mac/drawingml/2011/main" val="1"/>
+            </a:ext>
+          </a:extLst>
+        </p:spPr>
+        <p:txBody>
+          <a:bodyPr lIns="50800" tIns="50800" rIns="50800" bIns="50800" anchor="ctr"/>
+          <a:lstStyle/>
+          <a:p>
+            <a:pPr>
+              <a:defRPr>
+                <a:solidFill>
+                  <a:srgbClr val="FFFFFF"/>
+                </a:solidFill>
+              </a:defRPr>
             </a:pPr>
             <a:r>
-              <a:t>Dans un premier temps il va être nécessaire de supprimer les classes </a:t>
-            </a:r>
-          </a:p>
-          <a:p>
-            <a:pPr algn="l">
-              <a:defRPr sz="2800"/>
+              <a:t>Service</a:t>
+            </a:r>
+          </a:p>
+          <a:p>
+            <a:pPr>
+              <a:defRPr sz="2200">
+                <a:solidFill>
+                  <a:srgbClr val="FFFFFF"/>
+                </a:solidFill>
+              </a:defRPr>
             </a:pPr>
             <a:r>
-              <a:t>qui ne nous servent plus, puis de commencer à mettre en place une réelle architecture logicielle.</a:t>
+              <a:t>Traitement métier</a:t>
+            </a:r>
+          </a:p>
+        </p:txBody>
+      </p:sp>
+      <p:sp>
+        <p:nvSpPr>
+          <p:cNvPr id="172" name="Correspond à la partie fonctionnelle de l'application, celle qui implémente la logique métier, et qui décrit les opérations que l'application opère sur les données en fonction des requêtes des utilisateurs, effectuées au travers de la couche de présentation.…"/>
+          <p:cNvSpPr txBox="1"/>
+          <p:nvPr/>
+        </p:nvSpPr>
+        <p:spPr>
+          <a:xfrm>
+            <a:off x="706297" y="4781549"/>
+            <a:ext cx="11592206" cy="2197101"/>
+          </a:xfrm>
+          <a:prstGeom prst="rect">
+            <a:avLst/>
+          </a:prstGeom>
+          <a:ln w="12700">
+            <a:miter lim="400000"/>
+          </a:ln>
+          <a:extLst>
+            <a:ext uri="{C572A759-6A51-4108-AA02-DFA0A04FC94B}">
+              <ma14:wrappingTextBoxFlag xmlns:ma14="http://schemas.microsoft.com/office/mac/drawingml/2011/main" val="1"/>
+            </a:ext>
+          </a:extLst>
+        </p:spPr>
+        <p:txBody>
+          <a:bodyPr wrap="none" lIns="50800" tIns="50800" rIns="50800" bIns="50800" anchor="ctr">
+            <a:spAutoFit/>
+          </a:bodyPr>
+          <a:lstStyle/>
+          <a:p>
+            <a:pPr marL="407504" indent="-407504" algn="l">
+              <a:buClr>
+                <a:srgbClr val="535353"/>
+              </a:buClr>
+              <a:buSzPct val="82000"/>
+              <a:buChar char="•"/>
+              <a:defRPr sz="2900"/>
+            </a:pPr>
+            <a:r>
+              <a:t>Correspond à la partie fonctionnelle de </a:t>
+            </a:r>
+            <a:r>
+              <a:rPr>
+                <a:solidFill>
+                  <a:srgbClr val="5A5F5E"/>
+                </a:solidFill>
+              </a:rPr>
+              <a:t>l'application</a:t>
+            </a:r>
+            <a:r>
+              <a:t>, celle qui implémente</a:t>
+            </a:r>
+            <a:br/>
+            <a:r>
+              <a:t>la logique métier, et qui décrit les opérations que l'application opère sur les</a:t>
+            </a:r>
+            <a:br/>
+            <a:r>
+              <a:t>données en fonction des requêtes des utilisateurs, effectuées au travers de la</a:t>
+            </a:r>
+            <a:br/>
+            <a:r>
+              <a:t>couche de présentation.</a:t>
+            </a:r>
+          </a:p>
+          <a:p>
+            <a:pPr marL="407504" indent="-407504" algn="l">
+              <a:buClr>
+                <a:srgbClr val="535353"/>
+              </a:buClr>
+              <a:buSzPct val="82000"/>
+              <a:buChar char="•"/>
+              <a:defRPr sz="2900"/>
+            </a:pPr>
+            <a:r>
+              <a:t>Valide les paramètres qui sont transmis à la couche d’accès aux données</a:t>
+            </a:r>
+          </a:p>
+        </p:txBody>
+      </p:sp>
+    </p:spTree>
+  </p:cSld>
+  <p:clrMapOvr>
+    <a:masterClrMapping/>
+  </p:clrMapOvr>
+  <p:transition xmlns:p14="http://schemas.microsoft.com/office/powerpoint/2010/main" spd="med" advClick="1"/>
+</p:sld>
+</file>
+
+<file path=ppt/slides/slide9.xml><?xml version="1.0" encoding="utf-8"?>
+<p:sld xmlns:a="http://schemas.openxmlformats.org/drawingml/2006/main" xmlns:r="http://schemas.openxmlformats.org/officeDocument/2006/relationships" xmlns:p="http://schemas.openxmlformats.org/presentationml/2006/main" xmlns:m="http://schemas.openxmlformats.org/officeDocument/2006/math" xmlns:a14="http://schemas.microsoft.com/office/drawing/2010/main" showMasterSp="1" showMasterPhAnim="1">
+  <p:cSld>
+    <p:spTree>
+      <p:nvGrpSpPr>
+        <p:cNvPr id="1" name=""/>
+        <p:cNvGrpSpPr/>
+        <p:nvPr/>
+      </p:nvGrpSpPr>
+      <p:grpSpPr>
+        <a:xfrm>
+          <a:off x="0" y="0"/>
+          <a:ext cx="0" cy="0"/>
+          <a:chOff x="0" y="0"/>
+          <a:chExt cx="0" cy="0"/>
+        </a:xfrm>
+      </p:grpSpPr>
+      <p:sp>
+        <p:nvSpPr>
+          <p:cNvPr id="174" name="Objectifs"/>
+          <p:cNvSpPr txBox="1"/>
+          <p:nvPr>
+            <p:ph type="title"/>
+          </p:nvPr>
+        </p:nvSpPr>
+        <p:spPr>
+          <a:prstGeom prst="rect">
+            <a:avLst/>
+          </a:prstGeom>
+        </p:spPr>
+        <p:txBody>
+          <a:bodyPr/>
+          <a:lstStyle/>
+          <a:p>
+            <a:pPr/>
+            <a:r>
+              <a:t>Objectifs</a:t>
+            </a:r>
+          </a:p>
+        </p:txBody>
+      </p:sp>
+      <p:sp>
+        <p:nvSpPr>
+          <p:cNvPr id="175" name="DAO…"/>
+          <p:cNvSpPr/>
+          <p:nvPr/>
+        </p:nvSpPr>
+        <p:spPr>
+          <a:xfrm>
+            <a:off x="5022767" y="2265684"/>
+            <a:ext cx="2959266" cy="2038765"/>
+          </a:xfrm>
+          <a:prstGeom prst="rect">
+            <a:avLst/>
+          </a:prstGeom>
+          <a:solidFill>
+            <a:schemeClr val="accent3"/>
+          </a:solidFill>
+          <a:ln w="12700">
+            <a:miter lim="400000"/>
+          </a:ln>
+          <a:extLst>
+            <a:ext uri="{C572A759-6A51-4108-AA02-DFA0A04FC94B}">
+              <ma14:wrappingTextBoxFlag xmlns:ma14="http://schemas.microsoft.com/office/mac/drawingml/2011/main" val="1"/>
+            </a:ext>
+          </a:extLst>
+        </p:spPr>
+        <p:txBody>
+          <a:bodyPr lIns="50800" tIns="50800" rIns="50800" bIns="50800" anchor="ctr"/>
+          <a:lstStyle/>
+          <a:p>
+            <a:pPr>
+              <a:defRPr>
+                <a:solidFill>
+                  <a:srgbClr val="FFFFFF"/>
+                </a:solidFill>
+              </a:defRPr>
+            </a:pPr>
+            <a:r>
+              <a:t>DAO</a:t>
+            </a:r>
+          </a:p>
+          <a:p>
+            <a:pPr>
+              <a:defRPr sz="2200">
+                <a:solidFill>
+                  <a:srgbClr val="FFFFFF"/>
+                </a:solidFill>
+              </a:defRPr>
+            </a:pPr>
+            <a:r>
+              <a:t>Accès aux données</a:t>
+            </a:r>
+          </a:p>
+        </p:txBody>
+      </p:sp>
+      <p:sp>
+        <p:nvSpPr>
+          <p:cNvPr id="176" name="Correspond à la partie gérant l'accès aux données de l'application. Ces  données peuvent être propres à l'application, ou gérées par une autre  application.…"/>
+          <p:cNvSpPr txBox="1"/>
+          <p:nvPr/>
+        </p:nvSpPr>
+        <p:spPr>
+          <a:xfrm>
+            <a:off x="728133" y="4572000"/>
+            <a:ext cx="11020154" cy="2616201"/>
+          </a:xfrm>
+          <a:prstGeom prst="rect">
+            <a:avLst/>
+          </a:prstGeom>
+          <a:ln w="12700">
+            <a:miter lim="400000"/>
+          </a:ln>
+          <a:extLst>
+            <a:ext uri="{C572A759-6A51-4108-AA02-DFA0A04FC94B}">
+              <ma14:wrappingTextBoxFlag xmlns:ma14="http://schemas.microsoft.com/office/mac/drawingml/2011/main" val="1"/>
+            </a:ext>
+          </a:extLst>
+        </p:spPr>
+        <p:txBody>
+          <a:bodyPr wrap="none" lIns="50800" tIns="50800" rIns="50800" bIns="50800" anchor="ctr">
+            <a:spAutoFit/>
+          </a:bodyPr>
+          <a:lstStyle/>
+          <a:p>
+            <a:pPr marL="407504" indent="-407504" algn="l">
+              <a:buClr>
+                <a:srgbClr val="535353"/>
+              </a:buClr>
+              <a:buSzPct val="82000"/>
+              <a:buChar char="•"/>
+              <a:defRPr sz="2900"/>
+            </a:pPr>
+            <a:r>
+              <a:t>Correspond à la partie gérant l'accès aux données de l'application. Ces </a:t>
+            </a:r>
+            <a:br/>
+            <a:r>
+              <a:t>données peuvent être propres à l'application, ou gérées par une autre </a:t>
+            </a:r>
+            <a:br/>
+            <a:r>
+              <a:t>application.  </a:t>
+            </a:r>
+          </a:p>
+          <a:p>
+            <a:pPr marL="407504" indent="-407504" algn="l">
+              <a:buClr>
+                <a:srgbClr val="535353"/>
+              </a:buClr>
+              <a:buSzPct val="82000"/>
+              <a:buChar char="•"/>
+              <a:defRPr sz="2900"/>
+            </a:pPr>
+            <a:r>
+              <a:t>La couche Service n'a pas à s'adapter à ces deux cas, ils sont </a:t>
+            </a:r>
+            <a:br/>
+            <a:r>
+              <a:t>transparents pour elle, et elle accède aux données de manière uniforme </a:t>
+            </a:r>
+            <a:br/>
+            <a:r>
+              <a:t>(couplage faible).</a:t>
             </a:r>
           </a:p>
         </p:txBody>
